--- a/spring16/slidesS16/prpostn_algebra.pptx
+++ b/spring16/slidesS16/prpostn_algebra.pptx
@@ -6,10 +6,10 @@
     <p:sldMasterId id="2147483651" r:id="rId2"/>
   </p:sldMasterIdLst>
   <p:notesMasterIdLst>
-    <p:notesMasterId r:id="rId48"/>
+    <p:notesMasterId r:id="rId49"/>
   </p:notesMasterIdLst>
   <p:handoutMasterIdLst>
-    <p:handoutMasterId r:id="rId49"/>
+    <p:handoutMasterId r:id="rId50"/>
   </p:handoutMasterIdLst>
   <p:sldIdLst>
     <p:sldId id="392" r:id="rId3"/>
@@ -41,27 +41,28 @@
     <p:sldId id="518" r:id="rId29"/>
     <p:sldId id="498" r:id="rId30"/>
     <p:sldId id="533" r:id="rId31"/>
-    <p:sldId id="499" r:id="rId32"/>
-    <p:sldId id="522" r:id="rId33"/>
-    <p:sldId id="525" r:id="rId34"/>
-    <p:sldId id="529" r:id="rId35"/>
-    <p:sldId id="530" r:id="rId36"/>
-    <p:sldId id="532" r:id="rId37"/>
-    <p:sldId id="534" r:id="rId38"/>
-    <p:sldId id="535" r:id="rId39"/>
-    <p:sldId id="531" r:id="rId40"/>
-    <p:sldId id="536" r:id="rId41"/>
-    <p:sldId id="537" r:id="rId42"/>
-    <p:sldId id="538" r:id="rId43"/>
-    <p:sldId id="503" r:id="rId44"/>
-    <p:sldId id="523" r:id="rId45"/>
-    <p:sldId id="504" r:id="rId46"/>
-    <p:sldId id="501" r:id="rId47"/>
+    <p:sldId id="539" r:id="rId32"/>
+    <p:sldId id="499" r:id="rId33"/>
+    <p:sldId id="522" r:id="rId34"/>
+    <p:sldId id="525" r:id="rId35"/>
+    <p:sldId id="529" r:id="rId36"/>
+    <p:sldId id="530" r:id="rId37"/>
+    <p:sldId id="532" r:id="rId38"/>
+    <p:sldId id="534" r:id="rId39"/>
+    <p:sldId id="535" r:id="rId40"/>
+    <p:sldId id="531" r:id="rId41"/>
+    <p:sldId id="536" r:id="rId42"/>
+    <p:sldId id="537" r:id="rId43"/>
+    <p:sldId id="538" r:id="rId44"/>
+    <p:sldId id="503" r:id="rId45"/>
+    <p:sldId id="523" r:id="rId46"/>
+    <p:sldId id="504" r:id="rId47"/>
+    <p:sldId id="501" r:id="rId48"/>
   </p:sldIdLst>
   <p:sldSz cx="9144000" cy="6858000" type="screen4x3"/>
   <p:notesSz cx="9601200" cy="7315200"/>
   <p:custDataLst>
-    <p:tags r:id="rId51"/>
+    <p:tags r:id="rId52"/>
   </p:custDataLst>
   <p:defaultTextStyle>
     <a:defPPr>
@@ -4136,6 +4137,88 @@
               <a:rPr lang="en-US" smtClean="0"/>
               <a:pPr/>
               <a:t>45</a:t>
+            </a:fld>
+            <a:endParaRPr lang="en-US"/>
+          </a:p>
+        </p:txBody>
+      </p:sp>
+    </p:spTree>
+  </p:cSld>
+  <p:clrMapOvr>
+    <a:masterClrMapping/>
+  </p:clrMapOvr>
+</p:notes>
+</file>
+
+<file path=ppt/notesSlides/notesSlide46.xml><?xml version="1.0" encoding="utf-8"?>
+<p:notes xmlns:a="http://schemas.openxmlformats.org/drawingml/2006/main" xmlns:r="http://schemas.openxmlformats.org/officeDocument/2006/relationships" xmlns:p="http://schemas.openxmlformats.org/presentationml/2006/main">
+  <p:cSld>
+    <p:spTree>
+      <p:nvGrpSpPr>
+        <p:cNvPr id="1" name=""/>
+        <p:cNvGrpSpPr/>
+        <p:nvPr/>
+      </p:nvGrpSpPr>
+      <p:grpSpPr>
+        <a:xfrm>
+          <a:off x="0" y="0"/>
+          <a:ext cx="0" cy="0"/>
+          <a:chOff x="0" y="0"/>
+          <a:chExt cx="0" cy="0"/>
+        </a:xfrm>
+      </p:grpSpPr>
+      <p:sp>
+        <p:nvSpPr>
+          <p:cNvPr id="2" name="Slide Image Placeholder 1"/>
+          <p:cNvSpPr>
+            <a:spLocks noGrp="1" noRot="1" noChangeAspect="1"/>
+          </p:cNvSpPr>
+          <p:nvPr>
+            <p:ph type="sldImg"/>
+          </p:nvPr>
+        </p:nvSpPr>
+        <p:spPr/>
+      </p:sp>
+      <p:sp>
+        <p:nvSpPr>
+          <p:cNvPr id="3" name="Notes Placeholder 2"/>
+          <p:cNvSpPr>
+            <a:spLocks noGrp="1"/>
+          </p:cNvSpPr>
+          <p:nvPr>
+            <p:ph type="body" idx="1"/>
+          </p:nvPr>
+        </p:nvSpPr>
+        <p:spPr/>
+        <p:txBody>
+          <a:bodyPr>
+            <a:normAutofit/>
+          </a:bodyPr>
+          <a:lstStyle/>
+          <a:p>
+            <a:endParaRPr lang="en-US"/>
+          </a:p>
+        </p:txBody>
+      </p:sp>
+      <p:sp>
+        <p:nvSpPr>
+          <p:cNvPr id="4" name="Slide Number Placeholder 3"/>
+          <p:cNvSpPr>
+            <a:spLocks noGrp="1"/>
+          </p:cNvSpPr>
+          <p:nvPr>
+            <p:ph type="sldNum" sz="quarter" idx="10"/>
+          </p:nvPr>
+        </p:nvSpPr>
+        <p:spPr/>
+        <p:txBody>
+          <a:bodyPr/>
+          <a:lstStyle/>
+          <a:p>
+            <a:fld id="{A02B9F3F-3042-489F-AF35-1A733968F079}" type="slidenum">
+              <a:rPr lang="en-US" smtClean="0"/>
+              <a:pPr/>
+              <a:t>46</a:t>
             </a:fld>
             <a:endParaRPr lang="en-US"/>
           </a:p>
@@ -8677,7 +8760,7 @@
           <a:graphicData uri="http://schemas.openxmlformats.org/presentationml/2006/ole">
             <mc:AlternateContent xmlns:mc="http://schemas.openxmlformats.org/markup-compatibility/2006">
               <mc:Choice xmlns:v="urn:schemas-microsoft-com:vml" Requires="v">
-                <p:oleObj spid="_x0000_s418885" name="Equation" r:id="rId4" imgW="1866900" imgH="457200" progId="Equation.DSMT4">
+                <p:oleObj spid="_x0000_s418889" name="Equation" r:id="rId4" imgW="1866900" imgH="457200" progId="Equation.DSMT4">
                   <p:embed/>
                 </p:oleObj>
               </mc:Choice>
@@ -8961,7 +9044,7 @@
           <a:graphicData uri="http://schemas.openxmlformats.org/presentationml/2006/ole">
             <mc:AlternateContent xmlns:mc="http://schemas.openxmlformats.org/markup-compatibility/2006">
               <mc:Choice xmlns:v="urn:schemas-microsoft-com:vml" Requires="v">
-                <p:oleObj spid="_x0000_s431115" name="Equation" r:id="rId4" imgW="1790700" imgH="457200" progId="Equation.DSMT4">
+                <p:oleObj spid="_x0000_s431119" name="Equation" r:id="rId4" imgW="1790700" imgH="457200" progId="Equation.DSMT4">
                   <p:embed/>
                 </p:oleObj>
               </mc:Choice>
@@ -9591,7 +9674,7 @@
           <a:graphicData uri="http://schemas.openxmlformats.org/presentationml/2006/ole">
             <mc:AlternateContent xmlns:mc="http://schemas.openxmlformats.org/markup-compatibility/2006">
               <mc:Choice xmlns:v="urn:schemas-microsoft-com:vml" Requires="v">
-                <p:oleObj spid="_x0000_s435209" name="Equation" r:id="rId4" imgW="2108200" imgH="228600" progId="Equation.DSMT4">
+                <p:oleObj spid="_x0000_s435213" name="Equation" r:id="rId4" imgW="2108200" imgH="228600" progId="Equation.DSMT4">
                   <p:embed/>
                 </p:oleObj>
               </mc:Choice>
@@ -9837,7 +9920,7 @@
           <a:graphicData uri="http://schemas.openxmlformats.org/presentationml/2006/ole">
             <mc:AlternateContent xmlns:mc="http://schemas.openxmlformats.org/markup-compatibility/2006">
               <mc:Choice xmlns:v="urn:schemas-microsoft-com:vml" Requires="v">
-                <p:oleObj spid="_x0000_s438280" name="Equation" r:id="rId4" imgW="2108200" imgH="228600" progId="Equation.DSMT4">
+                <p:oleObj spid="_x0000_s438284" name="Equation" r:id="rId4" imgW="2108200" imgH="228600" progId="Equation.DSMT4">
                   <p:embed/>
                 </p:oleObj>
               </mc:Choice>
@@ -9953,88 +10036,9 @@
   <p:timing>
     <p:tnLst>
       <p:par>
-        <p:cTn xmlns:p14="http://schemas.microsoft.com/office/powerpoint/2010/main" id="1" dur="indefinite" restart="never" nodeType="tmRoot">
-          <p:childTnLst>
-            <p:seq concurrent="1" nextAc="seek">
-              <p:cTn id="2" dur="indefinite" nodeType="mainSeq">
-                <p:childTnLst>
-                  <p:par>
-                    <p:cTn id="3" fill="hold">
-                      <p:stCondLst>
-                        <p:cond delay="indefinite"/>
-                      </p:stCondLst>
-                      <p:childTnLst>
-                        <p:par>
-                          <p:cTn id="4" fill="hold">
-                            <p:stCondLst>
-                              <p:cond delay="0"/>
-                            </p:stCondLst>
-                            <p:childTnLst>
-                              <p:par>
-                                <p:cTn id="5" presetID="10" presetClass="entr" presetSubtype="0" fill="hold" grpId="0" nodeType="clickEffect">
-                                  <p:stCondLst>
-                                    <p:cond delay="0"/>
-                                  </p:stCondLst>
-                                  <p:childTnLst>
-                                    <p:set>
-                                      <p:cBhvr>
-                                        <p:cTn id="6" dur="1" fill="hold">
-                                          <p:stCondLst>
-                                            <p:cond delay="0"/>
-                                          </p:stCondLst>
-                                        </p:cTn>
-                                        <p:tgtEl>
-                                          <p:spTgt spid="11"/>
-                                        </p:tgtEl>
-                                        <p:attrNameLst>
-                                          <p:attrName>style.visibility</p:attrName>
-                                        </p:attrNameLst>
-                                      </p:cBhvr>
-                                      <p:to>
-                                        <p:strVal val="visible"/>
-                                      </p:to>
-                                    </p:set>
-                                    <p:animEffect transition="in" filter="fade">
-                                      <p:cBhvr>
-                                        <p:cTn id="7" dur="500"/>
-                                        <p:tgtEl>
-                                          <p:spTgt spid="11"/>
-                                        </p:tgtEl>
-                                      </p:cBhvr>
-                                    </p:animEffect>
-                                  </p:childTnLst>
-                                </p:cTn>
-                              </p:par>
-                            </p:childTnLst>
-                          </p:cTn>
-                        </p:par>
-                      </p:childTnLst>
-                    </p:cTn>
-                  </p:par>
-                </p:childTnLst>
-              </p:cTn>
-              <p:prevCondLst>
-                <p:cond evt="onPrev" delay="0">
-                  <p:tgtEl>
-                    <p:sldTgt/>
-                  </p:tgtEl>
-                </p:cond>
-              </p:prevCondLst>
-              <p:nextCondLst>
-                <p:cond evt="onNext" delay="0">
-                  <p:tgtEl>
-                    <p:sldTgt/>
-                  </p:tgtEl>
-                </p:cond>
-              </p:nextCondLst>
-            </p:seq>
-          </p:childTnLst>
-        </p:cTn>
+        <p:cTn xmlns:p14="http://schemas.microsoft.com/office/powerpoint/2010/main" id="1" dur="indefinite" restart="never" nodeType="tmRoot"/>
       </p:par>
     </p:tnLst>
-    <p:bldLst>
-      <p:bldP spid="11" grpId="0"/>
-    </p:bldLst>
   </p:timing>
 </p:sld>
 </file>
@@ -10126,25 +10130,25 @@
           <p:nvPr>
             <p:extLst>
               <p:ext uri="{D42A27DB-BD31-4B8C-83A1-F6EECF244321}">
-                <p14:modId xmlns:p14="http://schemas.microsoft.com/office/powerpoint/2010/main" val="4281795457"/>
+                <p14:modId xmlns:p14="http://schemas.microsoft.com/office/powerpoint/2010/main" val="2381420334"/>
               </p:ext>
             </p:extLst>
           </p:nvPr>
         </p:nvGraphicFramePr>
         <p:xfrm>
-          <a:off x="369888" y="1639294"/>
-          <a:ext cx="8540750" cy="926105"/>
+          <a:off x="293688" y="1639888"/>
+          <a:ext cx="8694737" cy="925512"/>
         </p:xfrm>
         <a:graphic>
           <a:graphicData uri="http://schemas.openxmlformats.org/presentationml/2006/ole">
             <mc:AlternateContent xmlns:mc="http://schemas.openxmlformats.org/markup-compatibility/2006">
               <mc:Choice xmlns:v="urn:schemas-microsoft-com:vml" Requires="v">
-                <p:oleObj spid="_x0000_s439305" name="Equation" r:id="rId4" imgW="2108200" imgH="228600" progId="Equation.DSMT4">
+                <p:oleObj spid="_x0000_s439310" name="Equation" r:id="rId4" imgW="2146300" imgH="228600" progId="Equation.DSMT4">
                   <p:embed/>
                 </p:oleObj>
               </mc:Choice>
               <mc:Fallback>
-                <p:oleObj name="Equation" r:id="rId4" imgW="2108200" imgH="228600" progId="Equation.DSMT4">
+                <p:oleObj name="Equation" r:id="rId4" imgW="2146300" imgH="228600" progId="Equation.DSMT4">
                   <p:embed/>
                   <p:pic>
                     <p:nvPicPr>
@@ -10160,8 +10164,8 @@
                     </p:blipFill>
                     <p:spPr>
                       <a:xfrm>
-                        <a:off x="369888" y="1639294"/>
-                        <a:ext cx="8540750" cy="926105"/>
+                        <a:off x="293688" y="1639888"/>
+                        <a:ext cx="8694737" cy="925512"/>
                       </a:xfrm>
                       <a:prstGeom prst="rect">
                         <a:avLst/>
@@ -10362,7 +10366,7 @@
           <a:graphicData uri="http://schemas.openxmlformats.org/presentationml/2006/ole">
             <mc:AlternateContent xmlns:mc="http://schemas.openxmlformats.org/markup-compatibility/2006">
               <mc:Choice xmlns:v="urn:schemas-microsoft-com:vml" Requires="v">
-                <p:oleObj spid="_x0000_s434203" name="Equation" r:id="rId4" imgW="2108200" imgH="228600" progId="Equation.DSMT4">
+                <p:oleObj spid="_x0000_s434210" name="Equation" r:id="rId4" imgW="2108200" imgH="228600" progId="Equation.DSMT4">
                   <p:embed/>
                 </p:oleObj>
               </mc:Choice>
@@ -10419,7 +10423,7 @@
           <a:graphicData uri="http://schemas.openxmlformats.org/presentationml/2006/ole">
             <mc:AlternateContent xmlns:mc="http://schemas.openxmlformats.org/markup-compatibility/2006">
               <mc:Choice xmlns:v="urn:schemas-microsoft-com:vml" Requires="v">
-                <p:oleObj spid="_x0000_s434204" name="Equation" r:id="rId6" imgW="2514600" imgH="228600" progId="Equation.DSMT4">
+                <p:oleObj spid="_x0000_s434211" name="Equation" r:id="rId6" imgW="2514600" imgH="228600" progId="Equation.DSMT4">
                   <p:embed/>
                 </p:oleObj>
               </mc:Choice>
@@ -10586,7 +10590,7 @@
           <a:graphicData uri="http://schemas.openxmlformats.org/presentationml/2006/ole">
             <mc:AlternateContent xmlns:mc="http://schemas.openxmlformats.org/markup-compatibility/2006">
               <mc:Choice xmlns:v="urn:schemas-microsoft-com:vml" Requires="v">
-                <p:oleObj spid="_x0000_s436243" name="Equation" r:id="rId4" imgW="2108200" imgH="228600" progId="Equation.DSMT4">
+                <p:oleObj spid="_x0000_s436250" name="Equation" r:id="rId4" imgW="2108200" imgH="228600" progId="Equation.DSMT4">
                   <p:embed/>
                 </p:oleObj>
               </mc:Choice>
@@ -10643,7 +10647,7 @@
           <a:graphicData uri="http://schemas.openxmlformats.org/presentationml/2006/ole">
             <mc:AlternateContent xmlns:mc="http://schemas.openxmlformats.org/markup-compatibility/2006">
               <mc:Choice xmlns:v="urn:schemas-microsoft-com:vml" Requires="v">
-                <p:oleObj spid="_x0000_s436244" name="Equation" r:id="rId6" imgW="2514600" imgH="228600" progId="Equation.DSMT4">
+                <p:oleObj spid="_x0000_s436251" name="Equation" r:id="rId6" imgW="2514600" imgH="228600" progId="Equation.DSMT4">
                   <p:embed/>
                 </p:oleObj>
               </mc:Choice>
@@ -10864,7 +10868,7 @@
           <a:graphicData uri="http://schemas.openxmlformats.org/presentationml/2006/ole">
             <mc:AlternateContent xmlns:mc="http://schemas.openxmlformats.org/markup-compatibility/2006">
               <mc:Choice xmlns:v="urn:schemas-microsoft-com:vml" Requires="v">
-                <p:oleObj spid="_x0000_s437273" name="Equation" r:id="rId4" imgW="2108200" imgH="228600" progId="Equation.DSMT4">
+                <p:oleObj spid="_x0000_s437283" name="Equation" r:id="rId4" imgW="2108200" imgH="228600" progId="Equation.DSMT4">
                   <p:embed/>
                 </p:oleObj>
               </mc:Choice>
@@ -10921,7 +10925,7 @@
           <a:graphicData uri="http://schemas.openxmlformats.org/presentationml/2006/ole">
             <mc:AlternateContent xmlns:mc="http://schemas.openxmlformats.org/markup-compatibility/2006">
               <mc:Choice xmlns:v="urn:schemas-microsoft-com:vml" Requires="v">
-                <p:oleObj spid="_x0000_s437274" name="Equation" r:id="rId6" imgW="2514600" imgH="228600" progId="Equation.DSMT4">
+                <p:oleObj spid="_x0000_s437284" name="Equation" r:id="rId6" imgW="2514600" imgH="228600" progId="Equation.DSMT4">
                   <p:embed/>
                 </p:oleObj>
               </mc:Choice>
@@ -10978,7 +10982,7 @@
           <a:graphicData uri="http://schemas.openxmlformats.org/presentationml/2006/ole">
             <mc:AlternateContent xmlns:mc="http://schemas.openxmlformats.org/markup-compatibility/2006">
               <mc:Choice xmlns:v="urn:schemas-microsoft-com:vml" Requires="v">
-                <p:oleObj spid="_x0000_s437275" name="Equation" r:id="rId8" imgW="1866900" imgH="228600" progId="Equation.DSMT4">
+                <p:oleObj spid="_x0000_s437285" name="Equation" r:id="rId8" imgW="1866900" imgH="228600" progId="Equation.DSMT4">
                   <p:embed/>
                 </p:oleObj>
               </mc:Choice>
@@ -11280,7 +11284,7 @@
           <a:graphicData uri="http://schemas.openxmlformats.org/presentationml/2006/ole">
             <mc:AlternateContent xmlns:mc="http://schemas.openxmlformats.org/markup-compatibility/2006">
               <mc:Choice xmlns:v="urn:schemas-microsoft-com:vml" Requires="v">
-                <p:oleObj spid="_x0000_s440346" name="Equation" r:id="rId4" imgW="2108200" imgH="228600" progId="Equation.DSMT4">
+                <p:oleObj spid="_x0000_s440363" name="Equation" r:id="rId4" imgW="2108200" imgH="228600" progId="Equation.DSMT4">
                   <p:embed/>
                 </p:oleObj>
               </mc:Choice>
@@ -11337,7 +11341,7 @@
           <a:graphicData uri="http://schemas.openxmlformats.org/presentationml/2006/ole">
             <mc:AlternateContent xmlns:mc="http://schemas.openxmlformats.org/markup-compatibility/2006">
               <mc:Choice xmlns:v="urn:schemas-microsoft-com:vml" Requires="v">
-                <p:oleObj spid="_x0000_s440347" name="Equation" r:id="rId6" imgW="2514600" imgH="228600" progId="Equation.DSMT4">
+                <p:oleObj spid="_x0000_s440364" name="Equation" r:id="rId6" imgW="2514600" imgH="228600" progId="Equation.DSMT4">
                   <p:embed/>
                 </p:oleObj>
               </mc:Choice>
@@ -11394,7 +11398,7 @@
           <a:graphicData uri="http://schemas.openxmlformats.org/presentationml/2006/ole">
             <mc:AlternateContent xmlns:mc="http://schemas.openxmlformats.org/markup-compatibility/2006">
               <mc:Choice xmlns:v="urn:schemas-microsoft-com:vml" Requires="v">
-                <p:oleObj spid="_x0000_s440348" name="Equation" r:id="rId8" imgW="1866900" imgH="228600" progId="Equation.DSMT4">
+                <p:oleObj spid="_x0000_s440365" name="Equation" r:id="rId8" imgW="1866900" imgH="228600" progId="Equation.DSMT4">
                   <p:embed/>
                 </p:oleObj>
               </mc:Choice>
@@ -11429,62 +11433,6 @@
           </a:graphicData>
         </a:graphic>
       </p:graphicFrame>
-      <p:sp>
-        <p:nvSpPr>
-          <p:cNvPr id="13" name="TextBox 12"/>
-          <p:cNvSpPr txBox="1"/>
-          <p:nvPr/>
-        </p:nvSpPr>
-        <p:spPr>
-          <a:xfrm>
-            <a:off x="4640263" y="3906103"/>
-            <a:ext cx="4233851" cy="830997"/>
-          </a:xfrm>
-          <a:prstGeom prst="rect">
-            <a:avLst/>
-          </a:prstGeom>
-          <a:noFill/>
-        </p:spPr>
-        <p:txBody>
-          <a:bodyPr wrap="none" rtlCol="0">
-            <a:spAutoFit/>
-          </a:bodyPr>
-          <a:lstStyle/>
-          <a:p>
-            <a:pPr algn="l"/>
-            <a:r>
-              <a:rPr lang="en-US" sz="4800" dirty="0" smtClean="0">
-                <a:latin typeface="Comic Sans MS" pitchFamily="66" charset="0"/>
-              </a:rPr>
-              <a:t>use</a:t>
-            </a:r>
-            <a:r>
-              <a:rPr lang="en-US" sz="4800" dirty="0" smtClean="0">
-                <a:solidFill>
-                  <a:srgbClr val="FF03E3"/>
-                </a:solidFill>
-                <a:latin typeface="Comic Sans MS" pitchFamily="66" charset="0"/>
-              </a:rPr>
-              <a:t> </a:t>
-            </a:r>
-            <a:r>
-              <a:rPr lang="en-US" sz="4800" dirty="0" err="1" smtClean="0">
-                <a:solidFill>
-                  <a:srgbClr val="FF03E3"/>
-                </a:solidFill>
-                <a:latin typeface="Comic Sans MS" pitchFamily="66" charset="0"/>
-              </a:rPr>
-              <a:t>DeMorgan</a:t>
-            </a:r>
-            <a:endParaRPr lang="en-US" sz="4800" dirty="0" smtClean="0">
-              <a:solidFill>
-                <a:srgbClr val="FF03E3"/>
-              </a:solidFill>
-              <a:latin typeface="Comic Sans MS" pitchFamily="66" charset="0"/>
-            </a:endParaRPr>
-          </a:p>
-        </p:txBody>
-      </p:sp>
       <p:graphicFrame>
         <p:nvGraphicFramePr>
           <p:cNvPr id="14" name="Object 13"/>
@@ -11507,7 +11455,7 @@
           <a:graphicData uri="http://schemas.openxmlformats.org/presentationml/2006/ole">
             <mc:AlternateContent xmlns:mc="http://schemas.openxmlformats.org/markup-compatibility/2006">
               <mc:Choice xmlns:v="urn:schemas-microsoft-com:vml" Requires="v">
-                <p:oleObj spid="_x0000_s440349" name="Equation" r:id="rId10" imgW="1689100" imgH="254000" progId="Equation.DSMT4">
+                <p:oleObj spid="_x0000_s440366" name="Equation" r:id="rId10" imgW="1689100" imgH="254000" progId="Equation.DSMT4">
                   <p:embed/>
                 </p:oleObj>
               </mc:Choice>
@@ -11619,41 +11567,6 @@
                                   </p:childTnLst>
                                 </p:cTn>
                               </p:par>
-                              <p:par>
-                                <p:cTn id="8" presetID="9" presetClass="exit" presetSubtype="0" fill="hold" grpId="1" nodeType="withEffect">
-                                  <p:stCondLst>
-                                    <p:cond delay="0"/>
-                                  </p:stCondLst>
-                                  <p:childTnLst>
-                                    <p:animEffect transition="out" filter="dissolve">
-                                      <p:cBhvr>
-                                        <p:cTn id="9" dur="500"/>
-                                        <p:tgtEl>
-                                          <p:spTgt spid="13"/>
-                                        </p:tgtEl>
-                                      </p:cBhvr>
-                                    </p:animEffect>
-                                    <p:set>
-                                      <p:cBhvr>
-                                        <p:cTn id="10" dur="1" fill="hold">
-                                          <p:stCondLst>
-                                            <p:cond delay="499"/>
-                                          </p:stCondLst>
-                                        </p:cTn>
-                                        <p:tgtEl>
-                                          <p:spTgt spid="13"/>
-                                        </p:tgtEl>
-                                        <p:attrNameLst>
-                                          <p:attrName>style.visibility</p:attrName>
-                                        </p:attrNameLst>
-                                      </p:cBhvr>
-                                      <p:to>
-                                        <p:strVal val="hidden"/>
-                                      </p:to>
-                                    </p:set>
-                                  </p:childTnLst>
-                                </p:cTn>
-                              </p:par>
                             </p:childTnLst>
                           </p:cTn>
                         </p:par>
@@ -11681,9 +11594,6 @@
         </p:cTn>
       </p:par>
     </p:tnLst>
-    <p:bldLst>
-      <p:bldP spid="13" grpId="1"/>
-    </p:bldLst>
   </p:timing>
 </p:sld>
 </file>
@@ -11946,7 +11856,7 @@
           <a:graphicData uri="http://schemas.openxmlformats.org/presentationml/2006/ole">
             <mc:AlternateContent xmlns:mc="http://schemas.openxmlformats.org/markup-compatibility/2006">
               <mc:Choice xmlns:v="urn:schemas-microsoft-com:vml" Requires="v">
-                <p:oleObj spid="_x0000_s433183" name="Equation" r:id="rId4" imgW="2108200" imgH="228600" progId="Equation.DSMT4">
+                <p:oleObj spid="_x0000_s433196" name="Equation" r:id="rId4" imgW="2108200" imgH="228600" progId="Equation.DSMT4">
                   <p:embed/>
                 </p:oleObj>
               </mc:Choice>
@@ -12003,7 +11913,7 @@
           <a:graphicData uri="http://schemas.openxmlformats.org/presentationml/2006/ole">
             <mc:AlternateContent xmlns:mc="http://schemas.openxmlformats.org/markup-compatibility/2006">
               <mc:Choice xmlns:v="urn:schemas-microsoft-com:vml" Requires="v">
-                <p:oleObj spid="_x0000_s433184" name="Equation" r:id="rId6" imgW="2514600" imgH="228600" progId="Equation.DSMT4">
+                <p:oleObj spid="_x0000_s433197" name="Equation" r:id="rId6" imgW="2514600" imgH="228600" progId="Equation.DSMT4">
                   <p:embed/>
                 </p:oleObj>
               </mc:Choice>
@@ -12060,7 +11970,7 @@
           <a:graphicData uri="http://schemas.openxmlformats.org/presentationml/2006/ole">
             <mc:AlternateContent xmlns:mc="http://schemas.openxmlformats.org/markup-compatibility/2006">
               <mc:Choice xmlns:v="urn:schemas-microsoft-com:vml" Requires="v">
-                <p:oleObj spid="_x0000_s433185" name="Equation" r:id="rId8" imgW="1866900" imgH="228600" progId="Equation.DSMT4">
+                <p:oleObj spid="_x0000_s433198" name="Equation" r:id="rId8" imgW="1866900" imgH="228600" progId="Equation.DSMT4">
                   <p:embed/>
                 </p:oleObj>
               </mc:Choice>
@@ -12117,7 +12027,7 @@
           <a:graphicData uri="http://schemas.openxmlformats.org/presentationml/2006/ole">
             <mc:AlternateContent xmlns:mc="http://schemas.openxmlformats.org/markup-compatibility/2006">
               <mc:Choice xmlns:v="urn:schemas-microsoft-com:vml" Requires="v">
-                <p:oleObj spid="_x0000_s433186" name="Equation" r:id="rId10" imgW="1689100" imgH="254000" progId="Equation.DSMT4">
+                <p:oleObj spid="_x0000_s433199" name="Equation" r:id="rId10" imgW="1689100" imgH="254000" progId="Equation.DSMT4">
                   <p:embed/>
                 </p:oleObj>
               </mc:Choice>
@@ -12390,7 +12300,7 @@
           <a:graphicData uri="http://schemas.openxmlformats.org/presentationml/2006/ole">
             <mc:AlternateContent xmlns:mc="http://schemas.openxmlformats.org/markup-compatibility/2006">
               <mc:Choice xmlns:v="urn:schemas-microsoft-com:vml" Requires="v">
-                <p:oleObj spid="_x0000_s441376" name="Equation" r:id="rId4" imgW="1371600" imgH="482600" progId="Equation.DSMT4">
+                <p:oleObj spid="_x0000_s441392" name="Equation" r:id="rId4" imgW="1371600" imgH="482600" progId="Equation.DSMT4">
                   <p:embed/>
                 </p:oleObj>
               </mc:Choice>
@@ -12508,7 +12418,7 @@
           <a:graphicData uri="http://schemas.openxmlformats.org/presentationml/2006/ole">
             <mc:AlternateContent xmlns:mc="http://schemas.openxmlformats.org/markup-compatibility/2006">
               <mc:Choice xmlns:v="urn:schemas-microsoft-com:vml" Requires="v">
-                <p:oleObj spid="_x0000_s441377" name="Equation" r:id="rId6" imgW="2108200" imgH="228600" progId="Equation.DSMT4">
+                <p:oleObj spid="_x0000_s441393" name="Equation" r:id="rId6" imgW="2108200" imgH="228600" progId="Equation.DSMT4">
                   <p:embed/>
                 </p:oleObj>
               </mc:Choice>
@@ -12565,7 +12475,7 @@
           <a:graphicData uri="http://schemas.openxmlformats.org/presentationml/2006/ole">
             <mc:AlternateContent xmlns:mc="http://schemas.openxmlformats.org/markup-compatibility/2006">
               <mc:Choice xmlns:v="urn:schemas-microsoft-com:vml" Requires="v">
-                <p:oleObj spid="_x0000_s441378" name="Equation" r:id="rId8" imgW="2514600" imgH="228600" progId="Equation.DSMT4">
+                <p:oleObj spid="_x0000_s441394" name="Equation" r:id="rId8" imgW="2514600" imgH="228600" progId="Equation.DSMT4">
                   <p:embed/>
                 </p:oleObj>
               </mc:Choice>
@@ -12622,7 +12532,7 @@
           <a:graphicData uri="http://schemas.openxmlformats.org/presentationml/2006/ole">
             <mc:AlternateContent xmlns:mc="http://schemas.openxmlformats.org/markup-compatibility/2006">
               <mc:Choice xmlns:v="urn:schemas-microsoft-com:vml" Requires="v">
-                <p:oleObj spid="_x0000_s441379" name="Equation" r:id="rId10" imgW="1866900" imgH="228600" progId="Equation.DSMT4">
+                <p:oleObj spid="_x0000_s441395" name="Equation" r:id="rId10" imgW="1866900" imgH="228600" progId="Equation.DSMT4">
                   <p:embed/>
                 </p:oleObj>
               </mc:Choice>
@@ -12679,7 +12589,7 @@
           <a:graphicData uri="http://schemas.openxmlformats.org/presentationml/2006/ole">
             <mc:AlternateContent xmlns:mc="http://schemas.openxmlformats.org/markup-compatibility/2006">
               <mc:Choice xmlns:v="urn:schemas-microsoft-com:vml" Requires="v">
-                <p:oleObj spid="_x0000_s441380" name="Equation" r:id="rId12" imgW="1689100" imgH="254000" progId="Equation.DSMT4">
+                <p:oleObj spid="_x0000_s441396" name="Equation" r:id="rId12" imgW="1689100" imgH="254000" progId="Equation.DSMT4">
                   <p:embed/>
                 </p:oleObj>
               </mc:Choice>
@@ -12785,7 +12695,7 @@
           <a:graphicData uri="http://schemas.openxmlformats.org/presentationml/2006/ole">
             <mc:AlternateContent xmlns:mc="http://schemas.openxmlformats.org/markup-compatibility/2006">
               <mc:Choice xmlns:v="urn:schemas-microsoft-com:vml" Requires="v">
-                <p:oleObj spid="_x0000_s424029" name="Equation" r:id="rId4" imgW="1371600" imgH="482600" progId="Equation.DSMT4">
+                <p:oleObj spid="_x0000_s424033" name="Equation" r:id="rId4" imgW="1371600" imgH="482600" progId="Equation.DSMT4">
                   <p:embed/>
                 </p:oleObj>
               </mc:Choice>
@@ -12952,7 +12862,7 @@
           <a:graphicData uri="http://schemas.openxmlformats.org/presentationml/2006/ole">
             <mc:AlternateContent xmlns:mc="http://schemas.openxmlformats.org/markup-compatibility/2006">
               <mc:Choice xmlns:v="urn:schemas-microsoft-com:vml" Requires="v">
-                <p:oleObj spid="_x0000_s444430" name="Equation" r:id="rId4" imgW="1371600" imgH="482600" progId="Equation.DSMT4">
+                <p:oleObj spid="_x0000_s444437" name="Equation" r:id="rId4" imgW="1371600" imgH="482600" progId="Equation.DSMT4">
                   <p:embed/>
                 </p:oleObj>
               </mc:Choice>
@@ -13122,7 +13032,7 @@
             <a:graphicData uri="http://schemas.openxmlformats.org/presentationml/2006/ole">
               <mc:AlternateContent xmlns:mc="http://schemas.openxmlformats.org/markup-compatibility/2006">
                 <mc:Choice xmlns:v="urn:schemas-microsoft-com:vml" Requires="v">
-                  <p:oleObj spid="_x0000_s444431" name="Equation" r:id="rId6" imgW="139700" imgH="215900" progId="Equation.DSMT4">
+                  <p:oleObj spid="_x0000_s444438" name="Equation" r:id="rId6" imgW="139700" imgH="215900" progId="Equation.DSMT4">
                     <p:embed/>
                   </p:oleObj>
                 </mc:Choice>
@@ -13229,7 +13139,7 @@
           <a:graphicData uri="http://schemas.openxmlformats.org/presentationml/2006/ole">
             <mc:AlternateContent xmlns:mc="http://schemas.openxmlformats.org/markup-compatibility/2006">
               <mc:Choice xmlns:v="urn:schemas-microsoft-com:vml" Requires="v">
-                <p:oleObj spid="_x0000_s442386" name="Equation" r:id="rId4" imgW="1371600" imgH="482600" progId="Equation.DSMT4">
+                <p:oleObj spid="_x0000_s442393" name="Equation" r:id="rId4" imgW="1371600" imgH="482600" progId="Equation.DSMT4">
                   <p:embed/>
                 </p:oleObj>
               </mc:Choice>
@@ -13286,7 +13196,7 @@
           <a:graphicData uri="http://schemas.openxmlformats.org/presentationml/2006/ole">
             <mc:AlternateContent xmlns:mc="http://schemas.openxmlformats.org/markup-compatibility/2006">
               <mc:Choice xmlns:v="urn:schemas-microsoft-com:vml" Requires="v">
-                <p:oleObj spid="_x0000_s442387" name="Equation" r:id="rId6" imgW="1803400" imgH="482600" progId="Equation.DSMT4">
+                <p:oleObj spid="_x0000_s442394" name="Equation" r:id="rId6" imgW="1803400" imgH="482600" progId="Equation.DSMT4">
                   <p:embed/>
                 </p:oleObj>
               </mc:Choice>
@@ -13453,7 +13363,7 @@
           <a:graphicData uri="http://schemas.openxmlformats.org/presentationml/2006/ole">
             <mc:AlternateContent xmlns:mc="http://schemas.openxmlformats.org/markup-compatibility/2006">
               <mc:Choice xmlns:v="urn:schemas-microsoft-com:vml" Requires="v">
-                <p:oleObj spid="_x0000_s446484" name="Equation" r:id="rId4" imgW="1371600" imgH="482600" progId="Equation.DSMT4">
+                <p:oleObj spid="_x0000_s446494" name="Equation" r:id="rId4" imgW="1371600" imgH="482600" progId="Equation.DSMT4">
                   <p:embed/>
                 </p:oleObj>
               </mc:Choice>
@@ -13510,7 +13420,7 @@
           <a:graphicData uri="http://schemas.openxmlformats.org/presentationml/2006/ole">
             <mc:AlternateContent xmlns:mc="http://schemas.openxmlformats.org/markup-compatibility/2006">
               <mc:Choice xmlns:v="urn:schemas-microsoft-com:vml" Requires="v">
-                <p:oleObj spid="_x0000_s446485" name="Equation" r:id="rId6" imgW="1803400" imgH="482600" progId="Equation.DSMT4">
+                <p:oleObj spid="_x0000_s446495" name="Equation" r:id="rId6" imgW="1803400" imgH="482600" progId="Equation.DSMT4">
                   <p:embed/>
                 </p:oleObj>
               </mc:Choice>
@@ -13680,7 +13590,7 @@
             <a:graphicData uri="http://schemas.openxmlformats.org/presentationml/2006/ole">
               <mc:AlternateContent xmlns:mc="http://schemas.openxmlformats.org/markup-compatibility/2006">
                 <mc:Choice xmlns:v="urn:schemas-microsoft-com:vml" Requires="v">
-                  <p:oleObj spid="_x0000_s446486" name="Equation" r:id="rId8" imgW="177800" imgH="241300" progId="Equation.DSMT4">
+                  <p:oleObj spid="_x0000_s446496" name="Equation" r:id="rId8" imgW="177800" imgH="241300" progId="Equation.DSMT4">
                     <p:embed/>
                   </p:oleObj>
                 </mc:Choice>
@@ -13778,7 +13688,7 @@
           <a:graphicData uri="http://schemas.openxmlformats.org/presentationml/2006/ole">
             <mc:AlternateContent xmlns:mc="http://schemas.openxmlformats.org/markup-compatibility/2006">
               <mc:Choice xmlns:v="urn:schemas-microsoft-com:vml" Requires="v">
-                <p:oleObj spid="_x0000_s445462" name="Equation" r:id="rId4" imgW="1854200" imgH="482600" progId="Equation.DSMT4">
+                <p:oleObj spid="_x0000_s445472" name="Equation" r:id="rId4" imgW="1854200" imgH="482600" progId="Equation.DSMT4">
                   <p:embed/>
                 </p:oleObj>
               </mc:Choice>
@@ -13835,7 +13745,7 @@
           <a:graphicData uri="http://schemas.openxmlformats.org/presentationml/2006/ole">
             <mc:AlternateContent xmlns:mc="http://schemas.openxmlformats.org/markup-compatibility/2006">
               <mc:Choice xmlns:v="urn:schemas-microsoft-com:vml" Requires="v">
-                <p:oleObj spid="_x0000_s445463" name="Equation" r:id="rId6" imgW="1371600" imgH="482600" progId="Equation.DSMT4">
+                <p:oleObj spid="_x0000_s445473" name="Equation" r:id="rId6" imgW="1371600" imgH="482600" progId="Equation.DSMT4">
                   <p:embed/>
                 </p:oleObj>
               </mc:Choice>
@@ -13892,7 +13802,7 @@
           <a:graphicData uri="http://schemas.openxmlformats.org/presentationml/2006/ole">
             <mc:AlternateContent xmlns:mc="http://schemas.openxmlformats.org/markup-compatibility/2006">
               <mc:Choice xmlns:v="urn:schemas-microsoft-com:vml" Requires="v">
-                <p:oleObj spid="_x0000_s445464" name="Equation" r:id="rId8" imgW="1803400" imgH="482600" progId="Equation.DSMT4">
+                <p:oleObj spid="_x0000_s445474" name="Equation" r:id="rId8" imgW="1803400" imgH="482600" progId="Equation.DSMT4">
                   <p:embed/>
                 </p:oleObj>
               </mc:Choice>
@@ -14276,7 +14186,7 @@
           <a:graphicData uri="http://schemas.openxmlformats.org/presentationml/2006/ole">
             <mc:AlternateContent xmlns:mc="http://schemas.openxmlformats.org/markup-compatibility/2006">
               <mc:Choice xmlns:v="urn:schemas-microsoft-com:vml" Requires="v">
-                <p:oleObj spid="_x0000_s443418" name="Equation" r:id="rId4" imgW="1854200" imgH="482600" progId="Equation.DSMT4">
+                <p:oleObj spid="_x0000_s443431" name="Equation" r:id="rId4" imgW="1854200" imgH="482600" progId="Equation.DSMT4">
                   <p:embed/>
                 </p:oleObj>
               </mc:Choice>
@@ -14333,7 +14243,7 @@
           <a:graphicData uri="http://schemas.openxmlformats.org/presentationml/2006/ole">
             <mc:AlternateContent xmlns:mc="http://schemas.openxmlformats.org/markup-compatibility/2006">
               <mc:Choice xmlns:v="urn:schemas-microsoft-com:vml" Requires="v">
-                <p:oleObj spid="_x0000_s443419" name="Equation" r:id="rId6" imgW="1371600" imgH="482600" progId="Equation.DSMT4">
+                <p:oleObj spid="_x0000_s443432" name="Equation" r:id="rId6" imgW="1371600" imgH="482600" progId="Equation.DSMT4">
                   <p:embed/>
                 </p:oleObj>
               </mc:Choice>
@@ -14390,7 +14300,7 @@
           <a:graphicData uri="http://schemas.openxmlformats.org/presentationml/2006/ole">
             <mc:AlternateContent xmlns:mc="http://schemas.openxmlformats.org/markup-compatibility/2006">
               <mc:Choice xmlns:v="urn:schemas-microsoft-com:vml" Requires="v">
-                <p:oleObj spid="_x0000_s443420" name="Equation" r:id="rId8" imgW="1803400" imgH="482600" progId="Equation.DSMT4">
+                <p:oleObj spid="_x0000_s443433" name="Equation" r:id="rId8" imgW="1803400" imgH="482600" progId="Equation.DSMT4">
                   <p:embed/>
                 </p:oleObj>
               </mc:Choice>
@@ -14560,7 +14470,7 @@
             <a:graphicData uri="http://schemas.openxmlformats.org/presentationml/2006/ole">
               <mc:AlternateContent xmlns:mc="http://schemas.openxmlformats.org/markup-compatibility/2006">
                 <mc:Choice xmlns:v="urn:schemas-microsoft-com:vml" Requires="v">
-                  <p:oleObj spid="_x0000_s443421" name="Equation" r:id="rId10" imgW="177800" imgH="241300" progId="Equation.DSMT4">
+                  <p:oleObj spid="_x0000_s443434" name="Equation" r:id="rId10" imgW="177800" imgH="241300" progId="Equation.DSMT4">
                     <p:embed/>
                   </p:oleObj>
                 </mc:Choice>
@@ -15127,7 +15037,7 @@
           <a:graphicData uri="http://schemas.openxmlformats.org/presentationml/2006/ole">
             <mc:AlternateContent xmlns:mc="http://schemas.openxmlformats.org/markup-compatibility/2006">
               <mc:Choice xmlns:v="urn:schemas-microsoft-com:vml" Requires="v">
-                <p:oleObj spid="_x0000_s425013" name="Equation" r:id="rId4" imgW="1511300" imgH="254000" progId="Equation.DSMT4">
+                <p:oleObj spid="_x0000_s425026" name="Equation" r:id="rId4" imgW="1511300" imgH="254000" progId="Equation.DSMT4">
                   <p:embed/>
                 </p:oleObj>
               </mc:Choice>
@@ -15184,7 +15094,7 @@
           <a:graphicData uri="http://schemas.openxmlformats.org/presentationml/2006/ole">
             <mc:AlternateContent xmlns:mc="http://schemas.openxmlformats.org/markup-compatibility/2006">
               <mc:Choice xmlns:v="urn:schemas-microsoft-com:vml" Requires="v">
-                <p:oleObj spid="_x0000_s425014" name="Equation" r:id="rId6" imgW="1524000" imgH="254000" progId="Equation.DSMT4">
+                <p:oleObj spid="_x0000_s425027" name="Equation" r:id="rId6" imgW="1524000" imgH="254000" progId="Equation.DSMT4">
                   <p:embed/>
                 </p:oleObj>
               </mc:Choice>
@@ -15241,7 +15151,7 @@
           <a:graphicData uri="http://schemas.openxmlformats.org/presentationml/2006/ole">
             <mc:AlternateContent xmlns:mc="http://schemas.openxmlformats.org/markup-compatibility/2006">
               <mc:Choice xmlns:v="urn:schemas-microsoft-com:vml" Requires="v">
-                <p:oleObj spid="_x0000_s425015" name="Equation" r:id="rId8" imgW="1181100" imgH="228600" progId="Equation.DSMT4">
+                <p:oleObj spid="_x0000_s425028" name="Equation" r:id="rId8" imgW="1181100" imgH="228600" progId="Equation.DSMT4">
                   <p:embed/>
                 </p:oleObj>
               </mc:Choice>
@@ -15298,7 +15208,7 @@
           <a:graphicData uri="http://schemas.openxmlformats.org/presentationml/2006/ole">
             <mc:AlternateContent xmlns:mc="http://schemas.openxmlformats.org/markup-compatibility/2006">
               <mc:Choice xmlns:v="urn:schemas-microsoft-com:vml" Requires="v">
-                <p:oleObj spid="_x0000_s425016" name="Equation" r:id="rId10" imgW="1168400" imgH="228600" progId="Equation.DSMT4">
+                <p:oleObj spid="_x0000_s425029" name="Equation" r:id="rId10" imgW="1168400" imgH="228600" progId="Equation.DSMT4">
                   <p:embed/>
                 </p:oleObj>
               </mc:Choice>
@@ -15714,7 +15624,7 @@
           <a:graphicData uri="http://schemas.openxmlformats.org/presentationml/2006/ole">
             <mc:AlternateContent xmlns:mc="http://schemas.openxmlformats.org/markup-compatibility/2006">
               <mc:Choice xmlns:v="urn:schemas-microsoft-com:vml" Requires="v">
-                <p:oleObj spid="_x0000_s459781" name="Equation" r:id="rId4" imgW="1600200" imgH="215900" progId="Equation.DSMT4">
+                <p:oleObj spid="_x0000_s459790" name="Equation" r:id="rId4" imgW="1600200" imgH="215900" progId="Equation.DSMT4">
                   <p:embed/>
                 </p:oleObj>
               </mc:Choice>
@@ -15758,20 +15668,20 @@
           <p:nvPr>
             <p:extLst>
               <p:ext uri="{D42A27DB-BD31-4B8C-83A1-F6EECF244321}">
-                <p14:modId xmlns:p14="http://schemas.microsoft.com/office/powerpoint/2010/main" val="3151013585"/>
+                <p14:modId xmlns:p14="http://schemas.microsoft.com/office/powerpoint/2010/main" val="1729598136"/>
               </p:ext>
             </p:extLst>
           </p:nvPr>
         </p:nvGraphicFramePr>
         <p:xfrm>
-          <a:off x="952500" y="3736975"/>
+          <a:off x="952500" y="4043547"/>
           <a:ext cx="7073900" cy="2314575"/>
         </p:xfrm>
         <a:graphic>
           <a:graphicData uri="http://schemas.openxmlformats.org/presentationml/2006/ole">
             <mc:AlternateContent xmlns:mc="http://schemas.openxmlformats.org/markup-compatibility/2006">
               <mc:Choice xmlns:v="urn:schemas-microsoft-com:vml" Requires="v">
-                <p:oleObj spid="_x0000_s459782" name="Equation" r:id="rId6" imgW="1397000" imgH="457200" progId="Equation.DSMT4">
+                <p:oleObj spid="_x0000_s459791" name="Equation" r:id="rId6" imgW="1397000" imgH="457200" progId="Equation.DSMT4">
                   <p:embed/>
                 </p:oleObj>
               </mc:Choice>
@@ -15792,7 +15702,7 @@
                     </p:blipFill>
                     <p:spPr>
                       <a:xfrm>
-                        <a:off x="952500" y="3736975"/>
+                        <a:off x="952500" y="4043547"/>
                         <a:ext cx="7073900" cy="2314575"/>
                       </a:xfrm>
                       <a:prstGeom prst="rect">
@@ -16114,6 +16024,328 @@
           <a:chExt cx="0" cy="0"/>
         </a:xfrm>
       </p:grpSpPr>
+      <p:sp>
+        <p:nvSpPr>
+          <p:cNvPr id="5" name="TextBox 4"/>
+          <p:cNvSpPr txBox="1"/>
+          <p:nvPr/>
+        </p:nvSpPr>
+        <p:spPr>
+          <a:xfrm>
+            <a:off x="2092783" y="1320800"/>
+            <a:ext cx="4993817" cy="939800"/>
+          </a:xfrm>
+          <a:prstGeom prst="rect">
+            <a:avLst/>
+          </a:prstGeom>
+          <a:noFill/>
+        </p:spPr>
+        <p:txBody>
+          <a:bodyPr wrap="square" rtlCol="0">
+            <a:spAutoFit/>
+          </a:bodyPr>
+          <a:lstStyle/>
+          <a:p>
+            <a:pPr algn="l"/>
+            <a:r>
+              <a:rPr lang="en-US" sz="5400" dirty="0" smtClean="0">
+                <a:solidFill>
+                  <a:srgbClr val="FF03E3"/>
+                </a:solidFill>
+                <a:latin typeface="Comic Sans MS" pitchFamily="66" charset="0"/>
+              </a:rPr>
+              <a:t>Book keeping</a:t>
+            </a:r>
+            <a:endParaRPr lang="en-US" sz="5400" dirty="0">
+              <a:solidFill>
+                <a:srgbClr val="FF03E3"/>
+              </a:solidFill>
+              <a:latin typeface="Comic Sans MS" pitchFamily="66" charset="0"/>
+            </a:endParaRPr>
+          </a:p>
+        </p:txBody>
+      </p:sp>
+      <p:sp>
+        <p:nvSpPr>
+          <p:cNvPr id="9" name="Title 1"/>
+          <p:cNvSpPr>
+            <a:spLocks noGrp="1"/>
+          </p:cNvSpPr>
+          <p:nvPr>
+            <p:ph type="title"/>
+          </p:nvPr>
+        </p:nvSpPr>
+        <p:spPr>
+          <a:xfrm>
+            <a:off x="1651000" y="363538"/>
+            <a:ext cx="6794500" cy="1003300"/>
+          </a:xfrm>
+        </p:spPr>
+        <p:txBody>
+          <a:bodyPr/>
+          <a:lstStyle/>
+          <a:p>
+            <a:r>
+              <a:rPr lang="en-US" sz="4000" dirty="0" smtClean="0"/>
+              <a:t>Algebra for Equivalence</a:t>
+            </a:r>
+            <a:endParaRPr lang="en-US" sz="4000" dirty="0"/>
+          </a:p>
+        </p:txBody>
+      </p:sp>
+      <p:sp>
+        <p:nvSpPr>
+          <p:cNvPr id="4" name="Slide Number Placeholder 2"/>
+          <p:cNvSpPr>
+            <a:spLocks noGrp="1"/>
+          </p:cNvSpPr>
+          <p:nvPr>
+            <p:ph type="sldNum" sz="quarter" idx="10"/>
+          </p:nvPr>
+        </p:nvSpPr>
+        <p:spPr>
+          <a:xfrm>
+            <a:off x="7333815" y="6553200"/>
+            <a:ext cx="1810186" cy="276999"/>
+          </a:xfrm>
+        </p:spPr>
+        <p:txBody>
+          <a:bodyPr/>
+          <a:lstStyle/>
+          <a:p>
+            <a:r>
+              <a:rPr lang="en-US" dirty="0" smtClean="0"/>
+              <a:t>propositional algebra.</a:t>
+            </a:r>
+            <a:fld id="{3251DA95-B240-47FE-901D-B78FC8E8E532}" type="slidenum">
+              <a:rPr lang="en-US" smtClean="0"/>
+              <a:pPr/>
+              <a:t>30</a:t>
+            </a:fld>
+            <a:endParaRPr lang="en-US" dirty="0"/>
+          </a:p>
+        </p:txBody>
+      </p:sp>
+      <p:graphicFrame>
+        <p:nvGraphicFramePr>
+          <p:cNvPr id="3" name="Object 2"/>
+          <p:cNvGraphicFramePr>
+            <a:graphicFrameLocks noChangeAspect="1"/>
+          </p:cNvGraphicFramePr>
+          <p:nvPr>
+            <p:extLst>
+              <p:ext uri="{D42A27DB-BD31-4B8C-83A1-F6EECF244321}">
+                <p14:modId xmlns:p14="http://schemas.microsoft.com/office/powerpoint/2010/main" val="2570790865"/>
+              </p:ext>
+            </p:extLst>
+          </p:nvPr>
+        </p:nvGraphicFramePr>
+        <p:xfrm>
+          <a:off x="387350" y="2260600"/>
+          <a:ext cx="8102600" cy="1092200"/>
+        </p:xfrm>
+        <a:graphic>
+          <a:graphicData uri="http://schemas.openxmlformats.org/presentationml/2006/ole">
+            <mc:AlternateContent xmlns:mc="http://schemas.openxmlformats.org/markup-compatibility/2006">
+              <mc:Choice xmlns:v="urn:schemas-microsoft-com:vml" Requires="v">
+                <p:oleObj spid="_x0000_s468999" name="Equation" r:id="rId4" imgW="1600200" imgH="215900" progId="Equation.DSMT4">
+                  <p:embed/>
+                </p:oleObj>
+              </mc:Choice>
+              <mc:Fallback>
+                <p:oleObj name="Equation" r:id="rId4" imgW="1600200" imgH="215900" progId="Equation.DSMT4">
+                  <p:embed/>
+                  <p:pic>
+                    <p:nvPicPr>
+                      <p:cNvPr id="0" name=""/>
+                      <p:cNvPicPr/>
+                      <p:nvPr/>
+                    </p:nvPicPr>
+                    <p:blipFill>
+                      <a:blip r:embed="rId5"/>
+                      <a:stretch>
+                        <a:fillRect/>
+                      </a:stretch>
+                    </p:blipFill>
+                    <p:spPr>
+                      <a:xfrm>
+                        <a:off x="387350" y="2260600"/>
+                        <a:ext cx="8102600" cy="1092200"/>
+                      </a:xfrm>
+                      <a:prstGeom prst="rect">
+                        <a:avLst/>
+                      </a:prstGeom>
+                    </p:spPr>
+                  </p:pic>
+                </p:oleObj>
+              </mc:Fallback>
+            </mc:AlternateContent>
+          </a:graphicData>
+        </a:graphic>
+      </p:graphicFrame>
+      <p:sp>
+        <p:nvSpPr>
+          <p:cNvPr id="2" name="TextBox 1"/>
+          <p:cNvSpPr txBox="1"/>
+          <p:nvPr/>
+        </p:nvSpPr>
+        <p:spPr>
+          <a:xfrm>
+            <a:off x="1069959" y="3087536"/>
+            <a:ext cx="7116101" cy="1107996"/>
+          </a:xfrm>
+          <a:prstGeom prst="rect">
+            <a:avLst/>
+          </a:prstGeom>
+          <a:noFill/>
+        </p:spPr>
+        <p:txBody>
+          <a:bodyPr wrap="none" rtlCol="0">
+            <a:spAutoFit/>
+          </a:bodyPr>
+          <a:lstStyle/>
+          <a:p>
+            <a:pPr algn="l"/>
+            <a:r>
+              <a:rPr lang="en-US" sz="6600" dirty="0" smtClean="0">
+                <a:latin typeface="Comic Sans MS" pitchFamily="66" charset="0"/>
+              </a:rPr>
+              <a:t>(</a:t>
+            </a:r>
+            <a:r>
+              <a:rPr lang="en-US" sz="6600" dirty="0" smtClean="0">
+                <a:solidFill>
+                  <a:srgbClr val="FF03E3"/>
+                </a:solidFill>
+                <a:latin typeface="Comic Sans MS" pitchFamily="66" charset="0"/>
+              </a:rPr>
+              <a:t>Likewise</a:t>
+            </a:r>
+            <a:r>
+              <a:rPr lang="en-US" sz="6600" dirty="0" smtClean="0">
+                <a:latin typeface="Comic Sans MS" pitchFamily="66" charset="0"/>
+              </a:rPr>
+              <a:t> for </a:t>
+            </a:r>
+            <a:r>
+              <a:rPr lang="en-US" sz="6600" dirty="0" smtClean="0">
+                <a:solidFill>
+                  <a:schemeClr val="accent1">
+                    <a:lumMod val="50000"/>
+                  </a:schemeClr>
+                </a:solidFill>
+                <a:latin typeface="Comic Sans MS" pitchFamily="66" charset="0"/>
+              </a:rPr>
+              <a:t>OR)</a:t>
+            </a:r>
+            <a:endParaRPr lang="en-US" sz="6600" dirty="0" smtClean="0">
+              <a:solidFill>
+                <a:schemeClr val="accent1">
+                  <a:lumMod val="50000"/>
+                </a:schemeClr>
+              </a:solidFill>
+              <a:latin typeface="Comic Sans MS" pitchFamily="66" charset="0"/>
+            </a:endParaRPr>
+          </a:p>
+        </p:txBody>
+      </p:sp>
+      <p:graphicFrame>
+        <p:nvGraphicFramePr>
+          <p:cNvPr id="8" name="Object 7"/>
+          <p:cNvGraphicFramePr>
+            <a:graphicFrameLocks noChangeAspect="1"/>
+          </p:cNvGraphicFramePr>
+          <p:nvPr>
+            <p:extLst>
+              <p:ext uri="{D42A27DB-BD31-4B8C-83A1-F6EECF244321}">
+                <p14:modId xmlns:p14="http://schemas.microsoft.com/office/powerpoint/2010/main" val="589139679"/>
+              </p:ext>
+            </p:extLst>
+          </p:nvPr>
+        </p:nvGraphicFramePr>
+        <p:xfrm>
+          <a:off x="952500" y="4043547"/>
+          <a:ext cx="7073900" cy="2314575"/>
+        </p:xfrm>
+        <a:graphic>
+          <a:graphicData uri="http://schemas.openxmlformats.org/presentationml/2006/ole">
+            <mc:AlternateContent xmlns:mc="http://schemas.openxmlformats.org/markup-compatibility/2006">
+              <mc:Choice xmlns:v="urn:schemas-microsoft-com:vml" Requires="v">
+                <p:oleObj spid="_x0000_s469000" name="Equation" r:id="rId6" imgW="1397000" imgH="457200" progId="Equation.DSMT4">
+                  <p:embed/>
+                </p:oleObj>
+              </mc:Choice>
+              <mc:Fallback>
+                <p:oleObj name="Equation" r:id="rId6" imgW="1397000" imgH="457200" progId="Equation.DSMT4">
+                  <p:embed/>
+                  <p:pic>
+                    <p:nvPicPr>
+                      <p:cNvPr id="0" name=""/>
+                      <p:cNvPicPr/>
+                      <p:nvPr/>
+                    </p:nvPicPr>
+                    <p:blipFill>
+                      <a:blip r:embed="rId7"/>
+                      <a:stretch>
+                        <a:fillRect/>
+                      </a:stretch>
+                    </p:blipFill>
+                    <p:spPr>
+                      <a:xfrm>
+                        <a:off x="952500" y="4043547"/>
+                        <a:ext cx="7073900" cy="2314575"/>
+                      </a:xfrm>
+                      <a:prstGeom prst="rect">
+                        <a:avLst/>
+                      </a:prstGeom>
+                    </p:spPr>
+                  </p:pic>
+                </p:oleObj>
+              </mc:Fallback>
+            </mc:AlternateContent>
+          </a:graphicData>
+        </a:graphic>
+      </p:graphicFrame>
+    </p:spTree>
+    <p:extLst>
+      <p:ext uri="{BB962C8B-B14F-4D97-AF65-F5344CB8AC3E}">
+        <p14:creationId xmlns:p14="http://schemas.microsoft.com/office/powerpoint/2010/main" val="482142096"/>
+      </p:ext>
+    </p:extLst>
+  </p:cSld>
+  <p:clrMapOvr>
+    <a:masterClrMapping/>
+  </p:clrMapOvr>
+  <p:transition xmlns:p14="http://schemas.microsoft.com/office/powerpoint/2010/main" spd="slow" advClick="0">
+    <p:fade thruBlk="1"/>
+  </p:transition>
+  <p:timing>
+    <p:tnLst>
+      <p:par>
+        <p:cTn xmlns:p14="http://schemas.microsoft.com/office/powerpoint/2010/main" id="1" dur="indefinite" restart="never" nodeType="tmRoot"/>
+      </p:par>
+    </p:tnLst>
+  </p:timing>
+</p:sld>
+</file>
+
+<file path=ppt/slides/slide31.xml><?xml version="1.0" encoding="utf-8"?>
+<p:sld xmlns:a="http://schemas.openxmlformats.org/drawingml/2006/main" xmlns:r="http://schemas.openxmlformats.org/officeDocument/2006/relationships" xmlns:p="http://schemas.openxmlformats.org/presentationml/2006/main">
+  <p:cSld>
+    <p:spTree>
+      <p:nvGrpSpPr>
+        <p:cNvPr id="1" name=""/>
+        <p:cNvGrpSpPr/>
+        <p:nvPr/>
+      </p:nvGrpSpPr>
+      <p:grpSpPr>
+        <a:xfrm>
+          <a:off x="0" y="0"/>
+          <a:ext cx="0" cy="0"/>
+          <a:chOff x="0" y="0"/>
+          <a:chExt cx="0" cy="0"/>
+        </a:xfrm>
+      </p:grpSpPr>
       <p:graphicFrame>
         <p:nvGraphicFramePr>
           <p:cNvPr id="24" name="Object 23"/>
@@ -16136,7 +16368,7 @@
           <a:graphicData uri="http://schemas.openxmlformats.org/presentationml/2006/ole">
             <mc:AlternateContent xmlns:mc="http://schemas.openxmlformats.org/markup-compatibility/2006">
               <mc:Choice xmlns:v="urn:schemas-microsoft-com:vml" Requires="v">
-                <p:oleObj spid="_x0000_s426023" name="Equation" r:id="rId4" imgW="1854200" imgH="482600" progId="Equation.DSMT4">
+                <p:oleObj spid="_x0000_s426027" name="Equation" r:id="rId4" imgW="1854200" imgH="482600" progId="Equation.DSMT4">
                   <p:embed/>
                 </p:oleObj>
               </mc:Choice>
@@ -16226,7 +16458,7 @@
             <a:fld id="{3251DA95-B240-47FE-901D-B78FC8E8E532}" type="slidenum">
               <a:rPr lang="en-US" smtClean="0"/>
               <a:pPr/>
-              <a:t>30</a:t>
+              <a:t>31</a:t>
             </a:fld>
             <a:endParaRPr lang="en-US" dirty="0"/>
           </a:p>
@@ -16372,7 +16604,7 @@
 </p:sld>
 </file>
 
-<file path=ppt/slides/slide31.xml><?xml version="1.0" encoding="utf-8"?>
+<file path=ppt/slides/slide32.xml><?xml version="1.0" encoding="utf-8"?>
 <p:sld xmlns:a="http://schemas.openxmlformats.org/drawingml/2006/main" xmlns:r="http://schemas.openxmlformats.org/officeDocument/2006/relationships" xmlns:p="http://schemas.openxmlformats.org/presentationml/2006/main">
   <p:cSld>
     <p:spTree>
@@ -16444,7 +16676,7 @@
             <a:fld id="{3251DA95-B240-47FE-901D-B78FC8E8E532}" type="slidenum">
               <a:rPr lang="en-US" smtClean="0"/>
               <a:pPr/>
-              <a:t>31</a:t>
+              <a:t>32</a:t>
             </a:fld>
             <a:endParaRPr lang="en-US" dirty="0"/>
           </a:p>
@@ -16472,7 +16704,7 @@
           <a:graphicData uri="http://schemas.openxmlformats.org/presentationml/2006/ole">
             <mc:AlternateContent xmlns:mc="http://schemas.openxmlformats.org/markup-compatibility/2006">
               <mc:Choice xmlns:v="urn:schemas-microsoft-com:vml" Requires="v">
-                <p:oleObj spid="_x0000_s447496" name="Equation" r:id="rId4" imgW="2514600" imgH="254000" progId="Equation.DSMT4">
+                <p:oleObj spid="_x0000_s447500" name="Equation" r:id="rId4" imgW="2514600" imgH="254000" progId="Equation.DSMT4">
                   <p:embed/>
                 </p:oleObj>
               </mc:Choice>
@@ -16719,7 +16951,7 @@
 </p:sld>
 </file>
 
-<file path=ppt/slides/slide32.xml><?xml version="1.0" encoding="utf-8"?>
+<file path=ppt/slides/slide33.xml><?xml version="1.0" encoding="utf-8"?>
 <p:sld xmlns:a="http://schemas.openxmlformats.org/drawingml/2006/main" xmlns:r="http://schemas.openxmlformats.org/officeDocument/2006/relationships" xmlns:p="http://schemas.openxmlformats.org/presentationml/2006/main">
   <p:cSld>
     <p:spTree>
@@ -16791,7 +17023,7 @@
             <a:fld id="{3251DA95-B240-47FE-901D-B78FC8E8E532}" type="slidenum">
               <a:rPr lang="en-US" smtClean="0"/>
               <a:pPr/>
-              <a:t>32</a:t>
+              <a:t>33</a:t>
             </a:fld>
             <a:endParaRPr lang="en-US" dirty="0"/>
           </a:p>
@@ -16819,7 +17051,7 @@
           <a:graphicData uri="http://schemas.openxmlformats.org/presentationml/2006/ole">
             <mc:AlternateContent xmlns:mc="http://schemas.openxmlformats.org/markup-compatibility/2006">
               <mc:Choice xmlns:v="urn:schemas-microsoft-com:vml" Requires="v">
-                <p:oleObj spid="_x0000_s449550" name="Equation" r:id="rId4" imgW="698500" imgH="254000" progId="Equation.DSMT4">
+                <p:oleObj spid="_x0000_s449559" name="Equation" r:id="rId4" imgW="698500" imgH="254000" progId="Equation.DSMT4">
                   <p:embed/>
                 </p:oleObj>
               </mc:Choice>
@@ -16908,7 +17140,7 @@
           <a:graphicData uri="http://schemas.openxmlformats.org/presentationml/2006/ole">
             <mc:AlternateContent xmlns:mc="http://schemas.openxmlformats.org/markup-compatibility/2006">
               <mc:Choice xmlns:v="urn:schemas-microsoft-com:vml" Requires="v">
-                <p:oleObj spid="_x0000_s449551" name="Equation" r:id="rId6" imgW="1651000" imgH="254000" progId="Equation.DSMT4">
+                <p:oleObj spid="_x0000_s449560" name="Equation" r:id="rId6" imgW="1651000" imgH="254000" progId="Equation.DSMT4">
                   <p:embed/>
                 </p:oleObj>
               </mc:Choice>
@@ -17018,7 +17250,7 @@
                             </p:stCondLst>
                             <p:childTnLst>
                               <p:par>
-                                <p:cTn id="5" presetID="10" presetClass="entr" presetSubtype="0" fill="hold" grpId="0" nodeType="clickEffect">
+                                <p:cTn id="5" presetID="10" presetClass="entr" presetSubtype="0" fill="hold" nodeType="clickEffect">
                                   <p:stCondLst>
                                     <p:cond delay="0"/>
                                   </p:stCondLst>
@@ -17031,7 +17263,7 @@
                                           </p:stCondLst>
                                         </p:cTn>
                                         <p:tgtEl>
-                                          <p:spTgt spid="2"/>
+                                          <p:spTgt spid="14"/>
                                         </p:tgtEl>
                                         <p:attrNameLst>
                                           <p:attrName>style.visibility</p:attrName>
@@ -17045,7 +17277,7 @@
                                       <p:cBhvr>
                                         <p:cTn id="7" dur="500"/>
                                         <p:tgtEl>
-                                          <p:spTgt spid="2"/>
+                                          <p:spTgt spid="14"/>
                                         </p:tgtEl>
                                       </p:cBhvr>
                                     </p:animEffect>
@@ -17071,7 +17303,7 @@
                             </p:stCondLst>
                             <p:childTnLst>
                               <p:par>
-                                <p:cTn id="10" presetID="10" presetClass="entr" presetSubtype="0" fill="hold" nodeType="clickEffect">
+                                <p:cTn id="10" presetID="10" presetClass="entr" presetSubtype="0" fill="hold" grpId="0" nodeType="clickEffect">
                                   <p:stCondLst>
                                     <p:cond delay="0"/>
                                   </p:stCondLst>
@@ -17084,7 +17316,7 @@
                                           </p:stCondLst>
                                         </p:cTn>
                                         <p:tgtEl>
-                                          <p:spTgt spid="14"/>
+                                          <p:spTgt spid="3"/>
                                         </p:tgtEl>
                                         <p:attrNameLst>
                                           <p:attrName>style.visibility</p:attrName>
@@ -17098,7 +17330,7 @@
                                       <p:cBhvr>
                                         <p:cTn id="12" dur="500"/>
                                         <p:tgtEl>
-                                          <p:spTgt spid="14"/>
+                                          <p:spTgt spid="3"/>
                                         </p:tgtEl>
                                       </p:cBhvr>
                                     </p:animEffect>
@@ -17124,7 +17356,7 @@
                             </p:stCondLst>
                             <p:childTnLst>
                               <p:par>
-                                <p:cTn id="15" presetID="10" presetClass="entr" presetSubtype="0" fill="hold" grpId="0" nodeType="clickEffect">
+                                <p:cTn id="15" presetID="22" presetClass="entr" presetSubtype="8" fill="hold" nodeType="clickEffect">
                                   <p:stCondLst>
                                     <p:cond delay="0"/>
                                   </p:stCondLst>
@@ -17132,59 +17364,6 @@
                                     <p:set>
                                       <p:cBhvr>
                                         <p:cTn id="16" dur="1" fill="hold">
-                                          <p:stCondLst>
-                                            <p:cond delay="0"/>
-                                          </p:stCondLst>
-                                        </p:cTn>
-                                        <p:tgtEl>
-                                          <p:spTgt spid="3"/>
-                                        </p:tgtEl>
-                                        <p:attrNameLst>
-                                          <p:attrName>style.visibility</p:attrName>
-                                        </p:attrNameLst>
-                                      </p:cBhvr>
-                                      <p:to>
-                                        <p:strVal val="visible"/>
-                                      </p:to>
-                                    </p:set>
-                                    <p:animEffect transition="in" filter="fade">
-                                      <p:cBhvr>
-                                        <p:cTn id="17" dur="500"/>
-                                        <p:tgtEl>
-                                          <p:spTgt spid="3"/>
-                                        </p:tgtEl>
-                                      </p:cBhvr>
-                                    </p:animEffect>
-                                  </p:childTnLst>
-                                </p:cTn>
-                              </p:par>
-                            </p:childTnLst>
-                          </p:cTn>
-                        </p:par>
-                      </p:childTnLst>
-                    </p:cTn>
-                  </p:par>
-                  <p:par>
-                    <p:cTn id="18" fill="hold">
-                      <p:stCondLst>
-                        <p:cond delay="indefinite"/>
-                      </p:stCondLst>
-                      <p:childTnLst>
-                        <p:par>
-                          <p:cTn id="19" fill="hold">
-                            <p:stCondLst>
-                              <p:cond delay="0"/>
-                            </p:stCondLst>
-                            <p:childTnLst>
-                              <p:par>
-                                <p:cTn id="20" presetID="22" presetClass="entr" presetSubtype="8" fill="hold" nodeType="clickEffect">
-                                  <p:stCondLst>
-                                    <p:cond delay="0"/>
-                                  </p:stCondLst>
-                                  <p:childTnLst>
-                                    <p:set>
-                                      <p:cBhvr>
-                                        <p:cTn id="21" dur="1" fill="hold">
                                           <p:stCondLst>
                                             <p:cond delay="0"/>
                                           </p:stCondLst>
@@ -17202,7 +17381,7 @@
                                     </p:set>
                                     <p:animEffect transition="in" filter="wipe(left)">
                                       <p:cBhvr>
-                                        <p:cTn id="22" dur="1000"/>
+                                        <p:cTn id="17" dur="1000"/>
                                         <p:tgtEl>
                                           <p:spTgt spid="6"/>
                                         </p:tgtEl>
@@ -17239,14 +17418,13 @@
       </p:par>
     </p:tnLst>
     <p:bldLst>
-      <p:bldP spid="2" grpId="0"/>
       <p:bldP spid="3" grpId="0"/>
     </p:bldLst>
   </p:timing>
 </p:sld>
 </file>
 
-<file path=ppt/slides/slide33.xml><?xml version="1.0" encoding="utf-8"?>
+<file path=ppt/slides/slide34.xml><?xml version="1.0" encoding="utf-8"?>
 <p:sld xmlns:a="http://schemas.openxmlformats.org/drawingml/2006/main" xmlns:r="http://schemas.openxmlformats.org/officeDocument/2006/relationships" xmlns:p="http://schemas.openxmlformats.org/presentationml/2006/main">
   <p:cSld>
     <p:spTree>
@@ -17318,7 +17496,7 @@
             <a:fld id="{3251DA95-B240-47FE-901D-B78FC8E8E532}" type="slidenum">
               <a:rPr lang="en-US" smtClean="0"/>
               <a:pPr/>
-              <a:t>33</a:t>
+              <a:t>34</a:t>
             </a:fld>
             <a:endParaRPr lang="en-US" dirty="0"/>
           </a:p>
@@ -17346,7 +17524,7 @@
           <a:graphicData uri="http://schemas.openxmlformats.org/presentationml/2006/ole">
             <mc:AlternateContent xmlns:mc="http://schemas.openxmlformats.org/markup-compatibility/2006">
               <mc:Choice xmlns:v="urn:schemas-microsoft-com:vml" Requires="v">
-                <p:oleObj spid="_x0000_s453644" name="Equation" r:id="rId4" imgW="698500" imgH="254000" progId="Equation.DSMT4">
+                <p:oleObj spid="_x0000_s453651" name="Equation" r:id="rId4" imgW="698500" imgH="254000" progId="Equation.DSMT4">
                   <p:embed/>
                 </p:oleObj>
               </mc:Choice>
@@ -17435,7 +17613,7 @@
           <a:graphicData uri="http://schemas.openxmlformats.org/presentationml/2006/ole">
             <mc:AlternateContent xmlns:mc="http://schemas.openxmlformats.org/markup-compatibility/2006">
               <mc:Choice xmlns:v="urn:schemas-microsoft-com:vml" Requires="v">
-                <p:oleObj spid="_x0000_s453645" name="Equation" r:id="rId6" imgW="1651000" imgH="254000" progId="Equation.DSMT4">
+                <p:oleObj spid="_x0000_s453652" name="Equation" r:id="rId6" imgW="1651000" imgH="254000" progId="Equation.DSMT4">
                   <p:embed/>
                 </p:oleObj>
               </mc:Choice>
@@ -17509,262 +17687,6 @@
     <p:extLst>
       <p:ext uri="{BB962C8B-B14F-4D97-AF65-F5344CB8AC3E}">
         <p14:creationId xmlns:p14="http://schemas.microsoft.com/office/powerpoint/2010/main" val="3732725801"/>
-      </p:ext>
-    </p:extLst>
-  </p:cSld>
-  <p:clrMapOvr>
-    <a:masterClrMapping/>
-  </p:clrMapOvr>
-  <mc:AlternateContent xmlns:mc="http://schemas.openxmlformats.org/markup-compatibility/2006" xmlns:p14="http://schemas.microsoft.com/office/powerpoint/2010/main">
-    <mc:Choice Requires="p14">
-      <p:transition spd="med" p14:dur="600" advClick="0">
-        <p:fade/>
-      </p:transition>
-    </mc:Choice>
-    <mc:Fallback xmlns="">
-      <p:transition xmlns:p14="http://schemas.microsoft.com/office/powerpoint/2010/main" spd="med" advClick="0">
-        <p:fade/>
-      </p:transition>
-    </mc:Fallback>
-  </mc:AlternateContent>
-  <p:timing>
-    <p:tnLst>
-      <p:par>
-        <p:cTn xmlns:p14="http://schemas.microsoft.com/office/powerpoint/2010/main" id="1" dur="indefinite" restart="never" nodeType="tmRoot"/>
-      </p:par>
-    </p:tnLst>
-  </p:timing>
-</p:sld>
-</file>
-
-<file path=ppt/slides/slide34.xml><?xml version="1.0" encoding="utf-8"?>
-<p:sld xmlns:a="http://schemas.openxmlformats.org/drawingml/2006/main" xmlns:r="http://schemas.openxmlformats.org/officeDocument/2006/relationships" xmlns:p="http://schemas.openxmlformats.org/presentationml/2006/main">
-  <p:cSld>
-    <p:spTree>
-      <p:nvGrpSpPr>
-        <p:cNvPr id="1" name=""/>
-        <p:cNvGrpSpPr/>
-        <p:nvPr/>
-      </p:nvGrpSpPr>
-      <p:grpSpPr>
-        <a:xfrm>
-          <a:off x="0" y="0"/>
-          <a:ext cx="0" cy="0"/>
-          <a:chOff x="0" y="0"/>
-          <a:chExt cx="0" cy="0"/>
-        </a:xfrm>
-      </p:grpSpPr>
-      <p:sp>
-        <p:nvSpPr>
-          <p:cNvPr id="9" name="Title 1"/>
-          <p:cNvSpPr>
-            <a:spLocks noGrp="1"/>
-          </p:cNvSpPr>
-          <p:nvPr>
-            <p:ph type="title"/>
-          </p:nvPr>
-        </p:nvSpPr>
-        <p:spPr>
-          <a:xfrm>
-            <a:off x="1651000" y="363538"/>
-            <a:ext cx="6794500" cy="1003300"/>
-          </a:xfrm>
-        </p:spPr>
-        <p:txBody>
-          <a:bodyPr/>
-          <a:lstStyle/>
-          <a:p>
-            <a:r>
-              <a:rPr lang="en-US" sz="4000" dirty="0" smtClean="0"/>
-              <a:t>Algebra for Equivalence</a:t>
-            </a:r>
-            <a:endParaRPr lang="en-US" sz="4000" dirty="0"/>
-          </a:p>
-        </p:txBody>
-      </p:sp>
-      <p:sp>
-        <p:nvSpPr>
-          <p:cNvPr id="4" name="Slide Number Placeholder 2"/>
-          <p:cNvSpPr>
-            <a:spLocks noGrp="1"/>
-          </p:cNvSpPr>
-          <p:nvPr>
-            <p:ph type="sldNum" sz="quarter" idx="10"/>
-          </p:nvPr>
-        </p:nvSpPr>
-        <p:spPr>
-          <a:xfrm>
-            <a:off x="7333815" y="6553200"/>
-            <a:ext cx="1810186" cy="276999"/>
-          </a:xfrm>
-        </p:spPr>
-        <p:txBody>
-          <a:bodyPr/>
-          <a:lstStyle/>
-          <a:p>
-            <a:r>
-              <a:rPr lang="en-US" dirty="0" smtClean="0"/>
-              <a:t>propositional algebra.</a:t>
-            </a:r>
-            <a:fld id="{3251DA95-B240-47FE-901D-B78FC8E8E532}" type="slidenum">
-              <a:rPr lang="en-US" smtClean="0"/>
-              <a:pPr/>
-              <a:t>34</a:t>
-            </a:fld>
-            <a:endParaRPr lang="en-US" dirty="0"/>
-          </a:p>
-        </p:txBody>
-      </p:sp>
-      <p:graphicFrame>
-        <p:nvGraphicFramePr>
-          <p:cNvPr id="14" name="Object 13"/>
-          <p:cNvGraphicFramePr>
-            <a:graphicFrameLocks noChangeAspect="1"/>
-          </p:cNvGraphicFramePr>
-          <p:nvPr>
-            <p:extLst>
-              <p:ext uri="{D42A27DB-BD31-4B8C-83A1-F6EECF244321}">
-                <p14:modId xmlns:p14="http://schemas.microsoft.com/office/powerpoint/2010/main" val="2826262248"/>
-              </p:ext>
-            </p:extLst>
-          </p:nvPr>
-        </p:nvGraphicFramePr>
-        <p:xfrm>
-          <a:off x="350838" y="1593850"/>
-          <a:ext cx="2443162" cy="889000"/>
-        </p:xfrm>
-        <a:graphic>
-          <a:graphicData uri="http://schemas.openxmlformats.org/presentationml/2006/ole">
-            <mc:AlternateContent xmlns:mc="http://schemas.openxmlformats.org/markup-compatibility/2006">
-              <mc:Choice xmlns:v="urn:schemas-microsoft-com:vml" Requires="v">
-                <p:oleObj spid="_x0000_s454666" name="Equation" r:id="rId4" imgW="698500" imgH="254000" progId="Equation.DSMT4">
-                  <p:embed/>
-                </p:oleObj>
-              </mc:Choice>
-              <mc:Fallback>
-                <p:oleObj name="Equation" r:id="rId4" imgW="698500" imgH="254000" progId="Equation.DSMT4">
-                  <p:embed/>
-                  <p:pic>
-                    <p:nvPicPr>
-                      <p:cNvPr id="0" name=""/>
-                      <p:cNvPicPr/>
-                      <p:nvPr/>
-                    </p:nvPicPr>
-                    <p:blipFill>
-                      <a:blip r:embed="rId5"/>
-                      <a:stretch>
-                        <a:fillRect/>
-                      </a:stretch>
-                    </p:blipFill>
-                    <p:spPr>
-                      <a:xfrm>
-                        <a:off x="350838" y="1593850"/>
-                        <a:ext cx="2443162" cy="889000"/>
-                      </a:xfrm>
-                      <a:prstGeom prst="rect">
-                        <a:avLst/>
-                      </a:prstGeom>
-                    </p:spPr>
-                  </p:pic>
-                </p:oleObj>
-              </mc:Fallback>
-            </mc:AlternateContent>
-          </a:graphicData>
-        </a:graphic>
-      </p:graphicFrame>
-      <p:sp>
-        <p:nvSpPr>
-          <p:cNvPr id="2" name="TextBox 1"/>
-          <p:cNvSpPr txBox="1"/>
-          <p:nvPr/>
-        </p:nvSpPr>
-        <p:spPr>
-          <a:xfrm>
-            <a:off x="800100" y="2324100"/>
-            <a:ext cx="7540646" cy="830997"/>
-          </a:xfrm>
-          <a:prstGeom prst="rect">
-            <a:avLst/>
-          </a:prstGeom>
-          <a:noFill/>
-        </p:spPr>
-        <p:txBody>
-          <a:bodyPr wrap="none" rtlCol="0">
-            <a:spAutoFit/>
-          </a:bodyPr>
-          <a:lstStyle/>
-          <a:p>
-            <a:pPr algn="l"/>
-            <a:r>
-              <a:rPr lang="en-US" sz="4800" dirty="0" smtClean="0">
-                <a:latin typeface="Comic Sans MS" pitchFamily="66" charset="0"/>
-              </a:rPr>
-              <a:t>change each term to DNF</a:t>
-            </a:r>
-          </a:p>
-        </p:txBody>
-      </p:sp>
-      <p:graphicFrame>
-        <p:nvGraphicFramePr>
-          <p:cNvPr id="6" name="Object 5"/>
-          <p:cNvGraphicFramePr>
-            <a:graphicFrameLocks noChangeAspect="1"/>
-          </p:cNvGraphicFramePr>
-          <p:nvPr>
-            <p:extLst>
-              <p:ext uri="{D42A27DB-BD31-4B8C-83A1-F6EECF244321}">
-                <p14:modId xmlns:p14="http://schemas.microsoft.com/office/powerpoint/2010/main" val="78290842"/>
-              </p:ext>
-            </p:extLst>
-          </p:nvPr>
-        </p:nvGraphicFramePr>
-        <p:xfrm>
-          <a:off x="593725" y="3232150"/>
-          <a:ext cx="4662488" cy="1689100"/>
-        </p:xfrm>
-        <a:graphic>
-          <a:graphicData uri="http://schemas.openxmlformats.org/presentationml/2006/ole">
-            <mc:AlternateContent xmlns:mc="http://schemas.openxmlformats.org/markup-compatibility/2006">
-              <mc:Choice xmlns:v="urn:schemas-microsoft-com:vml" Requires="v">
-                <p:oleObj spid="_x0000_s454667" name="Equation" r:id="rId6" imgW="1333500" imgH="482600" progId="Equation.DSMT4">
-                  <p:embed/>
-                </p:oleObj>
-              </mc:Choice>
-              <mc:Fallback>
-                <p:oleObj name="Equation" r:id="rId6" imgW="1333500" imgH="482600" progId="Equation.DSMT4">
-                  <p:embed/>
-                  <p:pic>
-                    <p:nvPicPr>
-                      <p:cNvPr id="0" name=""/>
-                      <p:cNvPicPr/>
-                      <p:nvPr/>
-                    </p:nvPicPr>
-                    <p:blipFill>
-                      <a:blip r:embed="rId7"/>
-                      <a:stretch>
-                        <a:fillRect/>
-                      </a:stretch>
-                    </p:blipFill>
-                    <p:spPr>
-                      <a:xfrm>
-                        <a:off x="593725" y="3232150"/>
-                        <a:ext cx="4662488" cy="1689100"/>
-                      </a:xfrm>
-                      <a:prstGeom prst="rect">
-                        <a:avLst/>
-                      </a:prstGeom>
-                    </p:spPr>
-                  </p:pic>
-                </p:oleObj>
-              </mc:Fallback>
-            </mc:AlternateContent>
-          </a:graphicData>
-        </a:graphic>
-      </p:graphicFrame>
-    </p:spTree>
-    <p:extLst>
-      <p:ext uri="{BB962C8B-B14F-4D97-AF65-F5344CB8AC3E}">
-        <p14:creationId xmlns:p14="http://schemas.microsoft.com/office/powerpoint/2010/main" val="1544317329"/>
       </p:ext>
     </p:extLst>
   </p:cSld>
@@ -17880,7 +17802,7 @@
           <p:nvPr>
             <p:extLst>
               <p:ext uri="{D42A27DB-BD31-4B8C-83A1-F6EECF244321}">
-                <p14:modId xmlns:p14="http://schemas.microsoft.com/office/powerpoint/2010/main" val="2340412754"/>
+                <p14:modId xmlns:p14="http://schemas.microsoft.com/office/powerpoint/2010/main" val="2826262248"/>
               </p:ext>
             </p:extLst>
           </p:nvPr>
@@ -17893,7 +17815,7 @@
           <a:graphicData uri="http://schemas.openxmlformats.org/presentationml/2006/ole">
             <mc:AlternateContent xmlns:mc="http://schemas.openxmlformats.org/markup-compatibility/2006">
               <mc:Choice xmlns:v="urn:schemas-microsoft-com:vml" Requires="v">
-                <p:oleObj spid="_x0000_s455690" name="Equation" r:id="rId4" imgW="698500" imgH="254000" progId="Equation.DSMT4">
+                <p:oleObj spid="_x0000_s454675" name="Equation" r:id="rId4" imgW="698500" imgH="254000" progId="Equation.DSMT4">
                   <p:embed/>
                 </p:oleObj>
               </mc:Choice>
@@ -17969,7 +17891,7 @@
           <p:nvPr>
             <p:extLst>
               <p:ext uri="{D42A27DB-BD31-4B8C-83A1-F6EECF244321}">
-                <p14:modId xmlns:p14="http://schemas.microsoft.com/office/powerpoint/2010/main" val="976448072"/>
+                <p14:modId xmlns:p14="http://schemas.microsoft.com/office/powerpoint/2010/main" val="78290842"/>
               </p:ext>
             </p:extLst>
           </p:nvPr>
@@ -17982,7 +17904,263 @@
           <a:graphicData uri="http://schemas.openxmlformats.org/presentationml/2006/ole">
             <mc:AlternateContent xmlns:mc="http://schemas.openxmlformats.org/markup-compatibility/2006">
               <mc:Choice xmlns:v="urn:schemas-microsoft-com:vml" Requires="v">
-                <p:oleObj spid="_x0000_s455691" name="Equation" r:id="rId6" imgW="1333500" imgH="482600" progId="Equation.DSMT4">
+                <p:oleObj spid="_x0000_s454676" name="Equation" r:id="rId6" imgW="1333500" imgH="482600" progId="Equation.DSMT4">
+                  <p:embed/>
+                </p:oleObj>
+              </mc:Choice>
+              <mc:Fallback>
+                <p:oleObj name="Equation" r:id="rId6" imgW="1333500" imgH="482600" progId="Equation.DSMT4">
+                  <p:embed/>
+                  <p:pic>
+                    <p:nvPicPr>
+                      <p:cNvPr id="0" name=""/>
+                      <p:cNvPicPr/>
+                      <p:nvPr/>
+                    </p:nvPicPr>
+                    <p:blipFill>
+                      <a:blip r:embed="rId7"/>
+                      <a:stretch>
+                        <a:fillRect/>
+                      </a:stretch>
+                    </p:blipFill>
+                    <p:spPr>
+                      <a:xfrm>
+                        <a:off x="593725" y="3232150"/>
+                        <a:ext cx="4662488" cy="1689100"/>
+                      </a:xfrm>
+                      <a:prstGeom prst="rect">
+                        <a:avLst/>
+                      </a:prstGeom>
+                    </p:spPr>
+                  </p:pic>
+                </p:oleObj>
+              </mc:Fallback>
+            </mc:AlternateContent>
+          </a:graphicData>
+        </a:graphic>
+      </p:graphicFrame>
+    </p:spTree>
+    <p:extLst>
+      <p:ext uri="{BB962C8B-B14F-4D97-AF65-F5344CB8AC3E}">
+        <p14:creationId xmlns:p14="http://schemas.microsoft.com/office/powerpoint/2010/main" val="1544317329"/>
+      </p:ext>
+    </p:extLst>
+  </p:cSld>
+  <p:clrMapOvr>
+    <a:masterClrMapping/>
+  </p:clrMapOvr>
+  <mc:AlternateContent xmlns:mc="http://schemas.openxmlformats.org/markup-compatibility/2006">
+    <mc:Choice xmlns:p14="http://schemas.microsoft.com/office/powerpoint/2010/main" Requires="p14">
+      <p:transition spd="med" p14:dur="600" advClick="0" advTm="400">
+        <p:fade/>
+      </p:transition>
+    </mc:Choice>
+    <mc:Fallback>
+      <p:transition xmlns:p14="http://schemas.microsoft.com/office/powerpoint/2010/main" spd="med" advClick="0" advTm="400">
+        <p:fade/>
+      </p:transition>
+    </mc:Fallback>
+  </mc:AlternateContent>
+  <p:timing>
+    <p:tnLst>
+      <p:par>
+        <p:cTn xmlns:p14="http://schemas.microsoft.com/office/powerpoint/2010/main" id="1" dur="indefinite" restart="never" nodeType="tmRoot"/>
+      </p:par>
+    </p:tnLst>
+  </p:timing>
+</p:sld>
+</file>
+
+<file path=ppt/slides/slide36.xml><?xml version="1.0" encoding="utf-8"?>
+<p:sld xmlns:a="http://schemas.openxmlformats.org/drawingml/2006/main" xmlns:r="http://schemas.openxmlformats.org/officeDocument/2006/relationships" xmlns:p="http://schemas.openxmlformats.org/presentationml/2006/main">
+  <p:cSld>
+    <p:spTree>
+      <p:nvGrpSpPr>
+        <p:cNvPr id="1" name=""/>
+        <p:cNvGrpSpPr/>
+        <p:nvPr/>
+      </p:nvGrpSpPr>
+      <p:grpSpPr>
+        <a:xfrm>
+          <a:off x="0" y="0"/>
+          <a:ext cx="0" cy="0"/>
+          <a:chOff x="0" y="0"/>
+          <a:chExt cx="0" cy="0"/>
+        </a:xfrm>
+      </p:grpSpPr>
+      <p:sp>
+        <p:nvSpPr>
+          <p:cNvPr id="9" name="Title 1"/>
+          <p:cNvSpPr>
+            <a:spLocks noGrp="1"/>
+          </p:cNvSpPr>
+          <p:nvPr>
+            <p:ph type="title"/>
+          </p:nvPr>
+        </p:nvSpPr>
+        <p:spPr>
+          <a:xfrm>
+            <a:off x="1651000" y="363538"/>
+            <a:ext cx="6794500" cy="1003300"/>
+          </a:xfrm>
+        </p:spPr>
+        <p:txBody>
+          <a:bodyPr/>
+          <a:lstStyle/>
+          <a:p>
+            <a:r>
+              <a:rPr lang="en-US" sz="4000" dirty="0" smtClean="0"/>
+              <a:t>Algebra for Equivalence</a:t>
+            </a:r>
+            <a:endParaRPr lang="en-US" sz="4000" dirty="0"/>
+          </a:p>
+        </p:txBody>
+      </p:sp>
+      <p:sp>
+        <p:nvSpPr>
+          <p:cNvPr id="4" name="Slide Number Placeholder 2"/>
+          <p:cNvSpPr>
+            <a:spLocks noGrp="1"/>
+          </p:cNvSpPr>
+          <p:nvPr>
+            <p:ph type="sldNum" sz="quarter" idx="10"/>
+          </p:nvPr>
+        </p:nvSpPr>
+        <p:spPr>
+          <a:xfrm>
+            <a:off x="7333815" y="6553200"/>
+            <a:ext cx="1810186" cy="276999"/>
+          </a:xfrm>
+        </p:spPr>
+        <p:txBody>
+          <a:bodyPr/>
+          <a:lstStyle/>
+          <a:p>
+            <a:r>
+              <a:rPr lang="en-US" dirty="0" smtClean="0"/>
+              <a:t>propositional algebra.</a:t>
+            </a:r>
+            <a:fld id="{3251DA95-B240-47FE-901D-B78FC8E8E532}" type="slidenum">
+              <a:rPr lang="en-US" smtClean="0"/>
+              <a:pPr/>
+              <a:t>36</a:t>
+            </a:fld>
+            <a:endParaRPr lang="en-US" dirty="0"/>
+          </a:p>
+        </p:txBody>
+      </p:sp>
+      <p:graphicFrame>
+        <p:nvGraphicFramePr>
+          <p:cNvPr id="14" name="Object 13"/>
+          <p:cNvGraphicFramePr>
+            <a:graphicFrameLocks noChangeAspect="1"/>
+          </p:cNvGraphicFramePr>
+          <p:nvPr>
+            <p:extLst>
+              <p:ext uri="{D42A27DB-BD31-4B8C-83A1-F6EECF244321}">
+                <p14:modId xmlns:p14="http://schemas.microsoft.com/office/powerpoint/2010/main" val="2340412754"/>
+              </p:ext>
+            </p:extLst>
+          </p:nvPr>
+        </p:nvGraphicFramePr>
+        <p:xfrm>
+          <a:off x="350838" y="1593850"/>
+          <a:ext cx="2443162" cy="889000"/>
+        </p:xfrm>
+        <a:graphic>
+          <a:graphicData uri="http://schemas.openxmlformats.org/presentationml/2006/ole">
+            <mc:AlternateContent xmlns:mc="http://schemas.openxmlformats.org/markup-compatibility/2006">
+              <mc:Choice xmlns:v="urn:schemas-microsoft-com:vml" Requires="v">
+                <p:oleObj spid="_x0000_s455697" name="Equation" r:id="rId4" imgW="698500" imgH="254000" progId="Equation.DSMT4">
+                  <p:embed/>
+                </p:oleObj>
+              </mc:Choice>
+              <mc:Fallback>
+                <p:oleObj name="Equation" r:id="rId4" imgW="698500" imgH="254000" progId="Equation.DSMT4">
+                  <p:embed/>
+                  <p:pic>
+                    <p:nvPicPr>
+                      <p:cNvPr id="0" name=""/>
+                      <p:cNvPicPr/>
+                      <p:nvPr/>
+                    </p:nvPicPr>
+                    <p:blipFill>
+                      <a:blip r:embed="rId5"/>
+                      <a:stretch>
+                        <a:fillRect/>
+                      </a:stretch>
+                    </p:blipFill>
+                    <p:spPr>
+                      <a:xfrm>
+                        <a:off x="350838" y="1593850"/>
+                        <a:ext cx="2443162" cy="889000"/>
+                      </a:xfrm>
+                      <a:prstGeom prst="rect">
+                        <a:avLst/>
+                      </a:prstGeom>
+                    </p:spPr>
+                  </p:pic>
+                </p:oleObj>
+              </mc:Fallback>
+            </mc:AlternateContent>
+          </a:graphicData>
+        </a:graphic>
+      </p:graphicFrame>
+      <p:sp>
+        <p:nvSpPr>
+          <p:cNvPr id="2" name="TextBox 1"/>
+          <p:cNvSpPr txBox="1"/>
+          <p:nvPr/>
+        </p:nvSpPr>
+        <p:spPr>
+          <a:xfrm>
+            <a:off x="800100" y="2324100"/>
+            <a:ext cx="7540646" cy="830997"/>
+          </a:xfrm>
+          <a:prstGeom prst="rect">
+            <a:avLst/>
+          </a:prstGeom>
+          <a:noFill/>
+        </p:spPr>
+        <p:txBody>
+          <a:bodyPr wrap="none" rtlCol="0">
+            <a:spAutoFit/>
+          </a:bodyPr>
+          <a:lstStyle/>
+          <a:p>
+            <a:pPr algn="l"/>
+            <a:r>
+              <a:rPr lang="en-US" sz="4800" dirty="0" smtClean="0">
+                <a:latin typeface="Comic Sans MS" pitchFamily="66" charset="0"/>
+              </a:rPr>
+              <a:t>change each term to DNF</a:t>
+            </a:r>
+          </a:p>
+        </p:txBody>
+      </p:sp>
+      <p:graphicFrame>
+        <p:nvGraphicFramePr>
+          <p:cNvPr id="6" name="Object 5"/>
+          <p:cNvGraphicFramePr>
+            <a:graphicFrameLocks noChangeAspect="1"/>
+          </p:cNvGraphicFramePr>
+          <p:nvPr>
+            <p:extLst>
+              <p:ext uri="{D42A27DB-BD31-4B8C-83A1-F6EECF244321}">
+                <p14:modId xmlns:p14="http://schemas.microsoft.com/office/powerpoint/2010/main" val="976448072"/>
+              </p:ext>
+            </p:extLst>
+          </p:nvPr>
+        </p:nvGraphicFramePr>
+        <p:xfrm>
+          <a:off x="593725" y="3232150"/>
+          <a:ext cx="4662488" cy="1689100"/>
+        </p:xfrm>
+        <a:graphic>
+          <a:graphicData uri="http://schemas.openxmlformats.org/presentationml/2006/ole">
+            <mc:AlternateContent xmlns:mc="http://schemas.openxmlformats.org/markup-compatibility/2006">
+              <mc:Choice xmlns:v="urn:schemas-microsoft-com:vml" Requires="v">
+                <p:oleObj spid="_x0000_s455698" name="Equation" r:id="rId6" imgW="1333500" imgH="482600" progId="Equation.DSMT4">
                   <p:embed/>
                 </p:oleObj>
               </mc:Choice>
@@ -18160,7 +18338,7 @@
 </p:sld>
 </file>
 
-<file path=ppt/slides/slide36.xml><?xml version="1.0" encoding="utf-8"?>
+<file path=ppt/slides/slide37.xml><?xml version="1.0" encoding="utf-8"?>
 <p:sld xmlns:a="http://schemas.openxmlformats.org/drawingml/2006/main" xmlns:r="http://schemas.openxmlformats.org/officeDocument/2006/relationships" xmlns:p="http://schemas.openxmlformats.org/presentationml/2006/main">
   <p:cSld>
     <p:spTree>
@@ -18232,7 +18410,7 @@
             <a:fld id="{3251DA95-B240-47FE-901D-B78FC8E8E532}" type="slidenum">
               <a:rPr lang="en-US" smtClean="0"/>
               <a:pPr/>
-              <a:t>36</a:t>
+              <a:t>37</a:t>
             </a:fld>
             <a:endParaRPr lang="en-US" dirty="0"/>
           </a:p>
@@ -18260,7 +18438,7 @@
           <a:graphicData uri="http://schemas.openxmlformats.org/presentationml/2006/ole">
             <mc:AlternateContent xmlns:mc="http://schemas.openxmlformats.org/markup-compatibility/2006">
               <mc:Choice xmlns:v="urn:schemas-microsoft-com:vml" Requires="v">
-                <p:oleObj spid="_x0000_s460802" name="Equation" r:id="rId4" imgW="1333500" imgH="482600" progId="Equation.DSMT4">
+                <p:oleObj spid="_x0000_s460806" name="Equation" r:id="rId4" imgW="1333500" imgH="482600" progId="Equation.DSMT4">
                   <p:embed/>
                 </p:oleObj>
               </mc:Choice>
@@ -18327,12 +18505,6 @@
               </a:rPr>
               <a:t>book keeping</a:t>
             </a:r>
-            <a:endParaRPr lang="en-US" sz="5400" dirty="0" smtClean="0">
-              <a:solidFill>
-                <a:srgbClr val="FF03E3"/>
-              </a:solidFill>
-              <a:latin typeface="Comic Sans MS" pitchFamily="66" charset="0"/>
-            </a:endParaRPr>
           </a:p>
         </p:txBody>
       </p:sp>
@@ -18368,7 +18540,7 @@
 </p:sld>
 </file>
 
-<file path=ppt/slides/slide37.xml><?xml version="1.0" encoding="utf-8"?>
+<file path=ppt/slides/slide38.xml><?xml version="1.0" encoding="utf-8"?>
 <p:sld xmlns:a="http://schemas.openxmlformats.org/drawingml/2006/main" xmlns:r="http://schemas.openxmlformats.org/officeDocument/2006/relationships" xmlns:p="http://schemas.openxmlformats.org/presentationml/2006/main">
   <p:cSld>
     <p:spTree>
@@ -18440,7 +18612,7 @@
             <a:fld id="{3251DA95-B240-47FE-901D-B78FC8E8E532}" type="slidenum">
               <a:rPr lang="en-US" smtClean="0"/>
               <a:pPr/>
-              <a:t>37</a:t>
+              <a:t>38</a:t>
             </a:fld>
             <a:endParaRPr lang="en-US" dirty="0"/>
           </a:p>
@@ -18468,7 +18640,7 @@
           <a:graphicData uri="http://schemas.openxmlformats.org/presentationml/2006/ole">
             <mc:AlternateContent xmlns:mc="http://schemas.openxmlformats.org/markup-compatibility/2006">
               <mc:Choice xmlns:v="urn:schemas-microsoft-com:vml" Requires="v">
-                <p:oleObj spid="_x0000_s461826" name="Equation" r:id="rId4" imgW="1333500" imgH="482600" progId="Equation.DSMT4">
+                <p:oleObj spid="_x0000_s461830" name="Equation" r:id="rId4" imgW="1333500" imgH="482600" progId="Equation.DSMT4">
                   <p:embed/>
                 </p:oleObj>
               </mc:Choice>
@@ -18532,9 +18704,6 @@
               </a:rPr>
               <a:t>alphabetized DNF</a:t>
             </a:r>
-            <a:endParaRPr lang="en-US" sz="6600" dirty="0" smtClean="0">
-              <a:latin typeface="Comic Sans MS" pitchFamily="66" charset="0"/>
-            </a:endParaRPr>
           </a:p>
         </p:txBody>
       </p:sp>
@@ -18570,12 +18739,6 @@
               </a:rPr>
               <a:t>book keeping</a:t>
             </a:r>
-            <a:endParaRPr lang="en-US" sz="5400" dirty="0" smtClean="0">
-              <a:solidFill>
-                <a:srgbClr val="FF03E3"/>
-              </a:solidFill>
-              <a:latin typeface="Comic Sans MS" pitchFamily="66" charset="0"/>
-            </a:endParaRPr>
           </a:p>
         </p:txBody>
       </p:sp>
@@ -18690,7 +18853,7 @@
 </p:sld>
 </file>
 
-<file path=ppt/slides/slide38.xml><?xml version="1.0" encoding="utf-8"?>
+<file path=ppt/slides/slide39.xml><?xml version="1.0" encoding="utf-8"?>
 <p:sld xmlns:a="http://schemas.openxmlformats.org/drawingml/2006/main" xmlns:r="http://schemas.openxmlformats.org/officeDocument/2006/relationships" xmlns:p="http://schemas.openxmlformats.org/presentationml/2006/main">
   <p:cSld>
     <p:spTree>
@@ -18891,7 +19054,7 @@
             <a:fld id="{3251DA95-B240-47FE-901D-B78FC8E8E532}" type="slidenum">
               <a:rPr lang="en-US" smtClean="0"/>
               <a:pPr/>
-              <a:t>38</a:t>
+              <a:t>39</a:t>
             </a:fld>
             <a:endParaRPr lang="en-US" dirty="0"/>
           </a:p>
@@ -19047,169 +19210,6 @@
 </p:sld>
 </file>
 
-<file path=ppt/slides/slide39.xml><?xml version="1.0" encoding="utf-8"?>
-<p:sld xmlns:a="http://schemas.openxmlformats.org/drawingml/2006/main" xmlns:r="http://schemas.openxmlformats.org/officeDocument/2006/relationships" xmlns:p="http://schemas.openxmlformats.org/presentationml/2006/main">
-  <p:cSld>
-    <p:spTree>
-      <p:nvGrpSpPr>
-        <p:cNvPr id="1" name=""/>
-        <p:cNvGrpSpPr/>
-        <p:nvPr/>
-      </p:nvGrpSpPr>
-      <p:grpSpPr>
-        <a:xfrm>
-          <a:off x="0" y="0"/>
-          <a:ext cx="0" cy="0"/>
-          <a:chOff x="0" y="0"/>
-          <a:chExt cx="0" cy="0"/>
-        </a:xfrm>
-      </p:grpSpPr>
-      <p:sp>
-        <p:nvSpPr>
-          <p:cNvPr id="5" name="TextBox 4"/>
-          <p:cNvSpPr txBox="1"/>
-          <p:nvPr/>
-        </p:nvSpPr>
-        <p:spPr>
-          <a:xfrm>
-            <a:off x="249243" y="1847840"/>
-            <a:ext cx="8985240" cy="1754327"/>
-          </a:xfrm>
-          <a:prstGeom prst="rect">
-            <a:avLst/>
-          </a:prstGeom>
-          <a:noFill/>
-        </p:spPr>
-        <p:txBody>
-          <a:bodyPr wrap="square" rtlCol="0">
-            <a:spAutoFit/>
-          </a:bodyPr>
-          <a:lstStyle/>
-          <a:p>
-            <a:pPr algn="l"/>
-            <a:r>
-              <a:rPr lang="en-US" sz="5400" dirty="0" smtClean="0">
-                <a:solidFill>
-                  <a:srgbClr val="000000"/>
-                </a:solidFill>
-                <a:latin typeface="Comic Sans MS" pitchFamily="66" charset="0"/>
-              </a:rPr>
-              <a:t>Because two formulas are</a:t>
-            </a:r>
-          </a:p>
-          <a:p>
-            <a:pPr algn="l"/>
-            <a:r>
-              <a:rPr lang="en-US" sz="5400" dirty="0" smtClean="0">
-                <a:solidFill>
-                  <a:srgbClr val="000000"/>
-                </a:solidFill>
-                <a:latin typeface="Comic Sans MS" pitchFamily="66" charset="0"/>
-              </a:rPr>
-              <a:t>equivalent </a:t>
-            </a:r>
-            <a:endParaRPr lang="en-US" sz="5400" dirty="0">
-              <a:solidFill>
-                <a:srgbClr val="000000"/>
-              </a:solidFill>
-              <a:latin typeface="Comic Sans MS" pitchFamily="66" charset="0"/>
-            </a:endParaRPr>
-          </a:p>
-        </p:txBody>
-      </p:sp>
-      <p:sp>
-        <p:nvSpPr>
-          <p:cNvPr id="9" name="Title 1"/>
-          <p:cNvSpPr>
-            <a:spLocks noGrp="1"/>
-          </p:cNvSpPr>
-          <p:nvPr>
-            <p:ph type="title"/>
-          </p:nvPr>
-        </p:nvSpPr>
-        <p:spPr>
-          <a:xfrm>
-            <a:off x="1651000" y="363538"/>
-            <a:ext cx="6794500" cy="1003300"/>
-          </a:xfrm>
-        </p:spPr>
-        <p:txBody>
-          <a:bodyPr/>
-          <a:lstStyle/>
-          <a:p>
-            <a:r>
-              <a:rPr lang="en-US" sz="4000" dirty="0" smtClean="0"/>
-              <a:t>Algebra for Equivalence</a:t>
-            </a:r>
-            <a:endParaRPr lang="en-US" sz="4000" dirty="0"/>
-          </a:p>
-        </p:txBody>
-      </p:sp>
-      <p:sp>
-        <p:nvSpPr>
-          <p:cNvPr id="4" name="Slide Number Placeholder 2"/>
-          <p:cNvSpPr>
-            <a:spLocks noGrp="1"/>
-          </p:cNvSpPr>
-          <p:nvPr>
-            <p:ph type="sldNum" sz="quarter" idx="10"/>
-          </p:nvPr>
-        </p:nvSpPr>
-        <p:spPr>
-          <a:xfrm>
-            <a:off x="7333815" y="6553200"/>
-            <a:ext cx="1810186" cy="276999"/>
-          </a:xfrm>
-        </p:spPr>
-        <p:txBody>
-          <a:bodyPr/>
-          <a:lstStyle/>
-          <a:p>
-            <a:r>
-              <a:rPr lang="en-US" dirty="0" smtClean="0"/>
-              <a:t>propositional algebra.</a:t>
-            </a:r>
-            <a:fld id="{3251DA95-B240-47FE-901D-B78FC8E8E532}" type="slidenum">
-              <a:rPr lang="en-US" smtClean="0"/>
-              <a:pPr/>
-              <a:t>39</a:t>
-            </a:fld>
-            <a:endParaRPr lang="en-US" dirty="0"/>
-          </a:p>
-        </p:txBody>
-      </p:sp>
-    </p:spTree>
-    <p:extLst>
-      <p:ext uri="{BB962C8B-B14F-4D97-AF65-F5344CB8AC3E}">
-        <p14:creationId xmlns:p14="http://schemas.microsoft.com/office/powerpoint/2010/main" val="2003119538"/>
-      </p:ext>
-    </p:extLst>
-  </p:cSld>
-  <p:clrMapOvr>
-    <a:masterClrMapping/>
-  </p:clrMapOvr>
-  <mc:AlternateContent xmlns:mc="http://schemas.openxmlformats.org/markup-compatibility/2006">
-    <mc:Choice xmlns:p14="http://schemas.microsoft.com/office/powerpoint/2010/main" Requires="p14">
-      <p:transition spd="med" p14:dur="700" advClick="0">
-        <p:fade/>
-      </p:transition>
-    </mc:Choice>
-    <mc:Fallback>
-      <p:transition xmlns:p14="http://schemas.microsoft.com/office/powerpoint/2010/main" spd="med" advClick="0">
-        <p:fade/>
-      </p:transition>
-    </mc:Fallback>
-  </mc:AlternateContent>
-  <p:timing>
-    <p:tnLst>
-      <p:par>
-        <p:cTn xmlns:p14="http://schemas.microsoft.com/office/powerpoint/2010/main" id="1" dur="indefinite" restart="never" nodeType="tmRoot"/>
-      </p:par>
-    </p:tnLst>
-  </p:timing>
-</p:sld>
-</file>
-
 <file path=ppt/slides/slide4.xml><?xml version="1.0" encoding="utf-8"?>
 <p:sld xmlns:a="http://schemas.openxmlformats.org/drawingml/2006/main" xmlns:r="http://schemas.openxmlformats.org/officeDocument/2006/relationships" xmlns:p="http://schemas.openxmlformats.org/presentationml/2006/main">
   <p:cSld>
@@ -19351,7 +19351,7 @@
           <a:graphicData uri="http://schemas.openxmlformats.org/presentationml/2006/ole">
             <mc:AlternateContent xmlns:mc="http://schemas.openxmlformats.org/markup-compatibility/2006">
               <mc:Choice xmlns:v="urn:schemas-microsoft-com:vml" Requires="v">
-                <p:oleObj spid="_x0000_s1053" name="Equation" r:id="rId4" imgW="1295400" imgH="228600" progId="Equation.DSMT4">
+                <p:oleObj spid="_x0000_s1057" name="Equation" r:id="rId4" imgW="1295400" imgH="228600" progId="Equation.DSMT4">
                   <p:embed/>
                 </p:oleObj>
               </mc:Choice>
@@ -19511,7 +19511,7 @@
         <p:spPr>
           <a:xfrm>
             <a:off x="249243" y="1847840"/>
-            <a:ext cx="8985240" cy="2585323"/>
+            <a:ext cx="8985240" cy="1754327"/>
           </a:xfrm>
           <a:prstGeom prst="rect">
             <a:avLst/>
@@ -19546,24 +19546,6 @@
               </a:rPr>
               <a:t>equivalent </a:t>
             </a:r>
-            <a:r>
-              <a:rPr lang="en-US" sz="5400" dirty="0" err="1" smtClean="0">
-                <a:solidFill>
-                  <a:srgbClr val="000000"/>
-                </a:solidFill>
-                <a:latin typeface="Comic Sans MS" pitchFamily="66" charset="0"/>
-              </a:rPr>
-              <a:t>iff</a:t>
-            </a:r>
-            <a:r>
-              <a:rPr lang="en-US" sz="5400" dirty="0" smtClean="0">
-                <a:solidFill>
-                  <a:srgbClr val="000000"/>
-                </a:solidFill>
-                <a:latin typeface="Comic Sans MS" pitchFamily="66" charset="0"/>
-              </a:rPr>
-              <a:t> have same truth table</a:t>
-            </a:r>
             <a:endParaRPr lang="en-US" sz="5400" dirty="0">
               <a:solidFill>
                 <a:srgbClr val="000000"/>
@@ -19637,20 +19619,20 @@
     </p:spTree>
     <p:extLst>
       <p:ext uri="{BB962C8B-B14F-4D97-AF65-F5344CB8AC3E}">
-        <p14:creationId xmlns:p14="http://schemas.microsoft.com/office/powerpoint/2010/main" val="2442323819"/>
+        <p14:creationId xmlns:p14="http://schemas.microsoft.com/office/powerpoint/2010/main" val="2003119538"/>
       </p:ext>
     </p:extLst>
   </p:cSld>
   <p:clrMapOvr>
     <a:masterClrMapping/>
   </p:clrMapOvr>
-  <mc:AlternateContent xmlns:mc="http://schemas.openxmlformats.org/markup-compatibility/2006">
-    <mc:Choice xmlns:p14="http://schemas.microsoft.com/office/powerpoint/2010/main" Requires="p14">
+  <mc:AlternateContent xmlns:mc="http://schemas.openxmlformats.org/markup-compatibility/2006" xmlns:p14="http://schemas.microsoft.com/office/powerpoint/2010/main">
+    <mc:Choice Requires="p14">
       <p:transition spd="med" p14:dur="700" advClick="0">
         <p:fade/>
       </p:transition>
     </mc:Choice>
-    <mc:Fallback>
+    <mc:Fallback xmlns="">
       <p:transition xmlns:p14="http://schemas.microsoft.com/office/powerpoint/2010/main" spd="med" advClick="0">
         <p:fade/>
       </p:transition>
@@ -19692,7 +19674,7 @@
         <p:spPr>
           <a:xfrm>
             <a:off x="249243" y="1847840"/>
-            <a:ext cx="8985240" cy="3416320"/>
+            <a:ext cx="8985240" cy="2585323"/>
           </a:xfrm>
           <a:prstGeom prst="rect">
             <a:avLst/>
@@ -19743,37 +19725,7 @@
                 </a:solidFill>
                 <a:latin typeface="Comic Sans MS" pitchFamily="66" charset="0"/>
               </a:rPr>
-              <a:t> have same truth table </a:t>
-            </a:r>
-            <a:r>
-              <a:rPr lang="en-US" sz="5400" dirty="0" err="1" smtClean="0">
-                <a:solidFill>
-                  <a:srgbClr val="000000"/>
-                </a:solidFill>
-                <a:latin typeface="Comic Sans MS" pitchFamily="66" charset="0"/>
-              </a:rPr>
-              <a:t>iff</a:t>
-            </a:r>
-            <a:r>
-              <a:rPr lang="en-US" sz="5400" dirty="0" smtClean="0">
-                <a:solidFill>
-                  <a:srgbClr val="000000"/>
-                </a:solidFill>
-                <a:latin typeface="Comic Sans MS" pitchFamily="66" charset="0"/>
-              </a:rPr>
-              <a:t> have same</a:t>
-            </a:r>
-          </a:p>
-          <a:p>
-            <a:pPr algn="l"/>
-            <a:r>
-              <a:rPr lang="en-US" sz="5400" dirty="0" smtClean="0">
-                <a:solidFill>
-                  <a:srgbClr val="000000"/>
-                </a:solidFill>
-                <a:latin typeface="Comic Sans MS" pitchFamily="66" charset="0"/>
-              </a:rPr>
-              <a:t>alphabetized DNF.</a:t>
+              <a:t> have same truth table</a:t>
             </a:r>
             <a:endParaRPr lang="en-US" sz="5400" dirty="0">
               <a:solidFill>
@@ -19848,20 +19800,20 @@
     </p:spTree>
     <p:extLst>
       <p:ext uri="{BB962C8B-B14F-4D97-AF65-F5344CB8AC3E}">
-        <p14:creationId xmlns:p14="http://schemas.microsoft.com/office/powerpoint/2010/main" val="1661767375"/>
+        <p14:creationId xmlns:p14="http://schemas.microsoft.com/office/powerpoint/2010/main" val="2442323819"/>
       </p:ext>
     </p:extLst>
   </p:cSld>
   <p:clrMapOvr>
     <a:masterClrMapping/>
   </p:clrMapOvr>
-  <mc:AlternateContent xmlns:mc="http://schemas.openxmlformats.org/markup-compatibility/2006">
-    <mc:Choice xmlns:p14="http://schemas.microsoft.com/office/powerpoint/2010/main" Requires="p14">
+  <mc:AlternateContent xmlns:mc="http://schemas.openxmlformats.org/markup-compatibility/2006" xmlns:p14="http://schemas.microsoft.com/office/powerpoint/2010/main">
+    <mc:Choice Requires="p14">
       <p:transition spd="med" p14:dur="700" advClick="0">
         <p:fade/>
       </p:transition>
     </mc:Choice>
-    <mc:Fallback>
+    <mc:Fallback xmlns="">
       <p:transition xmlns:p14="http://schemas.microsoft.com/office/powerpoint/2010/main" spd="med" advClick="0">
         <p:fade/>
       </p:transition>
@@ -19896,42 +19848,14 @@
       </p:grpSpPr>
       <p:sp>
         <p:nvSpPr>
-          <p:cNvPr id="2" name="Title 1"/>
-          <p:cNvSpPr>
-            <a:spLocks noGrp="1"/>
-          </p:cNvSpPr>
-          <p:nvPr>
-            <p:ph type="title"/>
-          </p:nvPr>
-        </p:nvSpPr>
-        <p:spPr>
-          <a:xfrm>
-            <a:off x="2599202" y="325438"/>
-            <a:ext cx="6227298" cy="1058862"/>
-          </a:xfrm>
-        </p:spPr>
-        <p:txBody>
-          <a:bodyPr/>
-          <a:lstStyle/>
-          <a:p>
-            <a:r>
-              <a:rPr lang="en-US" sz="3600" dirty="0" smtClean="0"/>
-              <a:t>Validity Checking still hard</a:t>
-            </a:r>
-            <a:endParaRPr lang="en-US" sz="3600" dirty="0"/>
-          </a:p>
-        </p:txBody>
-      </p:sp>
-      <p:sp>
-        <p:nvSpPr>
           <p:cNvPr id="5" name="TextBox 4"/>
           <p:cNvSpPr txBox="1"/>
           <p:nvPr/>
         </p:nvSpPr>
         <p:spPr>
           <a:xfrm>
-            <a:off x="627063" y="1308100"/>
-            <a:ext cx="7970837" cy="2585323"/>
+            <a:off x="249243" y="1847840"/>
+            <a:ext cx="8985240" cy="3416320"/>
           </a:xfrm>
           <a:prstGeom prst="rect">
             <a:avLst/>
@@ -19947,28 +19871,76 @@
             <a:pPr algn="l"/>
             <a:r>
               <a:rPr lang="en-US" sz="5400" dirty="0" smtClean="0">
-                <a:latin typeface="Comic Sans MS" pitchFamily="66" charset="0"/>
-              </a:rPr>
-              <a:t>Algebraic proofs </a:t>
-            </a:r>
-            <a:r>
-              <a:rPr lang="en-US" sz="5400" dirty="0" smtClean="0">
                 <a:solidFill>
-                  <a:srgbClr val="FF03E3"/>
+                  <a:srgbClr val="000000"/>
                 </a:solidFill>
                 <a:latin typeface="Comic Sans MS" pitchFamily="66" charset="0"/>
               </a:rPr>
-              <a:t>in general</a:t>
-            </a:r>
+              <a:t>Because two formulas are</a:t>
+            </a:r>
+          </a:p>
+          <a:p>
+            <a:pPr algn="l"/>
             <a:r>
               <a:rPr lang="en-US" sz="5400" dirty="0" smtClean="0">
+                <a:solidFill>
+                  <a:srgbClr val="000000"/>
+                </a:solidFill>
                 <a:latin typeface="Comic Sans MS" pitchFamily="66" charset="0"/>
               </a:rPr>
-              <a:t> don’t beat truth tables.</a:t>
+              <a:t>equivalent </a:t>
+            </a:r>
+            <a:r>
+              <a:rPr lang="en-US" sz="5400" dirty="0" err="1" smtClean="0">
+                <a:solidFill>
+                  <a:srgbClr val="000000"/>
+                </a:solidFill>
+                <a:latin typeface="Comic Sans MS" pitchFamily="66" charset="0"/>
+              </a:rPr>
+              <a:t>iff</a:t>
+            </a:r>
+            <a:r>
+              <a:rPr lang="en-US" sz="5400" dirty="0" smtClean="0">
+                <a:solidFill>
+                  <a:srgbClr val="000000"/>
+                </a:solidFill>
+                <a:latin typeface="Comic Sans MS" pitchFamily="66" charset="0"/>
+              </a:rPr>
+              <a:t> have same truth table </a:t>
+            </a:r>
+            <a:r>
+              <a:rPr lang="en-US" sz="5400" dirty="0" err="1" smtClean="0">
+                <a:solidFill>
+                  <a:srgbClr val="000000"/>
+                </a:solidFill>
+                <a:latin typeface="Comic Sans MS" pitchFamily="66" charset="0"/>
+              </a:rPr>
+              <a:t>iff</a:t>
+            </a:r>
+            <a:r>
+              <a:rPr lang="en-US" sz="5400" dirty="0" smtClean="0">
+                <a:solidFill>
+                  <a:srgbClr val="000000"/>
+                </a:solidFill>
+                <a:latin typeface="Comic Sans MS" pitchFamily="66" charset="0"/>
+              </a:rPr>
+              <a:t> have same</a:t>
+            </a:r>
+          </a:p>
+          <a:p>
+            <a:pPr algn="l"/>
+            <a:r>
+              <a:rPr lang="en-US" sz="5400" dirty="0" smtClean="0">
+                <a:solidFill>
+                  <a:srgbClr val="000000"/>
+                </a:solidFill>
+                <a:latin typeface="Comic Sans MS" pitchFamily="66" charset="0"/>
+              </a:rPr>
+              <a:t>alphabetized DNF.</a:t>
             </a:r>
             <a:endParaRPr lang="en-US" sz="5400" dirty="0">
               <a:solidFill>
-                <a:srgbClr val="0000F1"/>
+                <a:srgbClr val="000000"/>
               </a:solidFill>
               <a:latin typeface="Comic Sans MS" pitchFamily="66" charset="0"/>
             </a:endParaRPr>
@@ -19977,7 +19949,35 @@
       </p:sp>
       <p:sp>
         <p:nvSpPr>
-          <p:cNvPr id="6" name="Slide Number Placeholder 2"/>
+          <p:cNvPr id="9" name="Title 1"/>
+          <p:cNvSpPr>
+            <a:spLocks noGrp="1"/>
+          </p:cNvSpPr>
+          <p:nvPr>
+            <p:ph type="title"/>
+          </p:nvPr>
+        </p:nvSpPr>
+        <p:spPr>
+          <a:xfrm>
+            <a:off x="1651000" y="363538"/>
+            <a:ext cx="6794500" cy="1003300"/>
+          </a:xfrm>
+        </p:spPr>
+        <p:txBody>
+          <a:bodyPr/>
+          <a:lstStyle/>
+          <a:p>
+            <a:r>
+              <a:rPr lang="en-US" sz="4000" dirty="0" smtClean="0"/>
+              <a:t>Algebra for Equivalence</a:t>
+            </a:r>
+            <a:endParaRPr lang="en-US" sz="4000" dirty="0"/>
+          </a:p>
+        </p:txBody>
+      </p:sp>
+      <p:sp>
+        <p:nvSpPr>
+          <p:cNvPr id="4" name="Slide Number Placeholder 2"/>
           <p:cNvSpPr>
             <a:spLocks noGrp="1"/>
           </p:cNvSpPr>
@@ -20011,16 +20011,25 @@
     </p:spTree>
     <p:extLst>
       <p:ext uri="{BB962C8B-B14F-4D97-AF65-F5344CB8AC3E}">
-        <p14:creationId xmlns:p14="http://schemas.microsoft.com/office/powerpoint/2010/main" val="1193270480"/>
+        <p14:creationId xmlns:p14="http://schemas.microsoft.com/office/powerpoint/2010/main" val="1661767375"/>
       </p:ext>
     </p:extLst>
   </p:cSld>
   <p:clrMapOvr>
     <a:masterClrMapping/>
   </p:clrMapOvr>
-  <p:transition xmlns:p14="http://schemas.microsoft.com/office/powerpoint/2010/main" spd="slow" advClick="0">
-    <p:fade thruBlk="1"/>
-  </p:transition>
+  <mc:AlternateContent xmlns:mc="http://schemas.openxmlformats.org/markup-compatibility/2006" xmlns:p14="http://schemas.microsoft.com/office/powerpoint/2010/main">
+    <mc:Choice Requires="p14">
+      <p:transition spd="med" p14:dur="700" advClick="0">
+        <p:fade/>
+      </p:transition>
+    </mc:Choice>
+    <mc:Fallback xmlns="">
+      <p:transition xmlns:p14="http://schemas.microsoft.com/office/powerpoint/2010/main" spd="med" advClick="0">
+        <p:fade/>
+      </p:transition>
+    </mc:Fallback>
+  </mc:AlternateContent>
   <p:timing>
     <p:tnLst>
       <p:par>
@@ -20085,7 +20094,7 @@
         <p:spPr>
           <a:xfrm>
             <a:off x="627063" y="1308100"/>
-            <a:ext cx="7970837" cy="4247317"/>
+            <a:ext cx="7970837" cy="2585323"/>
           </a:xfrm>
           <a:prstGeom prst="rect">
             <a:avLst/>
@@ -20118,52 +20127,12 @@
               <a:rPr lang="en-US" sz="5400" dirty="0" smtClean="0">
                 <a:latin typeface="Comic Sans MS" pitchFamily="66" charset="0"/>
               </a:rPr>
-              <a:t> don’t beat truth tables.  </a:t>
-            </a:r>
-            <a:r>
-              <a:rPr lang="en-US" sz="5400" dirty="0" smtClean="0">
-                <a:solidFill>
-                  <a:schemeClr val="accent1">
-                    <a:lumMod val="50000"/>
-                  </a:schemeClr>
-                </a:solidFill>
-                <a:latin typeface="Comic Sans MS" pitchFamily="66" charset="0"/>
-              </a:rPr>
-              <a:t>DNF</a:t>
-            </a:r>
-            <a:r>
-              <a:rPr lang="en-US" sz="5400" dirty="0" smtClean="0">
-                <a:latin typeface="Comic Sans MS" pitchFamily="66" charset="0"/>
-              </a:rPr>
-              <a:t> is just an</a:t>
-            </a:r>
-          </a:p>
-          <a:p>
-            <a:pPr algn="l"/>
-            <a:r>
-              <a:rPr lang="en-US" sz="5400" dirty="0" smtClean="0">
-                <a:latin typeface="Comic Sans MS" pitchFamily="66" charset="0"/>
-              </a:rPr>
-              <a:t>algebraic copy of the</a:t>
-            </a:r>
-          </a:p>
-          <a:p>
-            <a:r>
-              <a:rPr lang="en-US" sz="5400" dirty="0" smtClean="0">
-                <a:solidFill>
-                  <a:srgbClr val="F80214"/>
-                </a:solidFill>
-                <a:latin typeface="Comic Sans MS" pitchFamily="66" charset="0"/>
-              </a:rPr>
-              <a:t>truth table</a:t>
-            </a:r>
-            <a:r>
-              <a:rPr lang="en-US" sz="5400" dirty="0" smtClean="0">
-                <a:latin typeface="Comic Sans MS" pitchFamily="66" charset="0"/>
-              </a:rPr>
-              <a:t>.</a:t>
+              <a:t> don’t beat truth tables.</a:t>
             </a:r>
             <a:endParaRPr lang="en-US" sz="5400" dirty="0">
+              <a:solidFill>
+                <a:srgbClr val="0000F1"/>
+              </a:solidFill>
               <a:latin typeface="Comic Sans MS" pitchFamily="66" charset="0"/>
             </a:endParaRPr>
           </a:p>
@@ -20205,7 +20174,7 @@
     </p:spTree>
     <p:extLst>
       <p:ext uri="{BB962C8B-B14F-4D97-AF65-F5344CB8AC3E}">
-        <p14:creationId xmlns:p14="http://schemas.microsoft.com/office/powerpoint/2010/main" val="2742694273"/>
+        <p14:creationId xmlns:p14="http://schemas.microsoft.com/office/powerpoint/2010/main" val="1193270480"/>
       </p:ext>
     </p:extLst>
   </p:cSld>
@@ -20279,6 +20248,209 @@
         <p:spPr>
           <a:xfrm>
             <a:off x="627063" y="1308100"/>
+            <a:ext cx="7970837" cy="4247317"/>
+          </a:xfrm>
+          <a:prstGeom prst="rect">
+            <a:avLst/>
+          </a:prstGeom>
+          <a:noFill/>
+        </p:spPr>
+        <p:txBody>
+          <a:bodyPr wrap="square" rtlCol="0">
+            <a:spAutoFit/>
+          </a:bodyPr>
+          <a:lstStyle/>
+          <a:p>
+            <a:pPr algn="l"/>
+            <a:r>
+              <a:rPr lang="en-US" sz="5400" dirty="0" smtClean="0">
+                <a:latin typeface="Comic Sans MS" pitchFamily="66" charset="0"/>
+              </a:rPr>
+              <a:t>Algebraic proofs </a:t>
+            </a:r>
+            <a:r>
+              <a:rPr lang="en-US" sz="5400" dirty="0" smtClean="0">
+                <a:solidFill>
+                  <a:srgbClr val="FF03E3"/>
+                </a:solidFill>
+                <a:latin typeface="Comic Sans MS" pitchFamily="66" charset="0"/>
+              </a:rPr>
+              <a:t>in general</a:t>
+            </a:r>
+            <a:r>
+              <a:rPr lang="en-US" sz="5400" dirty="0" smtClean="0">
+                <a:latin typeface="Comic Sans MS" pitchFamily="66" charset="0"/>
+              </a:rPr>
+              <a:t> don’t beat truth tables.  </a:t>
+            </a:r>
+            <a:r>
+              <a:rPr lang="en-US" sz="5400" dirty="0" smtClean="0">
+                <a:solidFill>
+                  <a:schemeClr val="accent1">
+                    <a:lumMod val="50000"/>
+                  </a:schemeClr>
+                </a:solidFill>
+                <a:latin typeface="Comic Sans MS" pitchFamily="66" charset="0"/>
+              </a:rPr>
+              <a:t>DNF</a:t>
+            </a:r>
+            <a:r>
+              <a:rPr lang="en-US" sz="5400" dirty="0" smtClean="0">
+                <a:latin typeface="Comic Sans MS" pitchFamily="66" charset="0"/>
+              </a:rPr>
+              <a:t> is just an</a:t>
+            </a:r>
+          </a:p>
+          <a:p>
+            <a:pPr algn="l"/>
+            <a:r>
+              <a:rPr lang="en-US" sz="5400" dirty="0" smtClean="0">
+                <a:latin typeface="Comic Sans MS" pitchFamily="66" charset="0"/>
+              </a:rPr>
+              <a:t>algebraic copy of the</a:t>
+            </a:r>
+          </a:p>
+          <a:p>
+            <a:r>
+              <a:rPr lang="en-US" sz="5400" dirty="0" smtClean="0">
+                <a:solidFill>
+                  <a:srgbClr val="F80214"/>
+                </a:solidFill>
+                <a:latin typeface="Comic Sans MS" pitchFamily="66" charset="0"/>
+              </a:rPr>
+              <a:t>truth table</a:t>
+            </a:r>
+            <a:r>
+              <a:rPr lang="en-US" sz="5400" dirty="0" smtClean="0">
+                <a:latin typeface="Comic Sans MS" pitchFamily="66" charset="0"/>
+              </a:rPr>
+              <a:t>.</a:t>
+            </a:r>
+            <a:endParaRPr lang="en-US" sz="5400" dirty="0">
+              <a:latin typeface="Comic Sans MS" pitchFamily="66" charset="0"/>
+            </a:endParaRPr>
+          </a:p>
+        </p:txBody>
+      </p:sp>
+      <p:sp>
+        <p:nvSpPr>
+          <p:cNvPr id="6" name="Slide Number Placeholder 2"/>
+          <p:cNvSpPr>
+            <a:spLocks noGrp="1"/>
+          </p:cNvSpPr>
+          <p:nvPr>
+            <p:ph type="sldNum" sz="quarter" idx="10"/>
+          </p:nvPr>
+        </p:nvSpPr>
+        <p:spPr>
+          <a:xfrm>
+            <a:off x="7333815" y="6553200"/>
+            <a:ext cx="1810186" cy="276999"/>
+          </a:xfrm>
+        </p:spPr>
+        <p:txBody>
+          <a:bodyPr/>
+          <a:lstStyle/>
+          <a:p>
+            <a:r>
+              <a:rPr lang="en-US" dirty="0" smtClean="0"/>
+              <a:t>propositional algebra.</a:t>
+            </a:r>
+            <a:fld id="{3251DA95-B240-47FE-901D-B78FC8E8E532}" type="slidenum">
+              <a:rPr lang="en-US" smtClean="0"/>
+              <a:pPr/>
+              <a:t>44</a:t>
+            </a:fld>
+            <a:endParaRPr lang="en-US" dirty="0"/>
+          </a:p>
+        </p:txBody>
+      </p:sp>
+    </p:spTree>
+    <p:extLst>
+      <p:ext uri="{BB962C8B-B14F-4D97-AF65-F5344CB8AC3E}">
+        <p14:creationId xmlns:p14="http://schemas.microsoft.com/office/powerpoint/2010/main" val="2742694273"/>
+      </p:ext>
+    </p:extLst>
+  </p:cSld>
+  <p:clrMapOvr>
+    <a:masterClrMapping/>
+  </p:clrMapOvr>
+  <mc:AlternateContent xmlns:mc="http://schemas.openxmlformats.org/markup-compatibility/2006">
+    <mc:Choice xmlns:p14="http://schemas.microsoft.com/office/powerpoint/2010/main" Requires="p14">
+      <p:transition spd="med" p14:dur="700" advClick="0">
+        <p:fade/>
+      </p:transition>
+    </mc:Choice>
+    <mc:Fallback>
+      <p:transition xmlns:p14="http://schemas.microsoft.com/office/powerpoint/2010/main" spd="med" advClick="0">
+        <p:fade/>
+      </p:transition>
+    </mc:Fallback>
+  </mc:AlternateContent>
+  <p:timing>
+    <p:tnLst>
+      <p:par>
+        <p:cTn xmlns:p14="http://schemas.microsoft.com/office/powerpoint/2010/main" id="1" dur="indefinite" restart="never" nodeType="tmRoot"/>
+      </p:par>
+    </p:tnLst>
+  </p:timing>
+</p:sld>
+</file>
+
+<file path=ppt/slides/slide45.xml><?xml version="1.0" encoding="utf-8"?>
+<p:sld xmlns:a="http://schemas.openxmlformats.org/drawingml/2006/main" xmlns:r="http://schemas.openxmlformats.org/officeDocument/2006/relationships" xmlns:p="http://schemas.openxmlformats.org/presentationml/2006/main">
+  <p:cSld>
+    <p:spTree>
+      <p:nvGrpSpPr>
+        <p:cNvPr id="1" name=""/>
+        <p:cNvGrpSpPr/>
+        <p:nvPr/>
+      </p:nvGrpSpPr>
+      <p:grpSpPr>
+        <a:xfrm>
+          <a:off x="0" y="0"/>
+          <a:ext cx="0" cy="0"/>
+          <a:chOff x="0" y="0"/>
+          <a:chExt cx="0" cy="0"/>
+        </a:xfrm>
+      </p:grpSpPr>
+      <p:sp>
+        <p:nvSpPr>
+          <p:cNvPr id="2" name="Title 1"/>
+          <p:cNvSpPr>
+            <a:spLocks noGrp="1"/>
+          </p:cNvSpPr>
+          <p:nvPr>
+            <p:ph type="title"/>
+          </p:nvPr>
+        </p:nvSpPr>
+        <p:spPr>
+          <a:xfrm>
+            <a:off x="2599202" y="325438"/>
+            <a:ext cx="6227298" cy="1058862"/>
+          </a:xfrm>
+        </p:spPr>
+        <p:txBody>
+          <a:bodyPr/>
+          <a:lstStyle/>
+          <a:p>
+            <a:r>
+              <a:rPr lang="en-US" sz="3600" dirty="0" smtClean="0"/>
+              <a:t>Validity Checking still hard</a:t>
+            </a:r>
+            <a:endParaRPr lang="en-US" sz="3600" dirty="0"/>
+          </a:p>
+        </p:txBody>
+      </p:sp>
+      <p:sp>
+        <p:nvSpPr>
+          <p:cNvPr id="5" name="TextBox 4"/>
+          <p:cNvSpPr txBox="1"/>
+          <p:nvPr/>
+        </p:nvSpPr>
+        <p:spPr>
+          <a:xfrm>
+            <a:off x="627063" y="1308100"/>
             <a:ext cx="7970837" cy="4241800"/>
           </a:xfrm>
           <a:prstGeom prst="rect">
@@ -20368,7 +20540,7 @@
             <a:fld id="{3251DA95-B240-47FE-901D-B78FC8E8E532}" type="slidenum">
               <a:rPr lang="en-US" smtClean="0"/>
               <a:pPr/>
-              <a:t>44</a:t>
+              <a:t>45</a:t>
             </a:fld>
             <a:endParaRPr lang="en-US" dirty="0"/>
           </a:p>
@@ -20406,7 +20578,7 @@
 </p:sld>
 </file>
 
-<file path=ppt/slides/slide45.xml><?xml version="1.0" encoding="utf-8"?>
+<file path=ppt/slides/slide46.xml><?xml version="1.0" encoding="utf-8"?>
 <p:sld xmlns:a="http://schemas.openxmlformats.org/drawingml/2006/main" xmlns:r="http://schemas.openxmlformats.org/officeDocument/2006/relationships" xmlns:p="http://schemas.openxmlformats.org/presentationml/2006/main" show="0">
   <p:cSld>
     <p:spTree>
@@ -20564,7 +20736,7 @@
             <a:fld id="{3251DA95-B240-47FE-901D-B78FC8E8E532}" type="slidenum">
               <a:rPr lang="en-US" smtClean="0"/>
               <a:pPr/>
-              <a:t>45</a:t>
+              <a:t>46</a:t>
             </a:fld>
             <a:endParaRPr lang="en-US" dirty="0"/>
           </a:p>
@@ -20892,7 +21064,7 @@
           <a:graphicData uri="http://schemas.openxmlformats.org/presentationml/2006/ole">
             <mc:AlternateContent xmlns:mc="http://schemas.openxmlformats.org/markup-compatibility/2006">
               <mc:Choice xmlns:v="urn:schemas-microsoft-com:vml" Requires="v">
-                <p:oleObj spid="_x0000_s419926" name="Equation" r:id="rId4" imgW="139700" imgH="215900" progId="Equation.DSMT4">
+                <p:oleObj spid="_x0000_s419936" name="Equation" r:id="rId4" imgW="139700" imgH="215900" progId="Equation.DSMT4">
                   <p:embed/>
                 </p:oleObj>
               </mc:Choice>
@@ -20949,7 +21121,7 @@
           <a:graphicData uri="http://schemas.openxmlformats.org/presentationml/2006/ole">
             <mc:AlternateContent xmlns:mc="http://schemas.openxmlformats.org/markup-compatibility/2006">
               <mc:Choice xmlns:v="urn:schemas-microsoft-com:vml" Requires="v">
-                <p:oleObj spid="_x0000_s419927" name="Equation" r:id="rId6" imgW="2044700" imgH="228600" progId="Equation.DSMT4">
+                <p:oleObj spid="_x0000_s419937" name="Equation" r:id="rId6" imgW="2044700" imgH="228600" progId="Equation.DSMT4">
                   <p:embed/>
                 </p:oleObj>
               </mc:Choice>
@@ -21089,7 +21261,7 @@
           <a:graphicData uri="http://schemas.openxmlformats.org/presentationml/2006/ole">
             <mc:AlternateContent xmlns:mc="http://schemas.openxmlformats.org/markup-compatibility/2006">
               <mc:Choice xmlns:v="urn:schemas-microsoft-com:vml" Requires="v">
-                <p:oleObj spid="_x0000_s419928" name="Equation" r:id="rId8" imgW="2159000" imgH="457200" progId="Equation.DSMT4">
+                <p:oleObj spid="_x0000_s419938" name="Equation" r:id="rId8" imgW="2159000" imgH="457200" progId="Equation.DSMT4">
                   <p:embed/>
                 </p:oleObj>
               </mc:Choice>
@@ -21587,7 +21759,7 @@
           <a:graphicData uri="http://schemas.openxmlformats.org/presentationml/2006/ole">
             <mc:AlternateContent xmlns:mc="http://schemas.openxmlformats.org/markup-compatibility/2006">
               <mc:Choice xmlns:v="urn:schemas-microsoft-com:vml" Requires="v">
-                <p:oleObj spid="_x0000_s430102" name="Equation" r:id="rId4" imgW="139700" imgH="215900" progId="Equation.DSMT4">
+                <p:oleObj spid="_x0000_s430109" name="Equation" r:id="rId4" imgW="139700" imgH="215900" progId="Equation.DSMT4">
                   <p:embed/>
                 </p:oleObj>
               </mc:Choice>
@@ -21644,7 +21816,7 @@
           <a:graphicData uri="http://schemas.openxmlformats.org/presentationml/2006/ole">
             <mc:AlternateContent xmlns:mc="http://schemas.openxmlformats.org/markup-compatibility/2006">
               <mc:Choice xmlns:v="urn:schemas-microsoft-com:vml" Requires="v">
-                <p:oleObj spid="_x0000_s430103" name="Equation" r:id="rId6" imgW="2159000" imgH="457200" progId="Equation.DSMT4">
+                <p:oleObj spid="_x0000_s430110" name="Equation" r:id="rId6" imgW="2159000" imgH="457200" progId="Equation.DSMT4">
                   <p:embed/>
                 </p:oleObj>
               </mc:Choice>
@@ -22036,7 +22208,7 @@
           <a:graphicData uri="http://schemas.openxmlformats.org/presentationml/2006/ole">
             <mc:AlternateContent xmlns:mc="http://schemas.openxmlformats.org/markup-compatibility/2006">
               <mc:Choice xmlns:v="urn:schemas-microsoft-com:vml" Requires="v">
-                <p:oleObj spid="_x0000_s432142" name="Equation" r:id="rId4" imgW="139700" imgH="215900" progId="Equation.DSMT4">
+                <p:oleObj spid="_x0000_s432149" name="Equation" r:id="rId4" imgW="139700" imgH="215900" progId="Equation.DSMT4">
                   <p:embed/>
                 </p:oleObj>
               </mc:Choice>
@@ -22093,7 +22265,7 @@
           <a:graphicData uri="http://schemas.openxmlformats.org/presentationml/2006/ole">
             <mc:AlternateContent xmlns:mc="http://schemas.openxmlformats.org/markup-compatibility/2006">
               <mc:Choice xmlns:v="urn:schemas-microsoft-com:vml" Requires="v">
-                <p:oleObj spid="_x0000_s432143" name="Equation" r:id="rId6" imgW="2159000" imgH="685800" progId="Equation.DSMT4">
+                <p:oleObj spid="_x0000_s432150" name="Equation" r:id="rId6" imgW="2159000" imgH="685800" progId="Equation.DSMT4">
                   <p:embed/>
                 </p:oleObj>
               </mc:Choice>
@@ -22398,7 +22570,7 @@
           <a:graphicData uri="http://schemas.openxmlformats.org/presentationml/2006/ole">
             <mc:AlternateContent xmlns:mc="http://schemas.openxmlformats.org/markup-compatibility/2006">
               <mc:Choice xmlns:v="urn:schemas-microsoft-com:vml" Requires="v">
-                <p:oleObj spid="_x0000_s422936" name="Equation" r:id="rId4" imgW="1498600" imgH="457200" progId="Equation.DSMT4">
+                <p:oleObj spid="_x0000_s422940" name="Equation" r:id="rId4" imgW="1498600" imgH="457200" progId="Equation.DSMT4">
                   <p:embed/>
                 </p:oleObj>
               </mc:Choice>
@@ -22632,7 +22804,7 @@
           <a:graphicData uri="http://schemas.openxmlformats.org/presentationml/2006/ole">
             <mc:AlternateContent xmlns:mc="http://schemas.openxmlformats.org/markup-compatibility/2006">
               <mc:Choice xmlns:v="urn:schemas-microsoft-com:vml" Requires="v">
-                <p:oleObj spid="_x0000_s421913" name="Equation" r:id="rId4" imgW="1600200" imgH="457200" progId="Equation.DSMT4">
+                <p:oleObj spid="_x0000_s421917" name="Equation" r:id="rId4" imgW="1600200" imgH="457200" progId="Equation.DSMT4">
                   <p:embed/>
                 </p:oleObj>
               </mc:Choice>

--- a/spring16/slidesS16/prpostn_algebra.pptx
+++ b/spring16/slidesS16/prpostn_algebra.pptx
@@ -6,10 +6,10 @@
     <p:sldMasterId id="2147483651" r:id="rId2"/>
   </p:sldMasterIdLst>
   <p:notesMasterIdLst>
-    <p:notesMasterId r:id="rId49"/>
+    <p:notesMasterId r:id="rId52"/>
   </p:notesMasterIdLst>
   <p:handoutMasterIdLst>
-    <p:handoutMasterId r:id="rId50"/>
+    <p:handoutMasterId r:id="rId53"/>
   </p:handoutMasterIdLst>
   <p:sldIdLst>
     <p:sldId id="392" r:id="rId3"/>
@@ -30,39 +30,42 @@
     <p:sldId id="509" r:id="rId18"/>
     <p:sldId id="511" r:id="rId19"/>
     <p:sldId id="512" r:id="rId20"/>
-    <p:sldId id="515" r:id="rId21"/>
-    <p:sldId id="508" r:id="rId22"/>
-    <p:sldId id="516" r:id="rId23"/>
-    <p:sldId id="497" r:id="rId24"/>
-    <p:sldId id="519" r:id="rId25"/>
-    <p:sldId id="517" r:id="rId26"/>
-    <p:sldId id="521" r:id="rId27"/>
-    <p:sldId id="520" r:id="rId28"/>
-    <p:sldId id="518" r:id="rId29"/>
-    <p:sldId id="498" r:id="rId30"/>
-    <p:sldId id="533" r:id="rId31"/>
-    <p:sldId id="539" r:id="rId32"/>
-    <p:sldId id="499" r:id="rId33"/>
-    <p:sldId id="522" r:id="rId34"/>
-    <p:sldId id="525" r:id="rId35"/>
-    <p:sldId id="529" r:id="rId36"/>
-    <p:sldId id="530" r:id="rId37"/>
-    <p:sldId id="532" r:id="rId38"/>
-    <p:sldId id="534" r:id="rId39"/>
-    <p:sldId id="535" r:id="rId40"/>
-    <p:sldId id="531" r:id="rId41"/>
-    <p:sldId id="536" r:id="rId42"/>
-    <p:sldId id="537" r:id="rId43"/>
-    <p:sldId id="538" r:id="rId44"/>
-    <p:sldId id="503" r:id="rId45"/>
-    <p:sldId id="523" r:id="rId46"/>
-    <p:sldId id="504" r:id="rId47"/>
-    <p:sldId id="501" r:id="rId48"/>
+    <p:sldId id="541" r:id="rId21"/>
+    <p:sldId id="540" r:id="rId22"/>
+    <p:sldId id="515" r:id="rId23"/>
+    <p:sldId id="508" r:id="rId24"/>
+    <p:sldId id="516" r:id="rId25"/>
+    <p:sldId id="497" r:id="rId26"/>
+    <p:sldId id="519" r:id="rId27"/>
+    <p:sldId id="517" r:id="rId28"/>
+    <p:sldId id="521" r:id="rId29"/>
+    <p:sldId id="520" r:id="rId30"/>
+    <p:sldId id="542" r:id="rId31"/>
+    <p:sldId id="498" r:id="rId32"/>
+    <p:sldId id="533" r:id="rId33"/>
+    <p:sldId id="539" r:id="rId34"/>
+    <p:sldId id="499" r:id="rId35"/>
+    <p:sldId id="543" r:id="rId36"/>
+    <p:sldId id="522" r:id="rId37"/>
+    <p:sldId id="525" r:id="rId38"/>
+    <p:sldId id="529" r:id="rId39"/>
+    <p:sldId id="530" r:id="rId40"/>
+    <p:sldId id="532" r:id="rId41"/>
+    <p:sldId id="534" r:id="rId42"/>
+    <p:sldId id="535" r:id="rId43"/>
+    <p:sldId id="531" r:id="rId44"/>
+    <p:sldId id="536" r:id="rId45"/>
+    <p:sldId id="537" r:id="rId46"/>
+    <p:sldId id="538" r:id="rId47"/>
+    <p:sldId id="503" r:id="rId48"/>
+    <p:sldId id="523" r:id="rId49"/>
+    <p:sldId id="504" r:id="rId50"/>
+    <p:sldId id="501" r:id="rId51"/>
   </p:sldIdLst>
   <p:sldSz cx="9144000" cy="6858000" type="screen4x3"/>
   <p:notesSz cx="9601200" cy="7315200"/>
   <p:custDataLst>
-    <p:tags r:id="rId52"/>
+    <p:tags r:id="rId55"/>
   </p:custDataLst>
   <p:defaultTextStyle>
     <a:defPPr>
@@ -4219,6 +4222,252 @@
               <a:rPr lang="en-US" smtClean="0"/>
               <a:pPr/>
               <a:t>46</a:t>
+            </a:fld>
+            <a:endParaRPr lang="en-US"/>
+          </a:p>
+        </p:txBody>
+      </p:sp>
+    </p:spTree>
+  </p:cSld>
+  <p:clrMapOvr>
+    <a:masterClrMapping/>
+  </p:clrMapOvr>
+</p:notes>
+</file>
+
+<file path=ppt/notesSlides/notesSlide47.xml><?xml version="1.0" encoding="utf-8"?>
+<p:notes xmlns:a="http://schemas.openxmlformats.org/drawingml/2006/main" xmlns:r="http://schemas.openxmlformats.org/officeDocument/2006/relationships" xmlns:p="http://schemas.openxmlformats.org/presentationml/2006/main">
+  <p:cSld>
+    <p:spTree>
+      <p:nvGrpSpPr>
+        <p:cNvPr id="1" name=""/>
+        <p:cNvGrpSpPr/>
+        <p:nvPr/>
+      </p:nvGrpSpPr>
+      <p:grpSpPr>
+        <a:xfrm>
+          <a:off x="0" y="0"/>
+          <a:ext cx="0" cy="0"/>
+          <a:chOff x="0" y="0"/>
+          <a:chExt cx="0" cy="0"/>
+        </a:xfrm>
+      </p:grpSpPr>
+      <p:sp>
+        <p:nvSpPr>
+          <p:cNvPr id="2" name="Slide Image Placeholder 1"/>
+          <p:cNvSpPr>
+            <a:spLocks noGrp="1" noRot="1" noChangeAspect="1"/>
+          </p:cNvSpPr>
+          <p:nvPr>
+            <p:ph type="sldImg"/>
+          </p:nvPr>
+        </p:nvSpPr>
+        <p:spPr/>
+      </p:sp>
+      <p:sp>
+        <p:nvSpPr>
+          <p:cNvPr id="3" name="Notes Placeholder 2"/>
+          <p:cNvSpPr>
+            <a:spLocks noGrp="1"/>
+          </p:cNvSpPr>
+          <p:nvPr>
+            <p:ph type="body" idx="1"/>
+          </p:nvPr>
+        </p:nvSpPr>
+        <p:spPr/>
+        <p:txBody>
+          <a:bodyPr>
+            <a:normAutofit/>
+          </a:bodyPr>
+          <a:lstStyle/>
+          <a:p>
+            <a:endParaRPr lang="en-US"/>
+          </a:p>
+        </p:txBody>
+      </p:sp>
+      <p:sp>
+        <p:nvSpPr>
+          <p:cNvPr id="4" name="Slide Number Placeholder 3"/>
+          <p:cNvSpPr>
+            <a:spLocks noGrp="1"/>
+          </p:cNvSpPr>
+          <p:nvPr>
+            <p:ph type="sldNum" sz="quarter" idx="10"/>
+          </p:nvPr>
+        </p:nvSpPr>
+        <p:spPr/>
+        <p:txBody>
+          <a:bodyPr/>
+          <a:lstStyle/>
+          <a:p>
+            <a:fld id="{A02B9F3F-3042-489F-AF35-1A733968F079}" type="slidenum">
+              <a:rPr lang="en-US" smtClean="0"/>
+              <a:pPr/>
+              <a:t>47</a:t>
+            </a:fld>
+            <a:endParaRPr lang="en-US"/>
+          </a:p>
+        </p:txBody>
+      </p:sp>
+    </p:spTree>
+  </p:cSld>
+  <p:clrMapOvr>
+    <a:masterClrMapping/>
+  </p:clrMapOvr>
+</p:notes>
+</file>
+
+<file path=ppt/notesSlides/notesSlide48.xml><?xml version="1.0" encoding="utf-8"?>
+<p:notes xmlns:a="http://schemas.openxmlformats.org/drawingml/2006/main" xmlns:r="http://schemas.openxmlformats.org/officeDocument/2006/relationships" xmlns:p="http://schemas.openxmlformats.org/presentationml/2006/main">
+  <p:cSld>
+    <p:spTree>
+      <p:nvGrpSpPr>
+        <p:cNvPr id="1" name=""/>
+        <p:cNvGrpSpPr/>
+        <p:nvPr/>
+      </p:nvGrpSpPr>
+      <p:grpSpPr>
+        <a:xfrm>
+          <a:off x="0" y="0"/>
+          <a:ext cx="0" cy="0"/>
+          <a:chOff x="0" y="0"/>
+          <a:chExt cx="0" cy="0"/>
+        </a:xfrm>
+      </p:grpSpPr>
+      <p:sp>
+        <p:nvSpPr>
+          <p:cNvPr id="2" name="Slide Image Placeholder 1"/>
+          <p:cNvSpPr>
+            <a:spLocks noGrp="1" noRot="1" noChangeAspect="1"/>
+          </p:cNvSpPr>
+          <p:nvPr>
+            <p:ph type="sldImg"/>
+          </p:nvPr>
+        </p:nvSpPr>
+        <p:spPr/>
+      </p:sp>
+      <p:sp>
+        <p:nvSpPr>
+          <p:cNvPr id="3" name="Notes Placeholder 2"/>
+          <p:cNvSpPr>
+            <a:spLocks noGrp="1"/>
+          </p:cNvSpPr>
+          <p:nvPr>
+            <p:ph type="body" idx="1"/>
+          </p:nvPr>
+        </p:nvSpPr>
+        <p:spPr/>
+        <p:txBody>
+          <a:bodyPr>
+            <a:normAutofit/>
+          </a:bodyPr>
+          <a:lstStyle/>
+          <a:p>
+            <a:endParaRPr lang="en-US"/>
+          </a:p>
+        </p:txBody>
+      </p:sp>
+      <p:sp>
+        <p:nvSpPr>
+          <p:cNvPr id="4" name="Slide Number Placeholder 3"/>
+          <p:cNvSpPr>
+            <a:spLocks noGrp="1"/>
+          </p:cNvSpPr>
+          <p:nvPr>
+            <p:ph type="sldNum" sz="quarter" idx="10"/>
+          </p:nvPr>
+        </p:nvSpPr>
+        <p:spPr/>
+        <p:txBody>
+          <a:bodyPr/>
+          <a:lstStyle/>
+          <a:p>
+            <a:fld id="{A02B9F3F-3042-489F-AF35-1A733968F079}" type="slidenum">
+              <a:rPr lang="en-US" smtClean="0"/>
+              <a:pPr/>
+              <a:t>48</a:t>
+            </a:fld>
+            <a:endParaRPr lang="en-US"/>
+          </a:p>
+        </p:txBody>
+      </p:sp>
+    </p:spTree>
+  </p:cSld>
+  <p:clrMapOvr>
+    <a:masterClrMapping/>
+  </p:clrMapOvr>
+</p:notes>
+</file>
+
+<file path=ppt/notesSlides/notesSlide49.xml><?xml version="1.0" encoding="utf-8"?>
+<p:notes xmlns:a="http://schemas.openxmlformats.org/drawingml/2006/main" xmlns:r="http://schemas.openxmlformats.org/officeDocument/2006/relationships" xmlns:p="http://schemas.openxmlformats.org/presentationml/2006/main">
+  <p:cSld>
+    <p:spTree>
+      <p:nvGrpSpPr>
+        <p:cNvPr id="1" name=""/>
+        <p:cNvGrpSpPr/>
+        <p:nvPr/>
+      </p:nvGrpSpPr>
+      <p:grpSpPr>
+        <a:xfrm>
+          <a:off x="0" y="0"/>
+          <a:ext cx="0" cy="0"/>
+          <a:chOff x="0" y="0"/>
+          <a:chExt cx="0" cy="0"/>
+        </a:xfrm>
+      </p:grpSpPr>
+      <p:sp>
+        <p:nvSpPr>
+          <p:cNvPr id="2" name="Slide Image Placeholder 1"/>
+          <p:cNvSpPr>
+            <a:spLocks noGrp="1" noRot="1" noChangeAspect="1"/>
+          </p:cNvSpPr>
+          <p:nvPr>
+            <p:ph type="sldImg"/>
+          </p:nvPr>
+        </p:nvSpPr>
+        <p:spPr/>
+      </p:sp>
+      <p:sp>
+        <p:nvSpPr>
+          <p:cNvPr id="3" name="Notes Placeholder 2"/>
+          <p:cNvSpPr>
+            <a:spLocks noGrp="1"/>
+          </p:cNvSpPr>
+          <p:nvPr>
+            <p:ph type="body" idx="1"/>
+          </p:nvPr>
+        </p:nvSpPr>
+        <p:spPr/>
+        <p:txBody>
+          <a:bodyPr>
+            <a:normAutofit/>
+          </a:bodyPr>
+          <a:lstStyle/>
+          <a:p>
+            <a:endParaRPr lang="en-US"/>
+          </a:p>
+        </p:txBody>
+      </p:sp>
+      <p:sp>
+        <p:nvSpPr>
+          <p:cNvPr id="4" name="Slide Number Placeholder 3"/>
+          <p:cNvSpPr>
+            <a:spLocks noGrp="1"/>
+          </p:cNvSpPr>
+          <p:nvPr>
+            <p:ph type="sldNum" sz="quarter" idx="10"/>
+          </p:nvPr>
+        </p:nvSpPr>
+        <p:spPr/>
+        <p:txBody>
+          <a:bodyPr/>
+          <a:lstStyle/>
+          <a:p>
+            <a:fld id="{A02B9F3F-3042-489F-AF35-1A733968F079}" type="slidenum">
+              <a:rPr lang="en-US" smtClean="0"/>
+              <a:pPr/>
+              <a:t>49</a:t>
             </a:fld>
             <a:endParaRPr lang="en-US"/>
           </a:p>
@@ -8760,7 +9009,7 @@
           <a:graphicData uri="http://schemas.openxmlformats.org/presentationml/2006/ole">
             <mc:AlternateContent xmlns:mc="http://schemas.openxmlformats.org/markup-compatibility/2006">
               <mc:Choice xmlns:v="urn:schemas-microsoft-com:vml" Requires="v">
-                <p:oleObj spid="_x0000_s418889" name="Equation" r:id="rId4" imgW="1866900" imgH="457200" progId="Equation.DSMT4">
+                <p:oleObj spid="_x0000_s418891" name="Equation" r:id="rId4" imgW="1866900" imgH="457200" progId="Equation.DSMT4">
                   <p:embed/>
                 </p:oleObj>
               </mc:Choice>
@@ -9044,7 +9293,7 @@
           <a:graphicData uri="http://schemas.openxmlformats.org/presentationml/2006/ole">
             <mc:AlternateContent xmlns:mc="http://schemas.openxmlformats.org/markup-compatibility/2006">
               <mc:Choice xmlns:v="urn:schemas-microsoft-com:vml" Requires="v">
-                <p:oleObj spid="_x0000_s431119" name="Equation" r:id="rId4" imgW="1790700" imgH="457200" progId="Equation.DSMT4">
+                <p:oleObj spid="_x0000_s431121" name="Equation" r:id="rId4" imgW="1790700" imgH="457200" progId="Equation.DSMT4">
                   <p:embed/>
                 </p:oleObj>
               </mc:Choice>
@@ -9674,7 +9923,7 @@
           <a:graphicData uri="http://schemas.openxmlformats.org/presentationml/2006/ole">
             <mc:AlternateContent xmlns:mc="http://schemas.openxmlformats.org/markup-compatibility/2006">
               <mc:Choice xmlns:v="urn:schemas-microsoft-com:vml" Requires="v">
-                <p:oleObj spid="_x0000_s435213" name="Equation" r:id="rId4" imgW="2108200" imgH="228600" progId="Equation.DSMT4">
+                <p:oleObj spid="_x0000_s435215" name="Equation" r:id="rId4" imgW="2108200" imgH="228600" progId="Equation.DSMT4">
                   <p:embed/>
                 </p:oleObj>
               </mc:Choice>
@@ -9821,7 +10070,7 @@
 </file>
 
 <file path=ppt/slides/slide14.xml><?xml version="1.0" encoding="utf-8"?>
-<p:sld xmlns:a="http://schemas.openxmlformats.org/drawingml/2006/main" xmlns:r="http://schemas.openxmlformats.org/officeDocument/2006/relationships" xmlns:p="http://schemas.openxmlformats.org/presentationml/2006/main">
+<p:sld xmlns:a="http://schemas.openxmlformats.org/drawingml/2006/main" xmlns:r="http://schemas.openxmlformats.org/officeDocument/2006/relationships" xmlns:p="http://schemas.openxmlformats.org/presentationml/2006/main" show="0">
   <p:cSld>
     <p:spTree>
       <p:nvGrpSpPr>
@@ -9920,7 +10169,7 @@
           <a:graphicData uri="http://schemas.openxmlformats.org/presentationml/2006/ole">
             <mc:AlternateContent xmlns:mc="http://schemas.openxmlformats.org/markup-compatibility/2006">
               <mc:Choice xmlns:v="urn:schemas-microsoft-com:vml" Requires="v">
-                <p:oleObj spid="_x0000_s438284" name="Equation" r:id="rId4" imgW="2108200" imgH="228600" progId="Equation.DSMT4">
+                <p:oleObj spid="_x0000_s438287" name="Equation" r:id="rId4" imgW="2108200" imgH="228600" progId="Equation.DSMT4">
                   <p:embed/>
                 </p:oleObj>
               </mc:Choice>
@@ -10021,14 +10270,14 @@
   <p:clrMapOvr>
     <a:masterClrMapping/>
   </p:clrMapOvr>
-  <mc:AlternateContent xmlns:mc="http://schemas.openxmlformats.org/markup-compatibility/2006" xmlns:p14="http://schemas.microsoft.com/office/powerpoint/2010/main">
-    <mc:Choice Requires="p14">
-      <p:transition spd="slow" p14:dur="800" advClick="0">
+  <mc:AlternateContent xmlns:mc="http://schemas.openxmlformats.org/markup-compatibility/2006">
+    <mc:Choice xmlns:p14="http://schemas.microsoft.com/office/powerpoint/2010/main" Requires="p14">
+      <p:transition spd="slow" p14:dur="800" advClick="0" advTm="400">
         <p:fade/>
       </p:transition>
     </mc:Choice>
-    <mc:Fallback xmlns="">
-      <p:transition xmlns:p14="http://schemas.microsoft.com/office/powerpoint/2010/main" spd="slow" advClick="0">
+    <mc:Fallback>
+      <p:transition xmlns:p14="http://schemas.microsoft.com/office/powerpoint/2010/main" spd="slow" advClick="0" advTm="400">
         <p:fade/>
       </p:transition>
     </mc:Fallback>
@@ -10143,7 +10392,7 @@
           <a:graphicData uri="http://schemas.openxmlformats.org/presentationml/2006/ole">
             <mc:AlternateContent xmlns:mc="http://schemas.openxmlformats.org/markup-compatibility/2006">
               <mc:Choice xmlns:v="urn:schemas-microsoft-com:vml" Requires="v">
-                <p:oleObj spid="_x0000_s439310" name="Equation" r:id="rId4" imgW="2146300" imgH="228600" progId="Equation.DSMT4">
+                <p:oleObj spid="_x0000_s439312" name="Equation" r:id="rId4" imgW="2146300" imgH="228600" progId="Equation.DSMT4">
                   <p:embed/>
                 </p:oleObj>
               </mc:Choice>
@@ -10366,7 +10615,7 @@
           <a:graphicData uri="http://schemas.openxmlformats.org/presentationml/2006/ole">
             <mc:AlternateContent xmlns:mc="http://schemas.openxmlformats.org/markup-compatibility/2006">
               <mc:Choice xmlns:v="urn:schemas-microsoft-com:vml" Requires="v">
-                <p:oleObj spid="_x0000_s434210" name="Equation" r:id="rId4" imgW="2108200" imgH="228600" progId="Equation.DSMT4">
+                <p:oleObj spid="_x0000_s434213" name="Equation" r:id="rId4" imgW="2108200" imgH="228600" progId="Equation.DSMT4">
                   <p:embed/>
                 </p:oleObj>
               </mc:Choice>
@@ -10423,7 +10672,7 @@
           <a:graphicData uri="http://schemas.openxmlformats.org/presentationml/2006/ole">
             <mc:AlternateContent xmlns:mc="http://schemas.openxmlformats.org/markup-compatibility/2006">
               <mc:Choice xmlns:v="urn:schemas-microsoft-com:vml" Requires="v">
-                <p:oleObj spid="_x0000_s434211" name="Equation" r:id="rId6" imgW="2514600" imgH="228600" progId="Equation.DSMT4">
+                <p:oleObj spid="_x0000_s434214" name="Equation" r:id="rId6" imgW="2514600" imgH="228600" progId="Equation.DSMT4">
                   <p:embed/>
                 </p:oleObj>
               </mc:Choice>
@@ -10590,7 +10839,7 @@
           <a:graphicData uri="http://schemas.openxmlformats.org/presentationml/2006/ole">
             <mc:AlternateContent xmlns:mc="http://schemas.openxmlformats.org/markup-compatibility/2006">
               <mc:Choice xmlns:v="urn:schemas-microsoft-com:vml" Requires="v">
-                <p:oleObj spid="_x0000_s436250" name="Equation" r:id="rId4" imgW="2108200" imgH="228600" progId="Equation.DSMT4">
+                <p:oleObj spid="_x0000_s436253" name="Equation" r:id="rId4" imgW="2108200" imgH="228600" progId="Equation.DSMT4">
                   <p:embed/>
                 </p:oleObj>
               </mc:Choice>
@@ -10647,7 +10896,7 @@
           <a:graphicData uri="http://schemas.openxmlformats.org/presentationml/2006/ole">
             <mc:AlternateContent xmlns:mc="http://schemas.openxmlformats.org/markup-compatibility/2006">
               <mc:Choice xmlns:v="urn:schemas-microsoft-com:vml" Requires="v">
-                <p:oleObj spid="_x0000_s436251" name="Equation" r:id="rId6" imgW="2514600" imgH="228600" progId="Equation.DSMT4">
+                <p:oleObj spid="_x0000_s436254" name="Equation" r:id="rId6" imgW="2514600" imgH="228600" progId="Equation.DSMT4">
                   <p:embed/>
                 </p:oleObj>
               </mc:Choice>
@@ -10868,7 +11117,7 @@
           <a:graphicData uri="http://schemas.openxmlformats.org/presentationml/2006/ole">
             <mc:AlternateContent xmlns:mc="http://schemas.openxmlformats.org/markup-compatibility/2006">
               <mc:Choice xmlns:v="urn:schemas-microsoft-com:vml" Requires="v">
-                <p:oleObj spid="_x0000_s437283" name="Equation" r:id="rId4" imgW="2108200" imgH="228600" progId="Equation.DSMT4">
+                <p:oleObj spid="_x0000_s437293" name="Equation" r:id="rId4" imgW="2108200" imgH="228600" progId="Equation.DSMT4">
                   <p:embed/>
                 </p:oleObj>
               </mc:Choice>
@@ -10925,7 +11174,7 @@
           <a:graphicData uri="http://schemas.openxmlformats.org/presentationml/2006/ole">
             <mc:AlternateContent xmlns:mc="http://schemas.openxmlformats.org/markup-compatibility/2006">
               <mc:Choice xmlns:v="urn:schemas-microsoft-com:vml" Requires="v">
-                <p:oleObj spid="_x0000_s437284" name="Equation" r:id="rId6" imgW="2514600" imgH="228600" progId="Equation.DSMT4">
+                <p:oleObj spid="_x0000_s437294" name="Equation" r:id="rId6" imgW="2514600" imgH="228600" progId="Equation.DSMT4">
                   <p:embed/>
                 </p:oleObj>
               </mc:Choice>
@@ -10969,7 +11218,7 @@
           <p:nvPr>
             <p:extLst>
               <p:ext uri="{D42A27DB-BD31-4B8C-83A1-F6EECF244321}">
-                <p14:modId xmlns:p14="http://schemas.microsoft.com/office/powerpoint/2010/main" val="4103943602"/>
+                <p14:modId xmlns:p14="http://schemas.microsoft.com/office/powerpoint/2010/main" val="1166262026"/>
               </p:ext>
             </p:extLst>
           </p:nvPr>
@@ -10982,7 +11231,7 @@
           <a:graphicData uri="http://schemas.openxmlformats.org/presentationml/2006/ole">
             <mc:AlternateContent xmlns:mc="http://schemas.openxmlformats.org/markup-compatibility/2006">
               <mc:Choice xmlns:v="urn:schemas-microsoft-com:vml" Requires="v">
-                <p:oleObj spid="_x0000_s437285" name="Equation" r:id="rId8" imgW="1866900" imgH="228600" progId="Equation.DSMT4">
+                <p:oleObj spid="_x0000_s437295" name="Equation" r:id="rId8" imgW="1866900" imgH="228600" progId="Equation.DSMT4">
                   <p:embed/>
                 </p:oleObj>
               </mc:Choice>
@@ -11017,62 +11266,6 @@
           </a:graphicData>
         </a:graphic>
       </p:graphicFrame>
-      <p:sp>
-        <p:nvSpPr>
-          <p:cNvPr id="13" name="TextBox 12"/>
-          <p:cNvSpPr txBox="1"/>
-          <p:nvPr/>
-        </p:nvSpPr>
-        <p:spPr>
-          <a:xfrm>
-            <a:off x="4640263" y="3906103"/>
-            <a:ext cx="4233851" cy="830997"/>
-          </a:xfrm>
-          <a:prstGeom prst="rect">
-            <a:avLst/>
-          </a:prstGeom>
-          <a:noFill/>
-        </p:spPr>
-        <p:txBody>
-          <a:bodyPr wrap="none" rtlCol="0">
-            <a:spAutoFit/>
-          </a:bodyPr>
-          <a:lstStyle/>
-          <a:p>
-            <a:pPr algn="l"/>
-            <a:r>
-              <a:rPr lang="en-US" sz="4800" dirty="0" smtClean="0">
-                <a:latin typeface="Comic Sans MS" pitchFamily="66" charset="0"/>
-              </a:rPr>
-              <a:t>use</a:t>
-            </a:r>
-            <a:r>
-              <a:rPr lang="en-US" sz="4800" dirty="0" smtClean="0">
-                <a:solidFill>
-                  <a:srgbClr val="FF03E3"/>
-                </a:solidFill>
-                <a:latin typeface="Comic Sans MS" pitchFamily="66" charset="0"/>
-              </a:rPr>
-              <a:t> </a:t>
-            </a:r>
-            <a:r>
-              <a:rPr lang="en-US" sz="4800" dirty="0" err="1" smtClean="0">
-                <a:solidFill>
-                  <a:srgbClr val="FF03E3"/>
-                </a:solidFill>
-                <a:latin typeface="Comic Sans MS" pitchFamily="66" charset="0"/>
-              </a:rPr>
-              <a:t>DeMorgan</a:t>
-            </a:r>
-            <a:endParaRPr lang="en-US" sz="4800" dirty="0" smtClean="0">
-              <a:solidFill>
-                <a:srgbClr val="FF03E3"/>
-              </a:solidFill>
-              <a:latin typeface="Comic Sans MS" pitchFamily="66" charset="0"/>
-            </a:endParaRPr>
-          </a:p>
-        </p:txBody>
-      </p:sp>
     </p:spTree>
     <p:extLst>
       <p:ext uri="{BB962C8B-B14F-4D97-AF65-F5344CB8AC3E}">
@@ -11098,88 +11291,9 @@
   <p:timing>
     <p:tnLst>
       <p:par>
-        <p:cTn xmlns:p14="http://schemas.microsoft.com/office/powerpoint/2010/main" id="1" dur="indefinite" restart="never" nodeType="tmRoot">
-          <p:childTnLst>
-            <p:seq concurrent="1" nextAc="seek">
-              <p:cTn id="2" dur="indefinite" nodeType="mainSeq">
-                <p:childTnLst>
-                  <p:par>
-                    <p:cTn id="3" fill="hold">
-                      <p:stCondLst>
-                        <p:cond delay="indefinite"/>
-                      </p:stCondLst>
-                      <p:childTnLst>
-                        <p:par>
-                          <p:cTn id="4" fill="hold">
-                            <p:stCondLst>
-                              <p:cond delay="0"/>
-                            </p:stCondLst>
-                            <p:childTnLst>
-                              <p:par>
-                                <p:cTn id="5" presetID="10" presetClass="entr" presetSubtype="0" fill="hold" grpId="0" nodeType="clickEffect">
-                                  <p:stCondLst>
-                                    <p:cond delay="0"/>
-                                  </p:stCondLst>
-                                  <p:childTnLst>
-                                    <p:set>
-                                      <p:cBhvr>
-                                        <p:cTn id="6" dur="1" fill="hold">
-                                          <p:stCondLst>
-                                            <p:cond delay="0"/>
-                                          </p:stCondLst>
-                                        </p:cTn>
-                                        <p:tgtEl>
-                                          <p:spTgt spid="13"/>
-                                        </p:tgtEl>
-                                        <p:attrNameLst>
-                                          <p:attrName>style.visibility</p:attrName>
-                                        </p:attrNameLst>
-                                      </p:cBhvr>
-                                      <p:to>
-                                        <p:strVal val="visible"/>
-                                      </p:to>
-                                    </p:set>
-                                    <p:animEffect transition="in" filter="fade">
-                                      <p:cBhvr>
-                                        <p:cTn id="7" dur="500"/>
-                                        <p:tgtEl>
-                                          <p:spTgt spid="13"/>
-                                        </p:tgtEl>
-                                      </p:cBhvr>
-                                    </p:animEffect>
-                                  </p:childTnLst>
-                                </p:cTn>
-                              </p:par>
-                            </p:childTnLst>
-                          </p:cTn>
-                        </p:par>
-                      </p:childTnLst>
-                    </p:cTn>
-                  </p:par>
-                </p:childTnLst>
-              </p:cTn>
-              <p:prevCondLst>
-                <p:cond evt="onPrev" delay="0">
-                  <p:tgtEl>
-                    <p:sldTgt/>
-                  </p:tgtEl>
-                </p:cond>
-              </p:prevCondLst>
-              <p:nextCondLst>
-                <p:cond evt="onNext" delay="0">
-                  <p:tgtEl>
-                    <p:sldTgt/>
-                  </p:tgtEl>
-                </p:cond>
-              </p:nextCondLst>
-            </p:seq>
-          </p:childTnLst>
-        </p:cTn>
+        <p:cTn xmlns:p14="http://schemas.microsoft.com/office/powerpoint/2010/main" id="1" dur="indefinite" restart="never" nodeType="tmRoot"/>
       </p:par>
     </p:tnLst>
-    <p:bldLst>
-      <p:bldP spid="13" grpId="0"/>
-    </p:bldLst>
   </p:timing>
 </p:sld>
 </file>
@@ -11271,7 +11385,7 @@
           <p:nvPr>
             <p:extLst>
               <p:ext uri="{D42A27DB-BD31-4B8C-83A1-F6EECF244321}">
-                <p14:modId xmlns:p14="http://schemas.microsoft.com/office/powerpoint/2010/main" val="1301466819"/>
+                <p14:modId xmlns:p14="http://schemas.microsoft.com/office/powerpoint/2010/main" val="4023967688"/>
               </p:ext>
             </p:extLst>
           </p:nvPr>
@@ -11284,7 +11398,7 @@
           <a:graphicData uri="http://schemas.openxmlformats.org/presentationml/2006/ole">
             <mc:AlternateContent xmlns:mc="http://schemas.openxmlformats.org/markup-compatibility/2006">
               <mc:Choice xmlns:v="urn:schemas-microsoft-com:vml" Requires="v">
-                <p:oleObj spid="_x0000_s440363" name="Equation" r:id="rId4" imgW="2108200" imgH="228600" progId="Equation.DSMT4">
+                <p:oleObj spid="_x0000_s479236" name="Equation" r:id="rId4" imgW="2108200" imgH="228600" progId="Equation.DSMT4">
                   <p:embed/>
                 </p:oleObj>
               </mc:Choice>
@@ -11328,7 +11442,7 @@
           <p:nvPr>
             <p:extLst>
               <p:ext uri="{D42A27DB-BD31-4B8C-83A1-F6EECF244321}">
-                <p14:modId xmlns:p14="http://schemas.microsoft.com/office/powerpoint/2010/main" val="3053865298"/>
+                <p14:modId xmlns:p14="http://schemas.microsoft.com/office/powerpoint/2010/main" val="3254426387"/>
               </p:ext>
             </p:extLst>
           </p:nvPr>
@@ -11341,7 +11455,7 @@
           <a:graphicData uri="http://schemas.openxmlformats.org/presentationml/2006/ole">
             <mc:AlternateContent xmlns:mc="http://schemas.openxmlformats.org/markup-compatibility/2006">
               <mc:Choice xmlns:v="urn:schemas-microsoft-com:vml" Requires="v">
-                <p:oleObj spid="_x0000_s440364" name="Equation" r:id="rId6" imgW="2514600" imgH="228600" progId="Equation.DSMT4">
+                <p:oleObj spid="_x0000_s479237" name="Equation" r:id="rId6" imgW="2514600" imgH="228600" progId="Equation.DSMT4">
                   <p:embed/>
                 </p:oleObj>
               </mc:Choice>
@@ -11385,7 +11499,7 @@
           <p:nvPr>
             <p:extLst>
               <p:ext uri="{D42A27DB-BD31-4B8C-83A1-F6EECF244321}">
-                <p14:modId xmlns:p14="http://schemas.microsoft.com/office/powerpoint/2010/main" val="1136980278"/>
+                <p14:modId xmlns:p14="http://schemas.microsoft.com/office/powerpoint/2010/main" val="759620781"/>
               </p:ext>
             </p:extLst>
           </p:nvPr>
@@ -11398,7 +11512,839 @@
           <a:graphicData uri="http://schemas.openxmlformats.org/presentationml/2006/ole">
             <mc:AlternateContent xmlns:mc="http://schemas.openxmlformats.org/markup-compatibility/2006">
               <mc:Choice xmlns:v="urn:schemas-microsoft-com:vml" Requires="v">
-                <p:oleObj spid="_x0000_s440365" name="Equation" r:id="rId8" imgW="1866900" imgH="228600" progId="Equation.DSMT4">
+                <p:oleObj spid="_x0000_s479238" name="Equation" r:id="rId8" imgW="1866900" imgH="228600" progId="Equation.DSMT4">
+                  <p:embed/>
+                </p:oleObj>
+              </mc:Choice>
+              <mc:Fallback>
+                <p:oleObj name="Equation" r:id="rId8" imgW="1866900" imgH="228600" progId="Equation.DSMT4">
+                  <p:embed/>
+                  <p:pic>
+                    <p:nvPicPr>
+                      <p:cNvPr id="0" name=""/>
+                      <p:cNvPicPr/>
+                      <p:nvPr/>
+                    </p:nvPicPr>
+                    <p:blipFill>
+                      <a:blip r:embed="rId9"/>
+                      <a:stretch>
+                        <a:fillRect/>
+                      </a:stretch>
+                    </p:blipFill>
+                    <p:spPr>
+                      <a:xfrm>
+                        <a:off x="2462213" y="3441700"/>
+                        <a:ext cx="6529387" cy="800100"/>
+                      </a:xfrm>
+                      <a:prstGeom prst="rect">
+                        <a:avLst/>
+                      </a:prstGeom>
+                    </p:spPr>
+                  </p:pic>
+                </p:oleObj>
+              </mc:Fallback>
+            </mc:AlternateContent>
+          </a:graphicData>
+        </a:graphic>
+      </p:graphicFrame>
+      <p:sp>
+        <p:nvSpPr>
+          <p:cNvPr id="13" name="TextBox 12"/>
+          <p:cNvSpPr txBox="1"/>
+          <p:nvPr/>
+        </p:nvSpPr>
+        <p:spPr>
+          <a:xfrm>
+            <a:off x="4640263" y="3906103"/>
+            <a:ext cx="4233851" cy="830997"/>
+          </a:xfrm>
+          <a:prstGeom prst="rect">
+            <a:avLst/>
+          </a:prstGeom>
+          <a:noFill/>
+        </p:spPr>
+        <p:txBody>
+          <a:bodyPr wrap="none" rtlCol="0">
+            <a:spAutoFit/>
+          </a:bodyPr>
+          <a:lstStyle/>
+          <a:p>
+            <a:pPr algn="l"/>
+            <a:r>
+              <a:rPr lang="en-US" sz="4800" dirty="0" smtClean="0">
+                <a:latin typeface="Comic Sans MS" pitchFamily="66" charset="0"/>
+              </a:rPr>
+              <a:t>use</a:t>
+            </a:r>
+            <a:r>
+              <a:rPr lang="en-US" sz="4800" dirty="0" smtClean="0">
+                <a:solidFill>
+                  <a:srgbClr val="FF03E3"/>
+                </a:solidFill>
+                <a:latin typeface="Comic Sans MS" pitchFamily="66" charset="0"/>
+              </a:rPr>
+              <a:t> </a:t>
+            </a:r>
+            <a:r>
+              <a:rPr lang="en-US" sz="4800" dirty="0" err="1" smtClean="0">
+                <a:solidFill>
+                  <a:srgbClr val="FF03E3"/>
+                </a:solidFill>
+                <a:latin typeface="Comic Sans MS" pitchFamily="66" charset="0"/>
+              </a:rPr>
+              <a:t>DeMorgan</a:t>
+            </a:r>
+            <a:endParaRPr lang="en-US" sz="4800" dirty="0" smtClean="0">
+              <a:solidFill>
+                <a:srgbClr val="FF03E3"/>
+              </a:solidFill>
+              <a:latin typeface="Comic Sans MS" pitchFamily="66" charset="0"/>
+            </a:endParaRPr>
+          </a:p>
+        </p:txBody>
+      </p:sp>
+    </p:spTree>
+    <p:extLst>
+      <p:ext uri="{BB962C8B-B14F-4D97-AF65-F5344CB8AC3E}">
+        <p14:creationId xmlns:p14="http://schemas.microsoft.com/office/powerpoint/2010/main" val="3681833686"/>
+      </p:ext>
+    </p:extLst>
+  </p:cSld>
+  <p:clrMapOvr>
+    <a:masterClrMapping/>
+  </p:clrMapOvr>
+  <mc:AlternateContent xmlns:mc="http://schemas.openxmlformats.org/markup-compatibility/2006" xmlns:p14="http://schemas.microsoft.com/office/powerpoint/2010/main">
+    <mc:Choice Requires="p14">
+      <p:transition spd="slow" p14:dur="800" advClick="0">
+        <p:fade/>
+      </p:transition>
+    </mc:Choice>
+    <mc:Fallback xmlns="">
+      <p:transition xmlns:p14="http://schemas.microsoft.com/office/powerpoint/2010/main" spd="slow" advClick="0">
+        <p:fade/>
+      </p:transition>
+    </mc:Fallback>
+  </mc:AlternateContent>
+  <p:timing>
+    <p:tnLst>
+      <p:par>
+        <p:cTn xmlns:p14="http://schemas.microsoft.com/office/powerpoint/2010/main" id="1" dur="indefinite" restart="never" nodeType="tmRoot"/>
+      </p:par>
+    </p:tnLst>
+  </p:timing>
+</p:sld>
+</file>
+
+<file path=ppt/slides/slide2.xml><?xml version="1.0" encoding="utf-8"?>
+<p:sld xmlns:a="http://schemas.openxmlformats.org/drawingml/2006/main" xmlns:r="http://schemas.openxmlformats.org/officeDocument/2006/relationships" xmlns:p="http://schemas.openxmlformats.org/presentationml/2006/main">
+  <p:cSld>
+    <p:spTree>
+      <p:nvGrpSpPr>
+        <p:cNvPr id="1" name=""/>
+        <p:cNvGrpSpPr/>
+        <p:nvPr/>
+      </p:nvGrpSpPr>
+      <p:grpSpPr>
+        <a:xfrm>
+          <a:off x="0" y="0"/>
+          <a:ext cx="0" cy="0"/>
+          <a:chOff x="0" y="0"/>
+          <a:chExt cx="0" cy="0"/>
+        </a:xfrm>
+      </p:grpSpPr>
+      <p:sp>
+        <p:nvSpPr>
+          <p:cNvPr id="5" name="TextBox 4"/>
+          <p:cNvSpPr txBox="1"/>
+          <p:nvPr/>
+        </p:nvSpPr>
+        <p:spPr>
+          <a:xfrm>
+            <a:off x="531140" y="1844664"/>
+            <a:ext cx="8117560" cy="3139321"/>
+          </a:xfrm>
+          <a:prstGeom prst="rect">
+            <a:avLst/>
+          </a:prstGeom>
+          <a:noFill/>
+        </p:spPr>
+        <p:txBody>
+          <a:bodyPr wrap="square" rtlCol="0">
+            <a:spAutoFit/>
+          </a:bodyPr>
+          <a:lstStyle/>
+          <a:p>
+            <a:pPr algn="l"/>
+            <a:r>
+              <a:rPr lang="en-US" sz="6600" dirty="0" smtClean="0">
+                <a:solidFill>
+                  <a:srgbClr val="000000"/>
+                </a:solidFill>
+                <a:latin typeface="Comic Sans MS" pitchFamily="66" charset="0"/>
+              </a:rPr>
+              <a:t>Use an</a:t>
+            </a:r>
+            <a:r>
+              <a:rPr lang="en-US" sz="6600" dirty="0" smtClean="0">
+                <a:solidFill>
+                  <a:srgbClr val="BB0FAB"/>
+                </a:solidFill>
+                <a:latin typeface="Comic Sans MS" pitchFamily="66" charset="0"/>
+              </a:rPr>
+              <a:t> algebra of equivalence</a:t>
+            </a:r>
+            <a:r>
+              <a:rPr lang="en-US" sz="6600" dirty="0" smtClean="0">
+                <a:latin typeface="Comic Sans MS" pitchFamily="66" charset="0"/>
+              </a:rPr>
+              <a:t> to prove</a:t>
+            </a:r>
+          </a:p>
+          <a:p>
+            <a:pPr algn="l"/>
+            <a:r>
+              <a:rPr lang="en-US" sz="6600" dirty="0" smtClean="0">
+                <a:latin typeface="Comic Sans MS" pitchFamily="66" charset="0"/>
+              </a:rPr>
+              <a:t>formulas equivalent.</a:t>
+            </a:r>
+            <a:endParaRPr lang="en-US" sz="6600" dirty="0">
+              <a:latin typeface="Comic Sans MS" pitchFamily="66" charset="0"/>
+            </a:endParaRPr>
+          </a:p>
+        </p:txBody>
+      </p:sp>
+      <p:sp>
+        <p:nvSpPr>
+          <p:cNvPr id="9" name="Title 1"/>
+          <p:cNvSpPr>
+            <a:spLocks noGrp="1"/>
+          </p:cNvSpPr>
+          <p:nvPr>
+            <p:ph type="title"/>
+          </p:nvPr>
+        </p:nvSpPr>
+        <p:spPr>
+          <a:xfrm>
+            <a:off x="1663700" y="363538"/>
+            <a:ext cx="6794500" cy="1003300"/>
+          </a:xfrm>
+        </p:spPr>
+        <p:txBody>
+          <a:bodyPr/>
+          <a:lstStyle/>
+          <a:p>
+            <a:r>
+              <a:rPr lang="en-US" sz="4000" dirty="0" smtClean="0"/>
+              <a:t>Proving Equivalence</a:t>
+            </a:r>
+            <a:endParaRPr lang="en-US" sz="4000" dirty="0"/>
+          </a:p>
+        </p:txBody>
+      </p:sp>
+      <p:sp>
+        <p:nvSpPr>
+          <p:cNvPr id="4" name="Slide Number Placeholder 2"/>
+          <p:cNvSpPr>
+            <a:spLocks noGrp="1"/>
+          </p:cNvSpPr>
+          <p:nvPr>
+            <p:ph type="sldNum" sz="quarter" idx="10"/>
+          </p:nvPr>
+        </p:nvSpPr>
+        <p:spPr>
+          <a:xfrm>
+            <a:off x="7333815" y="6553200"/>
+            <a:ext cx="1810186" cy="276999"/>
+          </a:xfrm>
+        </p:spPr>
+        <p:txBody>
+          <a:bodyPr/>
+          <a:lstStyle/>
+          <a:p>
+            <a:r>
+              <a:rPr lang="en-US" dirty="0" smtClean="0"/>
+              <a:t>propositional algebra.</a:t>
+            </a:r>
+            <a:fld id="{3251DA95-B240-47FE-901D-B78FC8E8E532}" type="slidenum">
+              <a:rPr lang="en-US" smtClean="0"/>
+              <a:pPr/>
+              <a:t>2</a:t>
+            </a:fld>
+            <a:endParaRPr lang="en-US" dirty="0"/>
+          </a:p>
+        </p:txBody>
+      </p:sp>
+    </p:spTree>
+  </p:cSld>
+  <p:clrMapOvr>
+    <a:masterClrMapping/>
+  </p:clrMapOvr>
+  <p:transition xmlns:p14="http://schemas.microsoft.com/office/powerpoint/2010/main" spd="slow" advClick="0">
+    <p:fade thruBlk="1"/>
+  </p:transition>
+  <p:timing>
+    <p:tnLst>
+      <p:par>
+        <p:cTn xmlns:p14="http://schemas.microsoft.com/office/powerpoint/2010/main" id="1" dur="indefinite" restart="never" nodeType="tmRoot"/>
+      </p:par>
+    </p:tnLst>
+  </p:timing>
+</p:sld>
+</file>
+
+<file path=ppt/slides/slide20.xml><?xml version="1.0" encoding="utf-8"?>
+<p:sld xmlns:a="http://schemas.openxmlformats.org/drawingml/2006/main" xmlns:r="http://schemas.openxmlformats.org/officeDocument/2006/relationships" xmlns:p="http://schemas.openxmlformats.org/presentationml/2006/main" show="0">
+  <p:cSld>
+    <p:spTree>
+      <p:nvGrpSpPr>
+        <p:cNvPr id="1" name=""/>
+        <p:cNvGrpSpPr/>
+        <p:nvPr/>
+      </p:nvGrpSpPr>
+      <p:grpSpPr>
+        <a:xfrm>
+          <a:off x="0" y="0"/>
+          <a:ext cx="0" cy="0"/>
+          <a:chOff x="0" y="0"/>
+          <a:chExt cx="0" cy="0"/>
+        </a:xfrm>
+      </p:grpSpPr>
+      <p:sp>
+        <p:nvSpPr>
+          <p:cNvPr id="9" name="Title 1"/>
+          <p:cNvSpPr>
+            <a:spLocks noGrp="1"/>
+          </p:cNvSpPr>
+          <p:nvPr>
+            <p:ph type="title"/>
+          </p:nvPr>
+        </p:nvSpPr>
+        <p:spPr>
+          <a:xfrm>
+            <a:off x="1651000" y="363538"/>
+            <a:ext cx="6794500" cy="1003300"/>
+          </a:xfrm>
+        </p:spPr>
+        <p:txBody>
+          <a:bodyPr/>
+          <a:lstStyle/>
+          <a:p>
+            <a:r>
+              <a:rPr lang="en-US" sz="4000" dirty="0" smtClean="0"/>
+              <a:t>Algebra for Equivalence</a:t>
+            </a:r>
+            <a:endParaRPr lang="en-US" sz="4000" dirty="0"/>
+          </a:p>
+        </p:txBody>
+      </p:sp>
+      <p:sp>
+        <p:nvSpPr>
+          <p:cNvPr id="4" name="Slide Number Placeholder 2"/>
+          <p:cNvSpPr>
+            <a:spLocks noGrp="1"/>
+          </p:cNvSpPr>
+          <p:nvPr>
+            <p:ph type="sldNum" sz="quarter" idx="10"/>
+          </p:nvPr>
+        </p:nvSpPr>
+        <p:spPr>
+          <a:xfrm>
+            <a:off x="7333815" y="6553200"/>
+            <a:ext cx="1810186" cy="276999"/>
+          </a:xfrm>
+        </p:spPr>
+        <p:txBody>
+          <a:bodyPr/>
+          <a:lstStyle/>
+          <a:p>
+            <a:r>
+              <a:rPr lang="en-US" dirty="0" smtClean="0"/>
+              <a:t>propositional algebra.</a:t>
+            </a:r>
+            <a:fld id="{3251DA95-B240-47FE-901D-B78FC8E8E532}" type="slidenum">
+              <a:rPr lang="en-US" smtClean="0"/>
+              <a:pPr/>
+              <a:t>20</a:t>
+            </a:fld>
+            <a:endParaRPr lang="en-US" dirty="0"/>
+          </a:p>
+        </p:txBody>
+      </p:sp>
+      <p:graphicFrame>
+        <p:nvGraphicFramePr>
+          <p:cNvPr id="7" name="Object 6"/>
+          <p:cNvGraphicFramePr>
+            <a:graphicFrameLocks noChangeAspect="1"/>
+          </p:cNvGraphicFramePr>
+          <p:nvPr>
+            <p:extLst>
+              <p:ext uri="{D42A27DB-BD31-4B8C-83A1-F6EECF244321}">
+                <p14:modId xmlns:p14="http://schemas.microsoft.com/office/powerpoint/2010/main" val="2619484975"/>
+              </p:ext>
+            </p:extLst>
+          </p:nvPr>
+        </p:nvGraphicFramePr>
+        <p:xfrm>
+          <a:off x="369888" y="1639294"/>
+          <a:ext cx="8540750" cy="926105"/>
+        </p:xfrm>
+        <a:graphic>
+          <a:graphicData uri="http://schemas.openxmlformats.org/presentationml/2006/ole">
+            <mc:AlternateContent xmlns:mc="http://schemas.openxmlformats.org/markup-compatibility/2006">
+              <mc:Choice xmlns:v="urn:schemas-microsoft-com:vml" Requires="v">
+                <p:oleObj spid="_x0000_s478215" name="Equation" r:id="rId4" imgW="2108200" imgH="228600" progId="Equation.DSMT4">
+                  <p:embed/>
+                </p:oleObj>
+              </mc:Choice>
+              <mc:Fallback>
+                <p:oleObj name="Equation" r:id="rId4" imgW="2108200" imgH="228600" progId="Equation.DSMT4">
+                  <p:embed/>
+                  <p:pic>
+                    <p:nvPicPr>
+                      <p:cNvPr id="0" name=""/>
+                      <p:cNvPicPr/>
+                      <p:nvPr/>
+                    </p:nvPicPr>
+                    <p:blipFill>
+                      <a:blip r:embed="rId5"/>
+                      <a:stretch>
+                        <a:fillRect/>
+                      </a:stretch>
+                    </p:blipFill>
+                    <p:spPr>
+                      <a:xfrm>
+                        <a:off x="369888" y="1639294"/>
+                        <a:ext cx="8540750" cy="926105"/>
+                      </a:xfrm>
+                      <a:prstGeom prst="rect">
+                        <a:avLst/>
+                      </a:prstGeom>
+                    </p:spPr>
+                  </p:pic>
+                </p:oleObj>
+              </mc:Fallback>
+            </mc:AlternateContent>
+          </a:graphicData>
+        </a:graphic>
+      </p:graphicFrame>
+      <p:graphicFrame>
+        <p:nvGraphicFramePr>
+          <p:cNvPr id="10" name="Object 9"/>
+          <p:cNvGraphicFramePr>
+            <a:graphicFrameLocks noChangeAspect="1"/>
+          </p:cNvGraphicFramePr>
+          <p:nvPr>
+            <p:extLst>
+              <p:ext uri="{D42A27DB-BD31-4B8C-83A1-F6EECF244321}">
+                <p14:modId xmlns:p14="http://schemas.microsoft.com/office/powerpoint/2010/main" val="1098667623"/>
+              </p:ext>
+            </p:extLst>
+          </p:nvPr>
+        </p:nvGraphicFramePr>
+        <p:xfrm>
+          <a:off x="233362" y="2597150"/>
+          <a:ext cx="8796338" cy="800539"/>
+        </p:xfrm>
+        <a:graphic>
+          <a:graphicData uri="http://schemas.openxmlformats.org/presentationml/2006/ole">
+            <mc:AlternateContent xmlns:mc="http://schemas.openxmlformats.org/markup-compatibility/2006">
+              <mc:Choice xmlns:v="urn:schemas-microsoft-com:vml" Requires="v">
+                <p:oleObj spid="_x0000_s478216" name="Equation" r:id="rId6" imgW="2514600" imgH="228600" progId="Equation.DSMT4">
+                  <p:embed/>
+                </p:oleObj>
+              </mc:Choice>
+              <mc:Fallback>
+                <p:oleObj name="Equation" r:id="rId6" imgW="2514600" imgH="228600" progId="Equation.DSMT4">
+                  <p:embed/>
+                  <p:pic>
+                    <p:nvPicPr>
+                      <p:cNvPr id="0" name=""/>
+                      <p:cNvPicPr/>
+                      <p:nvPr/>
+                    </p:nvPicPr>
+                    <p:blipFill>
+                      <a:blip r:embed="rId7"/>
+                      <a:stretch>
+                        <a:fillRect/>
+                      </a:stretch>
+                    </p:blipFill>
+                    <p:spPr>
+                      <a:xfrm>
+                        <a:off x="233362" y="2597150"/>
+                        <a:ext cx="8796338" cy="800539"/>
+                      </a:xfrm>
+                      <a:prstGeom prst="rect">
+                        <a:avLst/>
+                      </a:prstGeom>
+                    </p:spPr>
+                  </p:pic>
+                </p:oleObj>
+              </mc:Fallback>
+            </mc:AlternateContent>
+          </a:graphicData>
+        </a:graphic>
+      </p:graphicFrame>
+      <p:graphicFrame>
+        <p:nvGraphicFramePr>
+          <p:cNvPr id="12" name="Object 11"/>
+          <p:cNvGraphicFramePr>
+            <a:graphicFrameLocks noChangeAspect="1"/>
+          </p:cNvGraphicFramePr>
+          <p:nvPr>
+            <p:extLst>
+              <p:ext uri="{D42A27DB-BD31-4B8C-83A1-F6EECF244321}">
+                <p14:modId xmlns:p14="http://schemas.microsoft.com/office/powerpoint/2010/main" val="3298041099"/>
+              </p:ext>
+            </p:extLst>
+          </p:nvPr>
+        </p:nvGraphicFramePr>
+        <p:xfrm>
+          <a:off x="2395538" y="3441700"/>
+          <a:ext cx="6662737" cy="800100"/>
+        </p:xfrm>
+        <a:graphic>
+          <a:graphicData uri="http://schemas.openxmlformats.org/presentationml/2006/ole">
+            <mc:AlternateContent xmlns:mc="http://schemas.openxmlformats.org/markup-compatibility/2006">
+              <mc:Choice xmlns:v="urn:schemas-microsoft-com:vml" Requires="v">
+                <p:oleObj spid="_x0000_s478217" name="Equation" r:id="rId8" imgW="1905000" imgH="228600" progId="Equation.DSMT4">
+                  <p:embed/>
+                </p:oleObj>
+              </mc:Choice>
+              <mc:Fallback>
+                <p:oleObj name="Equation" r:id="rId8" imgW="1905000" imgH="228600" progId="Equation.DSMT4">
+                  <p:embed/>
+                  <p:pic>
+                    <p:nvPicPr>
+                      <p:cNvPr id="0" name=""/>
+                      <p:cNvPicPr/>
+                      <p:nvPr/>
+                    </p:nvPicPr>
+                    <p:blipFill>
+                      <a:blip r:embed="rId9"/>
+                      <a:stretch>
+                        <a:fillRect/>
+                      </a:stretch>
+                    </p:blipFill>
+                    <p:spPr>
+                      <a:xfrm>
+                        <a:off x="2395538" y="3441700"/>
+                        <a:ext cx="6662737" cy="800100"/>
+                      </a:xfrm>
+                      <a:prstGeom prst="rect">
+                        <a:avLst/>
+                      </a:prstGeom>
+                    </p:spPr>
+                  </p:pic>
+                </p:oleObj>
+              </mc:Fallback>
+            </mc:AlternateContent>
+          </a:graphicData>
+        </a:graphic>
+      </p:graphicFrame>
+      <p:sp>
+        <p:nvSpPr>
+          <p:cNvPr id="13" name="TextBox 12"/>
+          <p:cNvSpPr txBox="1"/>
+          <p:nvPr/>
+        </p:nvSpPr>
+        <p:spPr>
+          <a:xfrm>
+            <a:off x="4640263" y="3906103"/>
+            <a:ext cx="4233851" cy="830997"/>
+          </a:xfrm>
+          <a:prstGeom prst="rect">
+            <a:avLst/>
+          </a:prstGeom>
+          <a:noFill/>
+        </p:spPr>
+        <p:txBody>
+          <a:bodyPr wrap="none" rtlCol="0">
+            <a:spAutoFit/>
+          </a:bodyPr>
+          <a:lstStyle/>
+          <a:p>
+            <a:pPr algn="l"/>
+            <a:r>
+              <a:rPr lang="en-US" sz="4800" dirty="0" smtClean="0">
+                <a:latin typeface="Comic Sans MS" pitchFamily="66" charset="0"/>
+              </a:rPr>
+              <a:t>use</a:t>
+            </a:r>
+            <a:r>
+              <a:rPr lang="en-US" sz="4800" dirty="0" smtClean="0">
+                <a:solidFill>
+                  <a:srgbClr val="FF03E3"/>
+                </a:solidFill>
+                <a:latin typeface="Comic Sans MS" pitchFamily="66" charset="0"/>
+              </a:rPr>
+              <a:t> </a:t>
+            </a:r>
+            <a:r>
+              <a:rPr lang="en-US" sz="4800" dirty="0" err="1" smtClean="0">
+                <a:solidFill>
+                  <a:srgbClr val="FF03E3"/>
+                </a:solidFill>
+                <a:latin typeface="Comic Sans MS" pitchFamily="66" charset="0"/>
+              </a:rPr>
+              <a:t>DeMorgan</a:t>
+            </a:r>
+            <a:endParaRPr lang="en-US" sz="4800" dirty="0" smtClean="0">
+              <a:solidFill>
+                <a:srgbClr val="FF03E3"/>
+              </a:solidFill>
+              <a:latin typeface="Comic Sans MS" pitchFamily="66" charset="0"/>
+            </a:endParaRPr>
+          </a:p>
+        </p:txBody>
+      </p:sp>
+    </p:spTree>
+    <p:extLst>
+      <p:ext uri="{BB962C8B-B14F-4D97-AF65-F5344CB8AC3E}">
+        <p14:creationId xmlns:p14="http://schemas.microsoft.com/office/powerpoint/2010/main" val="549610834"/>
+      </p:ext>
+    </p:extLst>
+  </p:cSld>
+  <p:clrMapOvr>
+    <a:masterClrMapping/>
+  </p:clrMapOvr>
+  <mc:AlternateContent xmlns:mc="http://schemas.openxmlformats.org/markup-compatibility/2006">
+    <mc:Choice xmlns:p14="http://schemas.microsoft.com/office/powerpoint/2010/main" Requires="p14">
+      <p:transition p14:dur="400" advClick="0">
+        <p:fade/>
+      </p:transition>
+    </mc:Choice>
+    <mc:Fallback>
+      <p:transition xmlns:p14="http://schemas.microsoft.com/office/powerpoint/2010/main" advClick="0">
+        <p:fade/>
+      </p:transition>
+    </mc:Fallback>
+  </mc:AlternateContent>
+  <p:timing>
+    <p:tnLst>
+      <p:par>
+        <p:cTn xmlns:p14="http://schemas.microsoft.com/office/powerpoint/2010/main" id="1" dur="indefinite" restart="never" nodeType="tmRoot"/>
+      </p:par>
+    </p:tnLst>
+  </p:timing>
+</p:sld>
+</file>
+
+<file path=ppt/slides/slide21.xml><?xml version="1.0" encoding="utf-8"?>
+<p:sld xmlns:a="http://schemas.openxmlformats.org/drawingml/2006/main" xmlns:r="http://schemas.openxmlformats.org/officeDocument/2006/relationships" xmlns:p="http://schemas.openxmlformats.org/presentationml/2006/main" show="0">
+  <p:cSld>
+    <p:spTree>
+      <p:nvGrpSpPr>
+        <p:cNvPr id="1" name=""/>
+        <p:cNvGrpSpPr/>
+        <p:nvPr/>
+      </p:nvGrpSpPr>
+      <p:grpSpPr>
+        <a:xfrm>
+          <a:off x="0" y="0"/>
+          <a:ext cx="0" cy="0"/>
+          <a:chOff x="0" y="0"/>
+          <a:chExt cx="0" cy="0"/>
+        </a:xfrm>
+      </p:grpSpPr>
+      <p:sp>
+        <p:nvSpPr>
+          <p:cNvPr id="9" name="Title 1"/>
+          <p:cNvSpPr>
+            <a:spLocks noGrp="1"/>
+          </p:cNvSpPr>
+          <p:nvPr>
+            <p:ph type="title"/>
+          </p:nvPr>
+        </p:nvSpPr>
+        <p:spPr>
+          <a:xfrm>
+            <a:off x="1651000" y="363538"/>
+            <a:ext cx="6794500" cy="1003300"/>
+          </a:xfrm>
+        </p:spPr>
+        <p:txBody>
+          <a:bodyPr/>
+          <a:lstStyle/>
+          <a:p>
+            <a:r>
+              <a:rPr lang="en-US" sz="4000" dirty="0" smtClean="0"/>
+              <a:t>Algebra for Equivalence</a:t>
+            </a:r>
+            <a:endParaRPr lang="en-US" sz="4000" dirty="0"/>
+          </a:p>
+        </p:txBody>
+      </p:sp>
+      <p:sp>
+        <p:nvSpPr>
+          <p:cNvPr id="4" name="Slide Number Placeholder 2"/>
+          <p:cNvSpPr>
+            <a:spLocks noGrp="1"/>
+          </p:cNvSpPr>
+          <p:nvPr>
+            <p:ph type="sldNum" sz="quarter" idx="10"/>
+          </p:nvPr>
+        </p:nvSpPr>
+        <p:spPr>
+          <a:xfrm>
+            <a:off x="7333815" y="6553200"/>
+            <a:ext cx="1810186" cy="276999"/>
+          </a:xfrm>
+        </p:spPr>
+        <p:txBody>
+          <a:bodyPr/>
+          <a:lstStyle/>
+          <a:p>
+            <a:r>
+              <a:rPr lang="en-US" dirty="0" smtClean="0"/>
+              <a:t>propositional algebra.</a:t>
+            </a:r>
+            <a:fld id="{3251DA95-B240-47FE-901D-B78FC8E8E532}" type="slidenum">
+              <a:rPr lang="en-US" smtClean="0"/>
+              <a:pPr/>
+              <a:t>21</a:t>
+            </a:fld>
+            <a:endParaRPr lang="en-US" dirty="0"/>
+          </a:p>
+        </p:txBody>
+      </p:sp>
+      <p:graphicFrame>
+        <p:nvGraphicFramePr>
+          <p:cNvPr id="7" name="Object 6"/>
+          <p:cNvGraphicFramePr>
+            <a:graphicFrameLocks noChangeAspect="1"/>
+          </p:cNvGraphicFramePr>
+          <p:nvPr>
+            <p:extLst>
+              <p:ext uri="{D42A27DB-BD31-4B8C-83A1-F6EECF244321}">
+                <p14:modId xmlns:p14="http://schemas.microsoft.com/office/powerpoint/2010/main" val="1301466819"/>
+              </p:ext>
+            </p:extLst>
+          </p:nvPr>
+        </p:nvGraphicFramePr>
+        <p:xfrm>
+          <a:off x="369888" y="1639294"/>
+          <a:ext cx="8540750" cy="926105"/>
+        </p:xfrm>
+        <a:graphic>
+          <a:graphicData uri="http://schemas.openxmlformats.org/presentationml/2006/ole">
+            <mc:AlternateContent xmlns:mc="http://schemas.openxmlformats.org/markup-compatibility/2006">
+              <mc:Choice xmlns:v="urn:schemas-microsoft-com:vml" Requires="v">
+                <p:oleObj spid="_x0000_s440372" name="Equation" r:id="rId4" imgW="2108200" imgH="228600" progId="Equation.DSMT4">
+                  <p:embed/>
+                </p:oleObj>
+              </mc:Choice>
+              <mc:Fallback>
+                <p:oleObj name="Equation" r:id="rId4" imgW="2108200" imgH="228600" progId="Equation.DSMT4">
+                  <p:embed/>
+                  <p:pic>
+                    <p:nvPicPr>
+                      <p:cNvPr id="0" name=""/>
+                      <p:cNvPicPr/>
+                      <p:nvPr/>
+                    </p:nvPicPr>
+                    <p:blipFill>
+                      <a:blip r:embed="rId5"/>
+                      <a:stretch>
+                        <a:fillRect/>
+                      </a:stretch>
+                    </p:blipFill>
+                    <p:spPr>
+                      <a:xfrm>
+                        <a:off x="369888" y="1639294"/>
+                        <a:ext cx="8540750" cy="926105"/>
+                      </a:xfrm>
+                      <a:prstGeom prst="rect">
+                        <a:avLst/>
+                      </a:prstGeom>
+                    </p:spPr>
+                  </p:pic>
+                </p:oleObj>
+              </mc:Fallback>
+            </mc:AlternateContent>
+          </a:graphicData>
+        </a:graphic>
+      </p:graphicFrame>
+      <p:graphicFrame>
+        <p:nvGraphicFramePr>
+          <p:cNvPr id="10" name="Object 9"/>
+          <p:cNvGraphicFramePr>
+            <a:graphicFrameLocks noChangeAspect="1"/>
+          </p:cNvGraphicFramePr>
+          <p:nvPr>
+            <p:extLst>
+              <p:ext uri="{D42A27DB-BD31-4B8C-83A1-F6EECF244321}">
+                <p14:modId xmlns:p14="http://schemas.microsoft.com/office/powerpoint/2010/main" val="3053865298"/>
+              </p:ext>
+            </p:extLst>
+          </p:nvPr>
+        </p:nvGraphicFramePr>
+        <p:xfrm>
+          <a:off x="233362" y="2597150"/>
+          <a:ext cx="8796338" cy="800539"/>
+        </p:xfrm>
+        <a:graphic>
+          <a:graphicData uri="http://schemas.openxmlformats.org/presentationml/2006/ole">
+            <mc:AlternateContent xmlns:mc="http://schemas.openxmlformats.org/markup-compatibility/2006">
+              <mc:Choice xmlns:v="urn:schemas-microsoft-com:vml" Requires="v">
+                <p:oleObj spid="_x0000_s440373" name="Equation" r:id="rId6" imgW="2514600" imgH="228600" progId="Equation.DSMT4">
+                  <p:embed/>
+                </p:oleObj>
+              </mc:Choice>
+              <mc:Fallback>
+                <p:oleObj name="Equation" r:id="rId6" imgW="2514600" imgH="228600" progId="Equation.DSMT4">
+                  <p:embed/>
+                  <p:pic>
+                    <p:nvPicPr>
+                      <p:cNvPr id="0" name=""/>
+                      <p:cNvPicPr/>
+                      <p:nvPr/>
+                    </p:nvPicPr>
+                    <p:blipFill>
+                      <a:blip r:embed="rId7"/>
+                      <a:stretch>
+                        <a:fillRect/>
+                      </a:stretch>
+                    </p:blipFill>
+                    <p:spPr>
+                      <a:xfrm>
+                        <a:off x="233362" y="2597150"/>
+                        <a:ext cx="8796338" cy="800539"/>
+                      </a:xfrm>
+                      <a:prstGeom prst="rect">
+                        <a:avLst/>
+                      </a:prstGeom>
+                    </p:spPr>
+                  </p:pic>
+                </p:oleObj>
+              </mc:Fallback>
+            </mc:AlternateContent>
+          </a:graphicData>
+        </a:graphic>
+      </p:graphicFrame>
+      <p:graphicFrame>
+        <p:nvGraphicFramePr>
+          <p:cNvPr id="12" name="Object 11"/>
+          <p:cNvGraphicFramePr>
+            <a:graphicFrameLocks noChangeAspect="1"/>
+          </p:cNvGraphicFramePr>
+          <p:nvPr>
+            <p:extLst>
+              <p:ext uri="{D42A27DB-BD31-4B8C-83A1-F6EECF244321}">
+                <p14:modId xmlns:p14="http://schemas.microsoft.com/office/powerpoint/2010/main" val="1136980278"/>
+              </p:ext>
+            </p:extLst>
+          </p:nvPr>
+        </p:nvGraphicFramePr>
+        <p:xfrm>
+          <a:off x="2462213" y="3441700"/>
+          <a:ext cx="6529387" cy="800100"/>
+        </p:xfrm>
+        <a:graphic>
+          <a:graphicData uri="http://schemas.openxmlformats.org/presentationml/2006/ole">
+            <mc:AlternateContent xmlns:mc="http://schemas.openxmlformats.org/markup-compatibility/2006">
+              <mc:Choice xmlns:v="urn:schemas-microsoft-com:vml" Requires="v">
+                <p:oleObj spid="_x0000_s440374" name="Equation" r:id="rId8" imgW="1866900" imgH="228600" progId="Equation.DSMT4">
                   <p:embed/>
                 </p:oleObj>
               </mc:Choice>
@@ -11455,7 +12401,7 @@
           <a:graphicData uri="http://schemas.openxmlformats.org/presentationml/2006/ole">
             <mc:AlternateContent xmlns:mc="http://schemas.openxmlformats.org/markup-compatibility/2006">
               <mc:Choice xmlns:v="urn:schemas-microsoft-com:vml" Requires="v">
-                <p:oleObj spid="_x0000_s440366" name="Equation" r:id="rId10" imgW="1689100" imgH="254000" progId="Equation.DSMT4">
+                <p:oleObj spid="_x0000_s440375" name="Equation" r:id="rId10" imgW="1689100" imgH="254000" progId="Equation.DSMT4">
                   <p:embed/>
                 </p:oleObj>
               </mc:Choice>
@@ -11500,13 +12446,13 @@
   <p:clrMapOvr>
     <a:masterClrMapping/>
   </p:clrMapOvr>
-  <mc:AlternateContent xmlns:mc="http://schemas.openxmlformats.org/markup-compatibility/2006" xmlns:p14="http://schemas.microsoft.com/office/powerpoint/2010/main">
-    <mc:Choice Requires="p14">
+  <mc:AlternateContent xmlns:mc="http://schemas.openxmlformats.org/markup-compatibility/2006">
+    <mc:Choice xmlns:p14="http://schemas.microsoft.com/office/powerpoint/2010/main" Requires="p14">
       <p:transition spd="slow" p14:dur="800" advClick="0">
         <p:fade/>
       </p:transition>
     </mc:Choice>
-    <mc:Fallback xmlns="">
+    <mc:Fallback>
       <p:transition xmlns:p14="http://schemas.microsoft.com/office/powerpoint/2010/main" spd="slow" advClick="0">
         <p:fade/>
       </p:transition>
@@ -11598,7 +12544,7 @@
 </p:sld>
 </file>
 
-<file path=ppt/slides/slide2.xml><?xml version="1.0" encoding="utf-8"?>
+<file path=ppt/slides/slide22.xml><?xml version="1.0" encoding="utf-8"?>
 <p:sld xmlns:a="http://schemas.openxmlformats.org/drawingml/2006/main" xmlns:r="http://schemas.openxmlformats.org/officeDocument/2006/relationships" xmlns:p="http://schemas.openxmlformats.org/presentationml/2006/main">
   <p:cSld>
     <p:spTree>
@@ -11617,79 +12563,17 @@
       </p:grpSpPr>
       <p:sp>
         <p:nvSpPr>
-          <p:cNvPr id="5" name="TextBox 4"/>
-          <p:cNvSpPr txBox="1"/>
-          <p:nvPr/>
+          <p:cNvPr id="9" name="Title 1"/>
+          <p:cNvSpPr>
+            <a:spLocks noGrp="1"/>
+          </p:cNvSpPr>
+          <p:nvPr>
+            <p:ph type="title"/>
+          </p:nvPr>
         </p:nvSpPr>
         <p:spPr>
           <a:xfrm>
-            <a:off x="531140" y="1844664"/>
-            <a:ext cx="8117560" cy="3139321"/>
-          </a:xfrm>
-          <a:prstGeom prst="rect">
-            <a:avLst/>
-          </a:prstGeom>
-          <a:noFill/>
-        </p:spPr>
-        <p:txBody>
-          <a:bodyPr wrap="square" rtlCol="0">
-            <a:spAutoFit/>
-          </a:bodyPr>
-          <a:lstStyle/>
-          <a:p>
-            <a:pPr algn="l"/>
-            <a:r>
-              <a:rPr lang="en-US" sz="6600" dirty="0" smtClean="0">
-                <a:solidFill>
-                  <a:srgbClr val="000000"/>
-                </a:solidFill>
-                <a:latin typeface="Comic Sans MS" pitchFamily="66" charset="0"/>
-              </a:rPr>
-              <a:t>Use an</a:t>
-            </a:r>
-            <a:r>
-              <a:rPr lang="en-US" sz="6600" dirty="0" smtClean="0">
-                <a:solidFill>
-                  <a:srgbClr val="BB0FAB"/>
-                </a:solidFill>
-                <a:latin typeface="Comic Sans MS" pitchFamily="66" charset="0"/>
-              </a:rPr>
-              <a:t> algebra of equivalence</a:t>
-            </a:r>
-            <a:r>
-              <a:rPr lang="en-US" sz="6600" dirty="0" smtClean="0">
-                <a:latin typeface="Comic Sans MS" pitchFamily="66" charset="0"/>
-              </a:rPr>
-              <a:t> to prove</a:t>
-            </a:r>
-          </a:p>
-          <a:p>
-            <a:pPr algn="l"/>
-            <a:r>
-              <a:rPr lang="en-US" sz="6600" dirty="0" smtClean="0">
-                <a:latin typeface="Comic Sans MS" pitchFamily="66" charset="0"/>
-              </a:rPr>
-              <a:t>formulas equivalent.</a:t>
-            </a:r>
-            <a:endParaRPr lang="en-US" sz="6600" dirty="0">
-              <a:latin typeface="Comic Sans MS" pitchFamily="66" charset="0"/>
-            </a:endParaRPr>
-          </a:p>
-        </p:txBody>
-      </p:sp>
-      <p:sp>
-        <p:nvSpPr>
-          <p:cNvPr id="9" name="Title 1"/>
-          <p:cNvSpPr>
-            <a:spLocks noGrp="1"/>
-          </p:cNvSpPr>
-          <p:nvPr>
-            <p:ph type="title"/>
-          </p:nvPr>
-        </p:nvSpPr>
-        <p:spPr>
-          <a:xfrm>
-            <a:off x="1663700" y="363538"/>
+            <a:off x="1651000" y="363538"/>
             <a:ext cx="6794500" cy="1003300"/>
           </a:xfrm>
         </p:spPr>
@@ -11699,7 +12583,7 @@
           <a:p>
             <a:r>
               <a:rPr lang="en-US" sz="4000" dirty="0" smtClean="0"/>
-              <a:t>Proving Equivalence</a:t>
+              <a:t>Algebra for Equivalence</a:t>
             </a:r>
             <a:endParaRPr lang="en-US" sz="4000" dirty="0"/>
           </a:p>
@@ -11732,103 +12616,7 @@
             <a:fld id="{3251DA95-B240-47FE-901D-B78FC8E8E532}" type="slidenum">
               <a:rPr lang="en-US" smtClean="0"/>
               <a:pPr/>
-              <a:t>2</a:t>
-            </a:fld>
-            <a:endParaRPr lang="en-US" dirty="0"/>
-          </a:p>
-        </p:txBody>
-      </p:sp>
-    </p:spTree>
-  </p:cSld>
-  <p:clrMapOvr>
-    <a:masterClrMapping/>
-  </p:clrMapOvr>
-  <p:transition xmlns:p14="http://schemas.microsoft.com/office/powerpoint/2010/main" spd="slow" advClick="0">
-    <p:fade thruBlk="1"/>
-  </p:transition>
-  <p:timing>
-    <p:tnLst>
-      <p:par>
-        <p:cTn xmlns:p14="http://schemas.microsoft.com/office/powerpoint/2010/main" id="1" dur="indefinite" restart="never" nodeType="tmRoot"/>
-      </p:par>
-    </p:tnLst>
-  </p:timing>
-</p:sld>
-</file>
-
-<file path=ppt/slides/slide20.xml><?xml version="1.0" encoding="utf-8"?>
-<p:sld xmlns:a="http://schemas.openxmlformats.org/drawingml/2006/main" xmlns:r="http://schemas.openxmlformats.org/officeDocument/2006/relationships" xmlns:p="http://schemas.openxmlformats.org/presentationml/2006/main">
-  <p:cSld>
-    <p:spTree>
-      <p:nvGrpSpPr>
-        <p:cNvPr id="1" name=""/>
-        <p:cNvGrpSpPr/>
-        <p:nvPr/>
-      </p:nvGrpSpPr>
-      <p:grpSpPr>
-        <a:xfrm>
-          <a:off x="0" y="0"/>
-          <a:ext cx="0" cy="0"/>
-          <a:chOff x="0" y="0"/>
-          <a:chExt cx="0" cy="0"/>
-        </a:xfrm>
-      </p:grpSpPr>
-      <p:sp>
-        <p:nvSpPr>
-          <p:cNvPr id="9" name="Title 1"/>
-          <p:cNvSpPr>
-            <a:spLocks noGrp="1"/>
-          </p:cNvSpPr>
-          <p:nvPr>
-            <p:ph type="title"/>
-          </p:nvPr>
-        </p:nvSpPr>
-        <p:spPr>
-          <a:xfrm>
-            <a:off x="1651000" y="363538"/>
-            <a:ext cx="6794500" cy="1003300"/>
-          </a:xfrm>
-        </p:spPr>
-        <p:txBody>
-          <a:bodyPr/>
-          <a:lstStyle/>
-          <a:p>
-            <a:r>
-              <a:rPr lang="en-US" sz="4000" dirty="0" smtClean="0"/>
-              <a:t>Algebra for Equivalence</a:t>
-            </a:r>
-            <a:endParaRPr lang="en-US" sz="4000" dirty="0"/>
-          </a:p>
-        </p:txBody>
-      </p:sp>
-      <p:sp>
-        <p:nvSpPr>
-          <p:cNvPr id="4" name="Slide Number Placeholder 2"/>
-          <p:cNvSpPr>
-            <a:spLocks noGrp="1"/>
-          </p:cNvSpPr>
-          <p:nvPr>
-            <p:ph type="sldNum" sz="quarter" idx="10"/>
-          </p:nvPr>
-        </p:nvSpPr>
-        <p:spPr>
-          <a:xfrm>
-            <a:off x="7333815" y="6553200"/>
-            <a:ext cx="1810186" cy="276999"/>
-          </a:xfrm>
-        </p:spPr>
-        <p:txBody>
-          <a:bodyPr/>
-          <a:lstStyle/>
-          <a:p>
-            <a:r>
-              <a:rPr lang="en-US" dirty="0" smtClean="0"/>
-              <a:t>propositional algebra.</a:t>
-            </a:r>
-            <a:fld id="{3251DA95-B240-47FE-901D-B78FC8E8E532}" type="slidenum">
-              <a:rPr lang="en-US" smtClean="0"/>
-              <a:pPr/>
-              <a:t>20</a:t>
+              <a:t>22</a:t>
             </a:fld>
             <a:endParaRPr lang="en-US" dirty="0"/>
           </a:p>
@@ -11856,7 +12644,7 @@
           <a:graphicData uri="http://schemas.openxmlformats.org/presentationml/2006/ole">
             <mc:AlternateContent xmlns:mc="http://schemas.openxmlformats.org/markup-compatibility/2006">
               <mc:Choice xmlns:v="urn:schemas-microsoft-com:vml" Requires="v">
-                <p:oleObj spid="_x0000_s433196" name="Equation" r:id="rId4" imgW="2108200" imgH="228600" progId="Equation.DSMT4">
+                <p:oleObj spid="_x0000_s433205" name="Equation" r:id="rId4" imgW="2108200" imgH="228600" progId="Equation.DSMT4">
                   <p:embed/>
                 </p:oleObj>
               </mc:Choice>
@@ -11913,7 +12701,7 @@
           <a:graphicData uri="http://schemas.openxmlformats.org/presentationml/2006/ole">
             <mc:AlternateContent xmlns:mc="http://schemas.openxmlformats.org/markup-compatibility/2006">
               <mc:Choice xmlns:v="urn:schemas-microsoft-com:vml" Requires="v">
-                <p:oleObj spid="_x0000_s433197" name="Equation" r:id="rId6" imgW="2514600" imgH="228600" progId="Equation.DSMT4">
+                <p:oleObj spid="_x0000_s433206" name="Equation" r:id="rId6" imgW="2514600" imgH="228600" progId="Equation.DSMT4">
                   <p:embed/>
                 </p:oleObj>
               </mc:Choice>
@@ -11970,7 +12758,7 @@
           <a:graphicData uri="http://schemas.openxmlformats.org/presentationml/2006/ole">
             <mc:AlternateContent xmlns:mc="http://schemas.openxmlformats.org/markup-compatibility/2006">
               <mc:Choice xmlns:v="urn:schemas-microsoft-com:vml" Requires="v">
-                <p:oleObj spid="_x0000_s433198" name="Equation" r:id="rId8" imgW="1866900" imgH="228600" progId="Equation.DSMT4">
+                <p:oleObj spid="_x0000_s433207" name="Equation" r:id="rId8" imgW="1866900" imgH="228600" progId="Equation.DSMT4">
                   <p:embed/>
                 </p:oleObj>
               </mc:Choice>
@@ -12027,7 +12815,7 @@
           <a:graphicData uri="http://schemas.openxmlformats.org/presentationml/2006/ole">
             <mc:AlternateContent xmlns:mc="http://schemas.openxmlformats.org/markup-compatibility/2006">
               <mc:Choice xmlns:v="urn:schemas-microsoft-com:vml" Requires="v">
-                <p:oleObj spid="_x0000_s433199" name="Equation" r:id="rId10" imgW="1689100" imgH="254000" progId="Equation.DSMT4">
+                <p:oleObj spid="_x0000_s433208" name="Equation" r:id="rId10" imgW="1689100" imgH="254000" progId="Equation.DSMT4">
                   <p:embed/>
                 </p:oleObj>
               </mc:Choice>
@@ -12140,7 +12928,7 @@
                             </p:stCondLst>
                             <p:childTnLst>
                               <p:par>
-                                <p:cTn id="5" presetID="10" presetClass="entr" presetSubtype="0" fill="hold" nodeType="clickEffect">
+                                <p:cTn id="5" presetID="10" presetClass="entr" presetSubtype="0" fill="hold" grpId="0" nodeType="clickEffect">
                                   <p:stCondLst>
                                     <p:cond delay="0"/>
                                   </p:stCondLst>
@@ -12148,59 +12936,6 @@
                                     <p:set>
                                       <p:cBhvr>
                                         <p:cTn id="6" dur="1" fill="hold">
-                                          <p:stCondLst>
-                                            <p:cond delay="0"/>
-                                          </p:stCondLst>
-                                        </p:cTn>
-                                        <p:tgtEl>
-                                          <p:spTgt spid="14"/>
-                                        </p:tgtEl>
-                                        <p:attrNameLst>
-                                          <p:attrName>style.visibility</p:attrName>
-                                        </p:attrNameLst>
-                                      </p:cBhvr>
-                                      <p:to>
-                                        <p:strVal val="visible"/>
-                                      </p:to>
-                                    </p:set>
-                                    <p:animEffect transition="in" filter="fade">
-                                      <p:cBhvr>
-                                        <p:cTn id="7" dur="500"/>
-                                        <p:tgtEl>
-                                          <p:spTgt spid="14"/>
-                                        </p:tgtEl>
-                                      </p:cBhvr>
-                                    </p:animEffect>
-                                  </p:childTnLst>
-                                </p:cTn>
-                              </p:par>
-                            </p:childTnLst>
-                          </p:cTn>
-                        </p:par>
-                      </p:childTnLst>
-                    </p:cTn>
-                  </p:par>
-                  <p:par>
-                    <p:cTn id="8" fill="hold">
-                      <p:stCondLst>
-                        <p:cond delay="indefinite"/>
-                      </p:stCondLst>
-                      <p:childTnLst>
-                        <p:par>
-                          <p:cTn id="9" fill="hold">
-                            <p:stCondLst>
-                              <p:cond delay="0"/>
-                            </p:stCondLst>
-                            <p:childTnLst>
-                              <p:par>
-                                <p:cTn id="10" presetID="10" presetClass="entr" presetSubtype="0" fill="hold" grpId="0" nodeType="clickEffect">
-                                  <p:stCondLst>
-                                    <p:cond delay="0"/>
-                                  </p:stCondLst>
-                                  <p:childTnLst>
-                                    <p:set>
-                                      <p:cBhvr>
-                                        <p:cTn id="11" dur="1" fill="hold">
                                           <p:stCondLst>
                                             <p:cond delay="0"/>
                                           </p:stCondLst>
@@ -12218,7 +12953,7 @@
                                     </p:set>
                                     <p:animEffect transition="in" filter="fade">
                                       <p:cBhvr>
-                                        <p:cTn id="12" dur="500"/>
+                                        <p:cTn id="7" dur="500"/>
                                         <p:tgtEl>
                                           <p:spTgt spid="15"/>
                                         </p:tgtEl>
@@ -12261,7 +12996,7 @@
 </p:sld>
 </file>
 
-<file path=ppt/slides/slide21.xml><?xml version="1.0" encoding="utf-8"?>
+<file path=ppt/slides/slide23.xml><?xml version="1.0" encoding="utf-8"?>
 <p:sld xmlns:a="http://schemas.openxmlformats.org/drawingml/2006/main" xmlns:r="http://schemas.openxmlformats.org/officeDocument/2006/relationships" xmlns:p="http://schemas.openxmlformats.org/presentationml/2006/main">
   <p:cSld>
     <p:spTree>
@@ -12287,7 +13022,7 @@
           <p:nvPr>
             <p:extLst>
               <p:ext uri="{D42A27DB-BD31-4B8C-83A1-F6EECF244321}">
-                <p14:modId xmlns:p14="http://schemas.microsoft.com/office/powerpoint/2010/main" val="1294377840"/>
+                <p14:modId xmlns:p14="http://schemas.microsoft.com/office/powerpoint/2010/main" val="384585799"/>
               </p:ext>
             </p:extLst>
           </p:nvPr>
@@ -12300,7 +13035,7 @@
           <a:graphicData uri="http://schemas.openxmlformats.org/presentationml/2006/ole">
             <mc:AlternateContent xmlns:mc="http://schemas.openxmlformats.org/markup-compatibility/2006">
               <mc:Choice xmlns:v="urn:schemas-microsoft-com:vml" Requires="v">
-                <p:oleObj spid="_x0000_s441392" name="Equation" r:id="rId4" imgW="1371600" imgH="482600" progId="Equation.DSMT4">
+                <p:oleObj spid="_x0000_s441403" name="Equation" r:id="rId4" imgW="1371600" imgH="482600" progId="Equation.DSMT4">
                   <p:embed/>
                 </p:oleObj>
               </mc:Choice>
@@ -12390,7 +13125,7 @@
             <a:fld id="{3251DA95-B240-47FE-901D-B78FC8E8E532}" type="slidenum">
               <a:rPr lang="en-US" smtClean="0"/>
               <a:pPr/>
-              <a:t>21</a:t>
+              <a:t>23</a:t>
             </a:fld>
             <a:endParaRPr lang="en-US" dirty="0"/>
           </a:p>
@@ -12418,7 +13153,7 @@
           <a:graphicData uri="http://schemas.openxmlformats.org/presentationml/2006/ole">
             <mc:AlternateContent xmlns:mc="http://schemas.openxmlformats.org/markup-compatibility/2006">
               <mc:Choice xmlns:v="urn:schemas-microsoft-com:vml" Requires="v">
-                <p:oleObj spid="_x0000_s441393" name="Equation" r:id="rId6" imgW="2108200" imgH="228600" progId="Equation.DSMT4">
+                <p:oleObj spid="_x0000_s441404" name="Equation" r:id="rId6" imgW="2108200" imgH="228600" progId="Equation.DSMT4">
                   <p:embed/>
                 </p:oleObj>
               </mc:Choice>
@@ -12475,7 +13210,7 @@
           <a:graphicData uri="http://schemas.openxmlformats.org/presentationml/2006/ole">
             <mc:AlternateContent xmlns:mc="http://schemas.openxmlformats.org/markup-compatibility/2006">
               <mc:Choice xmlns:v="urn:schemas-microsoft-com:vml" Requires="v">
-                <p:oleObj spid="_x0000_s441394" name="Equation" r:id="rId8" imgW="2514600" imgH="228600" progId="Equation.DSMT4">
+                <p:oleObj spid="_x0000_s441405" name="Equation" r:id="rId8" imgW="2514600" imgH="228600" progId="Equation.DSMT4">
                   <p:embed/>
                 </p:oleObj>
               </mc:Choice>
@@ -12532,7 +13267,7 @@
           <a:graphicData uri="http://schemas.openxmlformats.org/presentationml/2006/ole">
             <mc:AlternateContent xmlns:mc="http://schemas.openxmlformats.org/markup-compatibility/2006">
               <mc:Choice xmlns:v="urn:schemas-microsoft-com:vml" Requires="v">
-                <p:oleObj spid="_x0000_s441395" name="Equation" r:id="rId10" imgW="1866900" imgH="228600" progId="Equation.DSMT4">
+                <p:oleObj spid="_x0000_s441406" name="Equation" r:id="rId10" imgW="1866900" imgH="228600" progId="Equation.DSMT4">
                   <p:embed/>
                 </p:oleObj>
               </mc:Choice>
@@ -12589,7 +13324,7 @@
           <a:graphicData uri="http://schemas.openxmlformats.org/presentationml/2006/ole">
             <mc:AlternateContent xmlns:mc="http://schemas.openxmlformats.org/markup-compatibility/2006">
               <mc:Choice xmlns:v="urn:schemas-microsoft-com:vml" Requires="v">
-                <p:oleObj spid="_x0000_s441396" name="Equation" r:id="rId12" imgW="1689100" imgH="254000" progId="Equation.DSMT4">
+                <p:oleObj spid="_x0000_s441407" name="Equation" r:id="rId12" imgW="1689100" imgH="254000" progId="Equation.DSMT4">
                   <p:embed/>
                 </p:oleObj>
               </mc:Choice>
@@ -12656,7 +13391,7 @@
 </p:sld>
 </file>
 
-<file path=ppt/slides/slide22.xml><?xml version="1.0" encoding="utf-8"?>
+<file path=ppt/slides/slide24.xml><?xml version="1.0" encoding="utf-8"?>
 <p:sld xmlns:a="http://schemas.openxmlformats.org/drawingml/2006/main" xmlns:r="http://schemas.openxmlformats.org/officeDocument/2006/relationships" xmlns:p="http://schemas.openxmlformats.org/presentationml/2006/main">
   <p:cSld>
     <p:spTree>
@@ -12695,7 +13430,7 @@
           <a:graphicData uri="http://schemas.openxmlformats.org/presentationml/2006/ole">
             <mc:AlternateContent xmlns:mc="http://schemas.openxmlformats.org/markup-compatibility/2006">
               <mc:Choice xmlns:v="urn:schemas-microsoft-com:vml" Requires="v">
-                <p:oleObj spid="_x0000_s424033" name="Equation" r:id="rId4" imgW="1371600" imgH="482600" progId="Equation.DSMT4">
+                <p:oleObj spid="_x0000_s424035" name="Equation" r:id="rId4" imgW="1371600" imgH="482600" progId="Equation.DSMT4">
                   <p:embed/>
                 </p:oleObj>
               </mc:Choice>
@@ -12785,7 +13520,7 @@
             <a:fld id="{3251DA95-B240-47FE-901D-B78FC8E8E532}" type="slidenum">
               <a:rPr lang="en-US" smtClean="0"/>
               <a:pPr/>
-              <a:t>22</a:t>
+              <a:t>24</a:t>
             </a:fld>
             <a:endParaRPr lang="en-US" dirty="0"/>
           </a:p>
@@ -12823,7 +13558,7 @@
 </p:sld>
 </file>
 
-<file path=ppt/slides/slide23.xml><?xml version="1.0" encoding="utf-8"?>
+<file path=ppt/slides/slide25.xml><?xml version="1.0" encoding="utf-8"?>
 <p:sld xmlns:a="http://schemas.openxmlformats.org/drawingml/2006/main" xmlns:r="http://schemas.openxmlformats.org/officeDocument/2006/relationships" xmlns:p="http://schemas.openxmlformats.org/presentationml/2006/main">
   <p:cSld>
     <p:spTree>
@@ -12862,7 +13597,7 @@
           <a:graphicData uri="http://schemas.openxmlformats.org/presentationml/2006/ole">
             <mc:AlternateContent xmlns:mc="http://schemas.openxmlformats.org/markup-compatibility/2006">
               <mc:Choice xmlns:v="urn:schemas-microsoft-com:vml" Requires="v">
-                <p:oleObj spid="_x0000_s444437" name="Equation" r:id="rId4" imgW="1371600" imgH="482600" progId="Equation.DSMT4">
+                <p:oleObj spid="_x0000_s444440" name="Equation" r:id="rId4" imgW="1371600" imgH="482600" progId="Equation.DSMT4">
                   <p:embed/>
                 </p:oleObj>
               </mc:Choice>
@@ -12952,7 +13687,7 @@
             <a:fld id="{3251DA95-B240-47FE-901D-B78FC8E8E532}" type="slidenum">
               <a:rPr lang="en-US" smtClean="0"/>
               <a:pPr/>
-              <a:t>23</a:t>
+              <a:t>25</a:t>
             </a:fld>
             <a:endParaRPr lang="en-US" dirty="0"/>
           </a:p>
@@ -13032,7 +13767,7 @@
             <a:graphicData uri="http://schemas.openxmlformats.org/presentationml/2006/ole">
               <mc:AlternateContent xmlns:mc="http://schemas.openxmlformats.org/markup-compatibility/2006">
                 <mc:Choice xmlns:v="urn:schemas-microsoft-com:vml" Requires="v">
-                  <p:oleObj spid="_x0000_s444438" name="Equation" r:id="rId6" imgW="139700" imgH="215900" progId="Equation.DSMT4">
+                  <p:oleObj spid="_x0000_s444441" name="Equation" r:id="rId6" imgW="139700" imgH="215900" progId="Equation.DSMT4">
                     <p:embed/>
                   </p:oleObj>
                 </mc:Choice>
@@ -13100,7 +13835,7 @@
 </p:sld>
 </file>
 
-<file path=ppt/slides/slide24.xml><?xml version="1.0" encoding="utf-8"?>
+<file path=ppt/slides/slide26.xml><?xml version="1.0" encoding="utf-8"?>
 <p:sld xmlns:a="http://schemas.openxmlformats.org/drawingml/2006/main" xmlns:r="http://schemas.openxmlformats.org/officeDocument/2006/relationships" xmlns:p="http://schemas.openxmlformats.org/presentationml/2006/main">
   <p:cSld>
     <p:spTree>
@@ -13139,7 +13874,7 @@
           <a:graphicData uri="http://schemas.openxmlformats.org/presentationml/2006/ole">
             <mc:AlternateContent xmlns:mc="http://schemas.openxmlformats.org/markup-compatibility/2006">
               <mc:Choice xmlns:v="urn:schemas-microsoft-com:vml" Requires="v">
-                <p:oleObj spid="_x0000_s442393" name="Equation" r:id="rId4" imgW="1371600" imgH="482600" progId="Equation.DSMT4">
+                <p:oleObj spid="_x0000_s442398" name="Equation" r:id="rId4" imgW="1371600" imgH="482600" progId="Equation.DSMT4">
                   <p:embed/>
                 </p:oleObj>
               </mc:Choice>
@@ -13183,7 +13918,7 @@
           <p:nvPr>
             <p:extLst>
               <p:ext uri="{D42A27DB-BD31-4B8C-83A1-F6EECF244321}">
-                <p14:modId xmlns:p14="http://schemas.microsoft.com/office/powerpoint/2010/main" val="424338693"/>
+                <p14:modId xmlns:p14="http://schemas.microsoft.com/office/powerpoint/2010/main" val="1335376093"/>
               </p:ext>
             </p:extLst>
           </p:nvPr>
@@ -13196,7 +13931,7 @@
           <a:graphicData uri="http://schemas.openxmlformats.org/presentationml/2006/ole">
             <mc:AlternateContent xmlns:mc="http://schemas.openxmlformats.org/markup-compatibility/2006">
               <mc:Choice xmlns:v="urn:schemas-microsoft-com:vml" Requires="v">
-                <p:oleObj spid="_x0000_s442394" name="Equation" r:id="rId6" imgW="1803400" imgH="482600" progId="Equation.DSMT4">
+                <p:oleObj spid="_x0000_s442399" name="Equation" r:id="rId6" imgW="1803400" imgH="482600" progId="Equation.DSMT4">
                   <p:embed/>
                 </p:oleObj>
               </mc:Choice>
@@ -13286,7 +14021,7 @@
             <a:fld id="{3251DA95-B240-47FE-901D-B78FC8E8E532}" type="slidenum">
               <a:rPr lang="en-US" smtClean="0"/>
               <a:pPr/>
-              <a:t>24</a:t>
+              <a:t>26</a:t>
             </a:fld>
             <a:endParaRPr lang="en-US" dirty="0"/>
           </a:p>
@@ -13324,7 +14059,7 @@
 </p:sld>
 </file>
 
-<file path=ppt/slides/slide25.xml><?xml version="1.0" encoding="utf-8"?>
+<file path=ppt/slides/slide27.xml><?xml version="1.0" encoding="utf-8"?>
 <p:sld xmlns:a="http://schemas.openxmlformats.org/drawingml/2006/main" xmlns:r="http://schemas.openxmlformats.org/officeDocument/2006/relationships" xmlns:p="http://schemas.openxmlformats.org/presentationml/2006/main">
   <p:cSld>
     <p:spTree>
@@ -13363,7 +14098,7 @@
           <a:graphicData uri="http://schemas.openxmlformats.org/presentationml/2006/ole">
             <mc:AlternateContent xmlns:mc="http://schemas.openxmlformats.org/markup-compatibility/2006">
               <mc:Choice xmlns:v="urn:schemas-microsoft-com:vml" Requires="v">
-                <p:oleObj spid="_x0000_s446494" name="Equation" r:id="rId4" imgW="1371600" imgH="482600" progId="Equation.DSMT4">
+                <p:oleObj spid="_x0000_s446498" name="Equation" r:id="rId4" imgW="1371600" imgH="482600" progId="Equation.DSMT4">
                   <p:embed/>
                 </p:oleObj>
               </mc:Choice>
@@ -13420,7 +14155,7 @@
           <a:graphicData uri="http://schemas.openxmlformats.org/presentationml/2006/ole">
             <mc:AlternateContent xmlns:mc="http://schemas.openxmlformats.org/markup-compatibility/2006">
               <mc:Choice xmlns:v="urn:schemas-microsoft-com:vml" Requires="v">
-                <p:oleObj spid="_x0000_s446495" name="Equation" r:id="rId6" imgW="1803400" imgH="482600" progId="Equation.DSMT4">
+                <p:oleObj spid="_x0000_s446499" name="Equation" r:id="rId6" imgW="1803400" imgH="482600" progId="Equation.DSMT4">
                   <p:embed/>
                 </p:oleObj>
               </mc:Choice>
@@ -13510,7 +14245,7 @@
             <a:fld id="{3251DA95-B240-47FE-901D-B78FC8E8E532}" type="slidenum">
               <a:rPr lang="en-US" smtClean="0"/>
               <a:pPr/>
-              <a:t>25</a:t>
+              <a:t>27</a:t>
             </a:fld>
             <a:endParaRPr lang="en-US" dirty="0"/>
           </a:p>
@@ -13590,7 +14325,7 @@
             <a:graphicData uri="http://schemas.openxmlformats.org/presentationml/2006/ole">
               <mc:AlternateContent xmlns:mc="http://schemas.openxmlformats.org/markup-compatibility/2006">
                 <mc:Choice xmlns:v="urn:schemas-microsoft-com:vml" Requires="v">
-                  <p:oleObj spid="_x0000_s446496" name="Equation" r:id="rId8" imgW="177800" imgH="241300" progId="Equation.DSMT4">
+                  <p:oleObj spid="_x0000_s446500" name="Equation" r:id="rId8" imgW="177800" imgH="241300" progId="Equation.DSMT4">
                     <p:embed/>
                   </p:oleObj>
                 </mc:Choice>
@@ -13649,7 +14384,7 @@
 </p:sld>
 </file>
 
-<file path=ppt/slides/slide26.xml><?xml version="1.0" encoding="utf-8"?>
+<file path=ppt/slides/slide28.xml><?xml version="1.0" encoding="utf-8"?>
 <p:sld xmlns:a="http://schemas.openxmlformats.org/drawingml/2006/main" xmlns:r="http://schemas.openxmlformats.org/officeDocument/2006/relationships" xmlns:p="http://schemas.openxmlformats.org/presentationml/2006/main">
   <p:cSld>
     <p:spTree>
@@ -13675,7 +14410,7 @@
           <p:nvPr>
             <p:extLst>
               <p:ext uri="{D42A27DB-BD31-4B8C-83A1-F6EECF244321}">
-                <p14:modId xmlns:p14="http://schemas.microsoft.com/office/powerpoint/2010/main" val="3944234809"/>
+                <p14:modId xmlns:p14="http://schemas.microsoft.com/office/powerpoint/2010/main" val="2471797077"/>
               </p:ext>
             </p:extLst>
           </p:nvPr>
@@ -13688,7 +14423,7 @@
           <a:graphicData uri="http://schemas.openxmlformats.org/presentationml/2006/ole">
             <mc:AlternateContent xmlns:mc="http://schemas.openxmlformats.org/markup-compatibility/2006">
               <mc:Choice xmlns:v="urn:schemas-microsoft-com:vml" Requires="v">
-                <p:oleObj spid="_x0000_s445472" name="Equation" r:id="rId4" imgW="1854200" imgH="482600" progId="Equation.DSMT4">
+                <p:oleObj spid="_x0000_s445479" name="Equation" r:id="rId4" imgW="1854200" imgH="482600" progId="Equation.DSMT4">
                   <p:embed/>
                 </p:oleObj>
               </mc:Choice>
@@ -13745,7 +14480,7 @@
           <a:graphicData uri="http://schemas.openxmlformats.org/presentationml/2006/ole">
             <mc:AlternateContent xmlns:mc="http://schemas.openxmlformats.org/markup-compatibility/2006">
               <mc:Choice xmlns:v="urn:schemas-microsoft-com:vml" Requires="v">
-                <p:oleObj spid="_x0000_s445473" name="Equation" r:id="rId6" imgW="1371600" imgH="482600" progId="Equation.DSMT4">
+                <p:oleObj spid="_x0000_s445480" name="Equation" r:id="rId6" imgW="1371600" imgH="482600" progId="Equation.DSMT4">
                   <p:embed/>
                 </p:oleObj>
               </mc:Choice>
@@ -13802,7 +14537,7 @@
           <a:graphicData uri="http://schemas.openxmlformats.org/presentationml/2006/ole">
             <mc:AlternateContent xmlns:mc="http://schemas.openxmlformats.org/markup-compatibility/2006">
               <mc:Choice xmlns:v="urn:schemas-microsoft-com:vml" Requires="v">
-                <p:oleObj spid="_x0000_s445474" name="Equation" r:id="rId8" imgW="1803400" imgH="482600" progId="Equation.DSMT4">
+                <p:oleObj spid="_x0000_s445481" name="Equation" r:id="rId8" imgW="1803400" imgH="482600" progId="Equation.DSMT4">
                   <p:embed/>
                 </p:oleObj>
               </mc:Choice>
@@ -13892,72 +14627,9 @@
             <a:fld id="{3251DA95-B240-47FE-901D-B78FC8E8E532}" type="slidenum">
               <a:rPr lang="en-US" smtClean="0"/>
               <a:pPr/>
-              <a:t>26</a:t>
+              <a:t>28</a:t>
             </a:fld>
             <a:endParaRPr lang="en-US" dirty="0"/>
-          </a:p>
-        </p:txBody>
-      </p:sp>
-      <p:sp>
-        <p:nvSpPr>
-          <p:cNvPr id="25" name="Rounded Rectangle 24"/>
-          <p:cNvSpPr/>
-          <p:nvPr/>
-        </p:nvSpPr>
-        <p:spPr bwMode="auto">
-          <a:xfrm>
-            <a:off x="965200" y="4533900"/>
-            <a:ext cx="7289800" cy="1879600"/>
-          </a:xfrm>
-          <a:prstGeom prst="roundRect">
-            <a:avLst/>
-          </a:prstGeom>
-          <a:noFill/>
-          <a:ln w="41275" cap="flat" cmpd="sng" algn="ctr">
-            <a:solidFill>
-              <a:srgbClr val="FF03E3"/>
-            </a:solidFill>
-            <a:prstDash val="sysDash"/>
-            <a:round/>
-            <a:headEnd type="none" w="med" len="med"/>
-            <a:tailEnd type="none" w="med" len="med"/>
-          </a:ln>
-          <a:effectLst/>
-        </p:spPr>
-        <p:txBody>
-          <a:bodyPr vert="horz" wrap="none" lIns="91440" tIns="45720" rIns="91440" bIns="45720" numCol="1" rtlCol="0" anchor="ctr" anchorCtr="0" compatLnSpc="1">
-            <a:prstTxWarp prst="textNoShape">
-              <a:avLst/>
-            </a:prstTxWarp>
-          </a:bodyPr>
-          <a:lstStyle/>
-          <a:p>
-            <a:pPr marL="0" marR="0" indent="0" algn="ctr" defTabSz="914400" rtl="0" eaLnBrk="1" fontAlgn="base" latinLnBrk="0" hangingPunct="1">
-              <a:lnSpc>
-                <a:spcPct val="100000"/>
-              </a:lnSpc>
-              <a:spcBef>
-                <a:spcPct val="0"/>
-              </a:spcBef>
-              <a:spcAft>
-                <a:spcPct val="0"/>
-              </a:spcAft>
-              <a:buClrTx/>
-              <a:buSzTx/>
-              <a:buFontTx/>
-              <a:buNone/>
-              <a:tabLst/>
-            </a:pPr>
-            <a:endParaRPr kumimoji="0" lang="en-US" sz="3200" b="0" i="0" u="none" strike="noStrike" cap="none" normalizeH="0" baseline="0" smtClean="0">
-              <a:ln>
-                <a:noFill/>
-              </a:ln>
-              <a:solidFill>
-                <a:schemeClr val="tx1"/>
-              </a:solidFill>
-              <a:effectLst/>
-              <a:latin typeface="Times New Roman" pitchFamily="18" charset="0"/>
-            </a:endParaRPr>
           </a:p>
         </p:txBody>
       </p:sp>
@@ -13977,178 +14649,15 @@
   <p:timing>
     <p:tnLst>
       <p:par>
-        <p:cTn xmlns:p14="http://schemas.microsoft.com/office/powerpoint/2010/main" id="1" dur="indefinite" restart="never" nodeType="tmRoot">
-          <p:childTnLst>
-            <p:seq concurrent="1" nextAc="seek">
-              <p:cTn id="2" dur="indefinite" nodeType="mainSeq">
-                <p:childTnLst>
-                  <p:par>
-                    <p:cTn id="3" fill="hold">
-                      <p:stCondLst>
-                        <p:cond delay="indefinite"/>
-                      </p:stCondLst>
-                      <p:childTnLst>
-                        <p:par>
-                          <p:cTn id="4" fill="hold">
-                            <p:stCondLst>
-                              <p:cond delay="0"/>
-                            </p:stCondLst>
-                            <p:childTnLst>
-                              <p:par>
-                                <p:cTn id="5" presetID="15" presetClass="entr" presetSubtype="0" fill="hold" grpId="0" nodeType="clickEffect">
-                                  <p:stCondLst>
-                                    <p:cond delay="0"/>
-                                  </p:stCondLst>
-                                  <p:childTnLst>
-                                    <p:set>
-                                      <p:cBhvr>
-                                        <p:cTn id="6" dur="1" fill="hold">
-                                          <p:stCondLst>
-                                            <p:cond delay="0"/>
-                                          </p:stCondLst>
-                                        </p:cTn>
-                                        <p:tgtEl>
-                                          <p:spTgt spid="25"/>
-                                        </p:tgtEl>
-                                        <p:attrNameLst>
-                                          <p:attrName>style.visibility</p:attrName>
-                                        </p:attrNameLst>
-                                      </p:cBhvr>
-                                      <p:to>
-                                        <p:strVal val="visible"/>
-                                      </p:to>
-                                    </p:set>
-                                    <p:anim calcmode="lin" valueType="num">
-                                      <p:cBhvr>
-                                        <p:cTn id="7" dur="1000" fill="hold"/>
-                                        <p:tgtEl>
-                                          <p:spTgt spid="25"/>
-                                        </p:tgtEl>
-                                        <p:attrNameLst>
-                                          <p:attrName>ppt_w</p:attrName>
-                                        </p:attrNameLst>
-                                      </p:cBhvr>
-                                      <p:tavLst>
-                                        <p:tav tm="0">
-                                          <p:val>
-                                            <p:fltVal val="0"/>
-                                          </p:val>
-                                        </p:tav>
-                                        <p:tav tm="100000">
-                                          <p:val>
-                                            <p:strVal val="#ppt_w"/>
-                                          </p:val>
-                                        </p:tav>
-                                      </p:tavLst>
-                                    </p:anim>
-                                    <p:anim calcmode="lin" valueType="num">
-                                      <p:cBhvr>
-                                        <p:cTn id="8" dur="1000" fill="hold"/>
-                                        <p:tgtEl>
-                                          <p:spTgt spid="25"/>
-                                        </p:tgtEl>
-                                        <p:attrNameLst>
-                                          <p:attrName>ppt_h</p:attrName>
-                                        </p:attrNameLst>
-                                      </p:cBhvr>
-                                      <p:tavLst>
-                                        <p:tav tm="0">
-                                          <p:val>
-                                            <p:fltVal val="0"/>
-                                          </p:val>
-                                        </p:tav>
-                                        <p:tav tm="100000">
-                                          <p:val>
-                                            <p:strVal val="#ppt_h"/>
-                                          </p:val>
-                                        </p:tav>
-                                      </p:tavLst>
-                                    </p:anim>
-                                    <p:anim calcmode="lin" valueType="num">
-                                      <p:cBhvr>
-                                        <p:cTn id="9" dur="1000" fill="hold"/>
-                                        <p:tgtEl>
-                                          <p:spTgt spid="25"/>
-                                        </p:tgtEl>
-                                        <p:attrNameLst>
-                                          <p:attrName>ppt_x</p:attrName>
-                                        </p:attrNameLst>
-                                      </p:cBhvr>
-                                      <p:tavLst>
-                                        <p:tav tm="0" fmla="#ppt_x+(cos(-2*pi*(1-$))*-#ppt_x-sin(-2*pi*(1-$))*(1-#ppt_y))*(1-$)">
-                                          <p:val>
-                                            <p:fltVal val="0"/>
-                                          </p:val>
-                                        </p:tav>
-                                        <p:tav tm="100000">
-                                          <p:val>
-                                            <p:fltVal val="1"/>
-                                          </p:val>
-                                        </p:tav>
-                                      </p:tavLst>
-                                    </p:anim>
-                                    <p:anim calcmode="lin" valueType="num">
-                                      <p:cBhvr>
-                                        <p:cTn id="10" dur="1000" fill="hold"/>
-                                        <p:tgtEl>
-                                          <p:spTgt spid="25"/>
-                                        </p:tgtEl>
-                                        <p:attrNameLst>
-                                          <p:attrName>ppt_y</p:attrName>
-                                        </p:attrNameLst>
-                                      </p:cBhvr>
-                                      <p:tavLst>
-                                        <p:tav tm="0" fmla="#ppt_y+(sin(-2*pi*(1-$))*-#ppt_x+cos(-2*pi*(1-$))*(1-#ppt_y))*(1-$)">
-                                          <p:val>
-                                            <p:fltVal val="0"/>
-                                          </p:val>
-                                        </p:tav>
-                                        <p:tav tm="100000">
-                                          <p:val>
-                                            <p:fltVal val="1"/>
-                                          </p:val>
-                                        </p:tav>
-                                      </p:tavLst>
-                                    </p:anim>
-                                  </p:childTnLst>
-                                </p:cTn>
-                              </p:par>
-                            </p:childTnLst>
-                          </p:cTn>
-                        </p:par>
-                      </p:childTnLst>
-                    </p:cTn>
-                  </p:par>
-                </p:childTnLst>
-              </p:cTn>
-              <p:prevCondLst>
-                <p:cond evt="onPrev" delay="0">
-                  <p:tgtEl>
-                    <p:sldTgt/>
-                  </p:tgtEl>
-                </p:cond>
-              </p:prevCondLst>
-              <p:nextCondLst>
-                <p:cond evt="onNext" delay="0">
-                  <p:tgtEl>
-                    <p:sldTgt/>
-                  </p:tgtEl>
-                </p:cond>
-              </p:nextCondLst>
-            </p:seq>
-          </p:childTnLst>
-        </p:cTn>
+        <p:cTn xmlns:p14="http://schemas.microsoft.com/office/powerpoint/2010/main" id="1" dur="indefinite" restart="never" nodeType="tmRoot"/>
       </p:par>
     </p:tnLst>
-    <p:bldLst>
-      <p:bldP spid="25" grpId="0" animBg="1"/>
-    </p:bldLst>
   </p:timing>
 </p:sld>
 </file>
 
-<file path=ppt/slides/slide27.xml><?xml version="1.0" encoding="utf-8"?>
-<p:sld xmlns:a="http://schemas.openxmlformats.org/drawingml/2006/main" xmlns:r="http://schemas.openxmlformats.org/officeDocument/2006/relationships" xmlns:p="http://schemas.openxmlformats.org/presentationml/2006/main" show="0">
+<file path=ppt/slides/slide29.xml><?xml version="1.0" encoding="utf-8"?>
+<p:sld xmlns:a="http://schemas.openxmlformats.org/drawingml/2006/main" xmlns:r="http://schemas.openxmlformats.org/officeDocument/2006/relationships" xmlns:p="http://schemas.openxmlformats.org/presentationml/2006/main">
   <p:cSld>
     <p:spTree>
       <p:nvGrpSpPr>
@@ -14173,7 +14682,7 @@
           <p:nvPr>
             <p:extLst>
               <p:ext uri="{D42A27DB-BD31-4B8C-83A1-F6EECF244321}">
-                <p14:modId xmlns:p14="http://schemas.microsoft.com/office/powerpoint/2010/main" val="792528227"/>
+                <p14:modId xmlns:p14="http://schemas.microsoft.com/office/powerpoint/2010/main" val="2987080303"/>
               </p:ext>
             </p:extLst>
           </p:nvPr>
@@ -14186,7 +14695,7 @@
           <a:graphicData uri="http://schemas.openxmlformats.org/presentationml/2006/ole">
             <mc:AlternateContent xmlns:mc="http://schemas.openxmlformats.org/markup-compatibility/2006">
               <mc:Choice xmlns:v="urn:schemas-microsoft-com:vml" Requires="v">
-                <p:oleObj spid="_x0000_s443431" name="Equation" r:id="rId4" imgW="1854200" imgH="482600" progId="Equation.DSMT4">
+                <p:oleObj spid="_x0000_s480260" name="Equation" r:id="rId4" imgW="1854200" imgH="482600" progId="Equation.DSMT4">
                   <p:embed/>
                 </p:oleObj>
               </mc:Choice>
@@ -14230,7 +14739,7 @@
           <p:nvPr>
             <p:extLst>
               <p:ext uri="{D42A27DB-BD31-4B8C-83A1-F6EECF244321}">
-                <p14:modId xmlns:p14="http://schemas.microsoft.com/office/powerpoint/2010/main" val="220618166"/>
+                <p14:modId xmlns:p14="http://schemas.microsoft.com/office/powerpoint/2010/main" val="307779116"/>
               </p:ext>
             </p:extLst>
           </p:nvPr>
@@ -14243,7 +14752,7 @@
           <a:graphicData uri="http://schemas.openxmlformats.org/presentationml/2006/ole">
             <mc:AlternateContent xmlns:mc="http://schemas.openxmlformats.org/markup-compatibility/2006">
               <mc:Choice xmlns:v="urn:schemas-microsoft-com:vml" Requires="v">
-                <p:oleObj spid="_x0000_s443432" name="Equation" r:id="rId6" imgW="1371600" imgH="482600" progId="Equation.DSMT4">
+                <p:oleObj spid="_x0000_s480261" name="Equation" r:id="rId6" imgW="1371600" imgH="482600" progId="Equation.DSMT4">
                   <p:embed/>
                 </p:oleObj>
               </mc:Choice>
@@ -14287,7 +14796,7 @@
           <p:nvPr>
             <p:extLst>
               <p:ext uri="{D42A27DB-BD31-4B8C-83A1-F6EECF244321}">
-                <p14:modId xmlns:p14="http://schemas.microsoft.com/office/powerpoint/2010/main" val="1357939897"/>
+                <p14:modId xmlns:p14="http://schemas.microsoft.com/office/powerpoint/2010/main" val="835427458"/>
               </p:ext>
             </p:extLst>
           </p:nvPr>
@@ -14300,7 +14809,7 @@
           <a:graphicData uri="http://schemas.openxmlformats.org/presentationml/2006/ole">
             <mc:AlternateContent xmlns:mc="http://schemas.openxmlformats.org/markup-compatibility/2006">
               <mc:Choice xmlns:v="urn:schemas-microsoft-com:vml" Requires="v">
-                <p:oleObj spid="_x0000_s443433" name="Equation" r:id="rId8" imgW="1803400" imgH="482600" progId="Equation.DSMT4">
+                <p:oleObj spid="_x0000_s480262" name="Equation" r:id="rId8" imgW="1803400" imgH="482600" progId="Equation.DSMT4">
                   <p:embed/>
                 </p:oleObj>
               </mc:Choice>
@@ -14390,122 +14899,12 @@
             <a:fld id="{3251DA95-B240-47FE-901D-B78FC8E8E532}" type="slidenum">
               <a:rPr lang="en-US" smtClean="0"/>
               <a:pPr/>
-              <a:t>27</a:t>
+              <a:t>29</a:t>
             </a:fld>
             <a:endParaRPr lang="en-US" dirty="0"/>
           </a:p>
         </p:txBody>
       </p:sp>
-      <p:grpSp>
-        <p:nvGrpSpPr>
-          <p:cNvPr id="6" name="Group 5"/>
-          <p:cNvGrpSpPr/>
-          <p:nvPr/>
-        </p:nvGrpSpPr>
-        <p:grpSpPr>
-          <a:xfrm>
-            <a:off x="2286000" y="4399189"/>
-            <a:ext cx="3803650" cy="922111"/>
-            <a:chOff x="1054100" y="4361089"/>
-            <a:chExt cx="3803650" cy="922111"/>
-          </a:xfrm>
-        </p:grpSpPr>
-        <p:sp>
-          <p:nvSpPr>
-            <p:cNvPr id="21" name="TextBox 20"/>
-            <p:cNvSpPr txBox="1"/>
-            <p:nvPr/>
-          </p:nvSpPr>
-          <p:spPr>
-            <a:xfrm>
-              <a:off x="1054100" y="4401403"/>
-              <a:ext cx="3171962" cy="830997"/>
-            </a:xfrm>
-            <a:prstGeom prst="rect">
-              <a:avLst/>
-            </a:prstGeom>
-            <a:noFill/>
-          </p:spPr>
-          <p:txBody>
-            <a:bodyPr wrap="none" rtlCol="0">
-              <a:spAutoFit/>
-            </a:bodyPr>
-            <a:lstStyle/>
-            <a:p>
-              <a:pPr algn="l"/>
-              <a:r>
-                <a:rPr lang="en-US" sz="4800" dirty="0" smtClean="0">
-                  <a:solidFill>
-                    <a:srgbClr val="FF03E3"/>
-                  </a:solidFill>
-                  <a:latin typeface="Comic Sans MS" pitchFamily="66" charset="0"/>
-                </a:rPr>
-                <a:t>Distribute</a:t>
-              </a:r>
-              <a:endParaRPr lang="en-US" sz="4800" dirty="0" smtClean="0">
-                <a:latin typeface="Comic Sans MS" pitchFamily="66" charset="0"/>
-              </a:endParaRPr>
-            </a:p>
-          </p:txBody>
-        </p:sp>
-        <p:graphicFrame>
-          <p:nvGraphicFramePr>
-            <p:cNvPr id="5" name="Object 4"/>
-            <p:cNvGraphicFramePr>
-              <a:graphicFrameLocks noChangeAspect="1"/>
-            </p:cNvGraphicFramePr>
-            <p:nvPr>
-              <p:extLst>
-                <p:ext uri="{D42A27DB-BD31-4B8C-83A1-F6EECF244321}">
-                  <p14:modId xmlns:p14="http://schemas.microsoft.com/office/powerpoint/2010/main" val="3653038180"/>
-                </p:ext>
-              </p:extLst>
-            </p:nvPr>
-          </p:nvGraphicFramePr>
-          <p:xfrm>
-            <a:off x="4178300" y="4361089"/>
-            <a:ext cx="679450" cy="922111"/>
-          </p:xfrm>
-          <a:graphic>
-            <a:graphicData uri="http://schemas.openxmlformats.org/presentationml/2006/ole">
-              <mc:AlternateContent xmlns:mc="http://schemas.openxmlformats.org/markup-compatibility/2006">
-                <mc:Choice xmlns:v="urn:schemas-microsoft-com:vml" Requires="v">
-                  <p:oleObj spid="_x0000_s443434" name="Equation" r:id="rId10" imgW="177800" imgH="241300" progId="Equation.DSMT4">
-                    <p:embed/>
-                  </p:oleObj>
-                </mc:Choice>
-                <mc:Fallback>
-                  <p:oleObj name="Equation" r:id="rId10" imgW="177800" imgH="241300" progId="Equation.DSMT4">
-                    <p:embed/>
-                    <p:pic>
-                      <p:nvPicPr>
-                        <p:cNvPr id="0" name=""/>
-                        <p:cNvPicPr/>
-                        <p:nvPr/>
-                      </p:nvPicPr>
-                      <p:blipFill>
-                        <a:blip r:embed="rId11"/>
-                        <a:stretch>
-                          <a:fillRect/>
-                        </a:stretch>
-                      </p:blipFill>
-                      <p:spPr>
-                        <a:xfrm>
-                          <a:off x="4178300" y="4361089"/>
-                          <a:ext cx="679450" cy="922111"/>
-                        </a:xfrm>
-                        <a:prstGeom prst="rect">
-                          <a:avLst/>
-                        </a:prstGeom>
-                      </p:spPr>
-                    </p:pic>
-                  </p:oleObj>
-                </mc:Fallback>
-              </mc:AlternateContent>
-            </a:graphicData>
-          </a:graphic>
-        </p:graphicFrame>
-      </p:grpSp>
       <p:sp>
         <p:nvSpPr>
           <p:cNvPr id="25" name="Rounded Rectangle 24"/>
@@ -14572,7 +14971,7 @@
     </p:spTree>
     <p:extLst>
       <p:ext uri="{BB962C8B-B14F-4D97-AF65-F5344CB8AC3E}">
-        <p14:creationId xmlns:p14="http://schemas.microsoft.com/office/powerpoint/2010/main" val="3488246718"/>
+        <p14:creationId xmlns:p14="http://schemas.microsoft.com/office/powerpoint/2010/main" val="35141218"/>
       </p:ext>
     </p:extLst>
   </p:cSld>
@@ -14585,318 +14984,153 @@
   <p:timing>
     <p:tnLst>
       <p:par>
-        <p:cTn xmlns:p14="http://schemas.microsoft.com/office/powerpoint/2010/main" id="1" dur="indefinite" restart="never" nodeType="tmRoot">
-          <p:childTnLst>
-            <p:seq concurrent="1" nextAc="seek">
-              <p:cTn id="2" dur="indefinite" nodeType="mainSeq">
-                <p:childTnLst>
-                  <p:par>
-                    <p:cTn id="3" fill="hold">
-                      <p:stCondLst>
-                        <p:cond delay="indefinite"/>
-                      </p:stCondLst>
-                      <p:childTnLst>
-                        <p:par>
-                          <p:cTn id="4" fill="hold">
-                            <p:stCondLst>
-                              <p:cond delay="0"/>
-                            </p:stCondLst>
-                            <p:childTnLst>
-                              <p:par>
-                                <p:cTn id="5" presetID="10" presetClass="entr" presetSubtype="0" fill="hold" nodeType="clickEffect">
-                                  <p:stCondLst>
-                                    <p:cond delay="0"/>
-                                  </p:stCondLst>
-                                  <p:childTnLst>
-                                    <p:set>
-                                      <p:cBhvr>
-                                        <p:cTn id="6" dur="1" fill="hold">
-                                          <p:stCondLst>
-                                            <p:cond delay="0"/>
-                                          </p:stCondLst>
-                                        </p:cTn>
-                                        <p:tgtEl>
-                                          <p:spTgt spid="6"/>
-                                        </p:tgtEl>
-                                        <p:attrNameLst>
-                                          <p:attrName>style.visibility</p:attrName>
-                                        </p:attrNameLst>
-                                      </p:cBhvr>
-                                      <p:to>
-                                        <p:strVal val="visible"/>
-                                      </p:to>
-                                    </p:set>
-                                    <p:animEffect transition="in" filter="fade">
-                                      <p:cBhvr>
-                                        <p:cTn id="7" dur="1000"/>
-                                        <p:tgtEl>
-                                          <p:spTgt spid="6"/>
-                                        </p:tgtEl>
-                                      </p:cBhvr>
-                                    </p:animEffect>
-                                  </p:childTnLst>
-                                </p:cTn>
-                              </p:par>
-                            </p:childTnLst>
-                          </p:cTn>
-                        </p:par>
-                      </p:childTnLst>
-                    </p:cTn>
-                  </p:par>
-                  <p:par>
-                    <p:cTn id="8" fill="hold">
-                      <p:stCondLst>
-                        <p:cond delay="indefinite"/>
-                      </p:stCondLst>
-                      <p:childTnLst>
-                        <p:par>
-                          <p:cTn id="9" fill="hold">
-                            <p:stCondLst>
-                              <p:cond delay="0"/>
-                            </p:stCondLst>
-                            <p:childTnLst>
-                              <p:par>
-                                <p:cTn id="10" presetID="10" presetClass="entr" presetSubtype="0" fill="hold" nodeType="clickEffect">
-                                  <p:stCondLst>
-                                    <p:cond delay="0"/>
-                                  </p:stCondLst>
-                                  <p:childTnLst>
-                                    <p:set>
-                                      <p:cBhvr>
-                                        <p:cTn id="11" dur="1" fill="hold">
-                                          <p:stCondLst>
-                                            <p:cond delay="0"/>
-                                          </p:stCondLst>
-                                        </p:cTn>
-                                        <p:tgtEl>
-                                          <p:spTgt spid="24"/>
-                                        </p:tgtEl>
-                                        <p:attrNameLst>
-                                          <p:attrName>style.visibility</p:attrName>
-                                        </p:attrNameLst>
-                                      </p:cBhvr>
-                                      <p:to>
-                                        <p:strVal val="visible"/>
-                                      </p:to>
-                                    </p:set>
-                                    <p:animEffect transition="in" filter="fade">
-                                      <p:cBhvr>
-                                        <p:cTn id="12" dur="500"/>
-                                        <p:tgtEl>
-                                          <p:spTgt spid="24"/>
-                                        </p:tgtEl>
-                                      </p:cBhvr>
-                                    </p:animEffect>
-                                  </p:childTnLst>
-                                </p:cTn>
-                              </p:par>
-                              <p:par>
-                                <p:cTn id="13" presetID="9" presetClass="exit" presetSubtype="0" fill="hold" nodeType="withEffect">
-                                  <p:stCondLst>
-                                    <p:cond delay="0"/>
-                                  </p:stCondLst>
-                                  <p:childTnLst>
-                                    <p:animEffect transition="out" filter="dissolve">
-                                      <p:cBhvr>
-                                        <p:cTn id="14" dur="500"/>
-                                        <p:tgtEl>
-                                          <p:spTgt spid="6"/>
-                                        </p:tgtEl>
-                                      </p:cBhvr>
-                                    </p:animEffect>
-                                    <p:set>
-                                      <p:cBhvr>
-                                        <p:cTn id="15" dur="1" fill="hold">
-                                          <p:stCondLst>
-                                            <p:cond delay="499"/>
-                                          </p:stCondLst>
-                                        </p:cTn>
-                                        <p:tgtEl>
-                                          <p:spTgt spid="6"/>
-                                        </p:tgtEl>
-                                        <p:attrNameLst>
-                                          <p:attrName>style.visibility</p:attrName>
-                                        </p:attrNameLst>
-                                      </p:cBhvr>
-                                      <p:to>
-                                        <p:strVal val="hidden"/>
-                                      </p:to>
-                                    </p:set>
-                                  </p:childTnLst>
-                                </p:cTn>
-                              </p:par>
-                            </p:childTnLst>
-                          </p:cTn>
-                        </p:par>
-                      </p:childTnLst>
-                    </p:cTn>
-                  </p:par>
-                  <p:par>
-                    <p:cTn id="16" fill="hold">
-                      <p:stCondLst>
-                        <p:cond delay="indefinite"/>
-                      </p:stCondLst>
-                      <p:childTnLst>
-                        <p:par>
-                          <p:cTn id="17" fill="hold">
-                            <p:stCondLst>
-                              <p:cond delay="0"/>
-                            </p:stCondLst>
-                            <p:childTnLst>
-                              <p:par>
-                                <p:cTn id="18" presetID="15" presetClass="entr" presetSubtype="0" fill="hold" grpId="0" nodeType="clickEffect">
-                                  <p:stCondLst>
-                                    <p:cond delay="0"/>
-                                  </p:stCondLst>
-                                  <p:childTnLst>
-                                    <p:set>
-                                      <p:cBhvr>
-                                        <p:cTn id="19" dur="1" fill="hold">
-                                          <p:stCondLst>
-                                            <p:cond delay="0"/>
-                                          </p:stCondLst>
-                                        </p:cTn>
-                                        <p:tgtEl>
-                                          <p:spTgt spid="25"/>
-                                        </p:tgtEl>
-                                        <p:attrNameLst>
-                                          <p:attrName>style.visibility</p:attrName>
-                                        </p:attrNameLst>
-                                      </p:cBhvr>
-                                      <p:to>
-                                        <p:strVal val="visible"/>
-                                      </p:to>
-                                    </p:set>
-                                    <p:anim calcmode="lin" valueType="num">
-                                      <p:cBhvr>
-                                        <p:cTn id="20" dur="1000" fill="hold"/>
-                                        <p:tgtEl>
-                                          <p:spTgt spid="25"/>
-                                        </p:tgtEl>
-                                        <p:attrNameLst>
-                                          <p:attrName>ppt_w</p:attrName>
-                                        </p:attrNameLst>
-                                      </p:cBhvr>
-                                      <p:tavLst>
-                                        <p:tav tm="0">
-                                          <p:val>
-                                            <p:fltVal val="0"/>
-                                          </p:val>
-                                        </p:tav>
-                                        <p:tav tm="100000">
-                                          <p:val>
-                                            <p:strVal val="#ppt_w"/>
-                                          </p:val>
-                                        </p:tav>
-                                      </p:tavLst>
-                                    </p:anim>
-                                    <p:anim calcmode="lin" valueType="num">
-                                      <p:cBhvr>
-                                        <p:cTn id="21" dur="1000" fill="hold"/>
-                                        <p:tgtEl>
-                                          <p:spTgt spid="25"/>
-                                        </p:tgtEl>
-                                        <p:attrNameLst>
-                                          <p:attrName>ppt_h</p:attrName>
-                                        </p:attrNameLst>
-                                      </p:cBhvr>
-                                      <p:tavLst>
-                                        <p:tav tm="0">
-                                          <p:val>
-                                            <p:fltVal val="0"/>
-                                          </p:val>
-                                        </p:tav>
-                                        <p:tav tm="100000">
-                                          <p:val>
-                                            <p:strVal val="#ppt_h"/>
-                                          </p:val>
-                                        </p:tav>
-                                      </p:tavLst>
-                                    </p:anim>
-                                    <p:anim calcmode="lin" valueType="num">
-                                      <p:cBhvr>
-                                        <p:cTn id="22" dur="1000" fill="hold"/>
-                                        <p:tgtEl>
-                                          <p:spTgt spid="25"/>
-                                        </p:tgtEl>
-                                        <p:attrNameLst>
-                                          <p:attrName>ppt_x</p:attrName>
-                                        </p:attrNameLst>
-                                      </p:cBhvr>
-                                      <p:tavLst>
-                                        <p:tav tm="0" fmla="#ppt_x+(cos(-2*pi*(1-$))*-#ppt_x-sin(-2*pi*(1-$))*(1-#ppt_y))*(1-$)">
-                                          <p:val>
-                                            <p:fltVal val="0"/>
-                                          </p:val>
-                                        </p:tav>
-                                        <p:tav tm="100000">
-                                          <p:val>
-                                            <p:fltVal val="1"/>
-                                          </p:val>
-                                        </p:tav>
-                                      </p:tavLst>
-                                    </p:anim>
-                                    <p:anim calcmode="lin" valueType="num">
-                                      <p:cBhvr>
-                                        <p:cTn id="23" dur="1000" fill="hold"/>
-                                        <p:tgtEl>
-                                          <p:spTgt spid="25"/>
-                                        </p:tgtEl>
-                                        <p:attrNameLst>
-                                          <p:attrName>ppt_y</p:attrName>
-                                        </p:attrNameLst>
-                                      </p:cBhvr>
-                                      <p:tavLst>
-                                        <p:tav tm="0" fmla="#ppt_y+(sin(-2*pi*(1-$))*-#ppt_x+cos(-2*pi*(1-$))*(1-#ppt_y))*(1-$)">
-                                          <p:val>
-                                            <p:fltVal val="0"/>
-                                          </p:val>
-                                        </p:tav>
-                                        <p:tav tm="100000">
-                                          <p:val>
-                                            <p:fltVal val="1"/>
-                                          </p:val>
-                                        </p:tav>
-                                      </p:tavLst>
-                                    </p:anim>
-                                  </p:childTnLst>
-                                </p:cTn>
-                              </p:par>
-                            </p:childTnLst>
-                          </p:cTn>
-                        </p:par>
-                      </p:childTnLst>
-                    </p:cTn>
-                  </p:par>
-                </p:childTnLst>
-              </p:cTn>
-              <p:prevCondLst>
-                <p:cond evt="onPrev" delay="0">
-                  <p:tgtEl>
-                    <p:sldTgt/>
-                  </p:tgtEl>
-                </p:cond>
-              </p:prevCondLst>
-              <p:nextCondLst>
-                <p:cond evt="onNext" delay="0">
-                  <p:tgtEl>
-                    <p:sldTgt/>
-                  </p:tgtEl>
-                </p:cond>
-              </p:nextCondLst>
-            </p:seq>
-          </p:childTnLst>
-        </p:cTn>
+        <p:cTn xmlns:p14="http://schemas.microsoft.com/office/powerpoint/2010/main" id="1" dur="indefinite" restart="never" nodeType="tmRoot"/>
       </p:par>
     </p:tnLst>
-    <p:bldLst>
-      <p:bldP spid="25" grpId="0" animBg="1"/>
-    </p:bldLst>
   </p:timing>
 </p:sld>
 </file>
 
-<file path=ppt/slides/slide28.xml><?xml version="1.0" encoding="utf-8"?>
+<file path=ppt/slides/slide3.xml><?xml version="1.0" encoding="utf-8"?>
+<p:sld xmlns:a="http://schemas.openxmlformats.org/drawingml/2006/main" xmlns:r="http://schemas.openxmlformats.org/officeDocument/2006/relationships" xmlns:p="http://schemas.openxmlformats.org/presentationml/2006/main" show="0">
+  <p:cSld>
+    <p:spTree>
+      <p:nvGrpSpPr>
+        <p:cNvPr id="1" name=""/>
+        <p:cNvGrpSpPr/>
+        <p:nvPr/>
+      </p:nvGrpSpPr>
+      <p:grpSpPr>
+        <a:xfrm>
+          <a:off x="0" y="0"/>
+          <a:ext cx="0" cy="0"/>
+          <a:chOff x="0" y="0"/>
+          <a:chExt cx="0" cy="0"/>
+        </a:xfrm>
+      </p:grpSpPr>
+      <p:sp>
+        <p:nvSpPr>
+          <p:cNvPr id="5" name="TextBox 4"/>
+          <p:cNvSpPr txBox="1"/>
+          <p:nvPr/>
+        </p:nvSpPr>
+        <p:spPr>
+          <a:xfrm>
+            <a:off x="124740" y="1717665"/>
+            <a:ext cx="8985240" cy="4247317"/>
+          </a:xfrm>
+          <a:prstGeom prst="rect">
+            <a:avLst/>
+          </a:prstGeom>
+          <a:noFill/>
+        </p:spPr>
+        <p:txBody>
+          <a:bodyPr wrap="square" rtlCol="0">
+            <a:spAutoFit/>
+          </a:bodyPr>
+          <a:lstStyle/>
+          <a:p>
+            <a:pPr algn="l"/>
+            <a:r>
+              <a:rPr lang="en-US" sz="5400" dirty="0" smtClean="0">
+                <a:latin typeface="Comic Sans MS" pitchFamily="66" charset="0"/>
+              </a:rPr>
+              <a:t>The text describes a bunch of algebraic rules to prove that propositional formulas are equivalent</a:t>
+            </a:r>
+          </a:p>
+          <a:p>
+            <a:pPr algn="l"/>
+            <a:endParaRPr lang="en-US" sz="5400" dirty="0">
+              <a:latin typeface="Comic Sans MS" pitchFamily="66" charset="0"/>
+            </a:endParaRPr>
+          </a:p>
+        </p:txBody>
+      </p:sp>
+      <p:sp>
+        <p:nvSpPr>
+          <p:cNvPr id="9" name="Title 1"/>
+          <p:cNvSpPr>
+            <a:spLocks noGrp="1"/>
+          </p:cNvSpPr>
+          <p:nvPr>
+            <p:ph type="title"/>
+          </p:nvPr>
+        </p:nvSpPr>
+        <p:spPr>
+          <a:xfrm>
+            <a:off x="1651000" y="363538"/>
+            <a:ext cx="6794500" cy="1003300"/>
+          </a:xfrm>
+        </p:spPr>
+        <p:txBody>
+          <a:bodyPr/>
+          <a:lstStyle/>
+          <a:p>
+            <a:r>
+              <a:rPr lang="en-US" sz="4000" dirty="0" smtClean="0"/>
+              <a:t>Proving Validity</a:t>
+            </a:r>
+            <a:endParaRPr lang="en-US" sz="4000" dirty="0"/>
+          </a:p>
+        </p:txBody>
+      </p:sp>
+      <p:sp>
+        <p:nvSpPr>
+          <p:cNvPr id="4" name="Slide Number Placeholder 2"/>
+          <p:cNvSpPr>
+            <a:spLocks noGrp="1"/>
+          </p:cNvSpPr>
+          <p:nvPr>
+            <p:ph type="sldNum" sz="quarter" idx="10"/>
+          </p:nvPr>
+        </p:nvSpPr>
+        <p:spPr>
+          <a:xfrm>
+            <a:off x="7333815" y="6553200"/>
+            <a:ext cx="1810186" cy="276999"/>
+          </a:xfrm>
+        </p:spPr>
+        <p:txBody>
+          <a:bodyPr/>
+          <a:lstStyle/>
+          <a:p>
+            <a:r>
+              <a:rPr lang="en-US" dirty="0" smtClean="0"/>
+              <a:t>propositional algebra.</a:t>
+            </a:r>
+            <a:fld id="{3251DA95-B240-47FE-901D-B78FC8E8E532}" type="slidenum">
+              <a:rPr lang="en-US" smtClean="0"/>
+              <a:pPr/>
+              <a:t>3</a:t>
+            </a:fld>
+            <a:endParaRPr lang="en-US" dirty="0"/>
+          </a:p>
+        </p:txBody>
+      </p:sp>
+    </p:spTree>
+    <p:extLst>
+      <p:ext uri="{BB962C8B-B14F-4D97-AF65-F5344CB8AC3E}">
+        <p14:creationId xmlns:p14="http://schemas.microsoft.com/office/powerpoint/2010/main" val="2402037063"/>
+      </p:ext>
+    </p:extLst>
+  </p:cSld>
+  <p:clrMapOvr>
+    <a:masterClrMapping/>
+  </p:clrMapOvr>
+  <p:transition xmlns:p14="http://schemas.microsoft.com/office/powerpoint/2010/main" spd="slow" advClick="0">
+    <p:fade/>
+  </p:transition>
+  <p:timing>
+    <p:tnLst>
+      <p:par>
+        <p:cTn xmlns:p14="http://schemas.microsoft.com/office/powerpoint/2010/main" id="1" dur="indefinite" restart="never" nodeType="tmRoot"/>
+      </p:par>
+    </p:tnLst>
+  </p:timing>
+</p:sld>
+</file>
+
+<file path=ppt/slides/slide30.xml><?xml version="1.0" encoding="utf-8"?>
 <p:sld xmlns:a="http://schemas.openxmlformats.org/drawingml/2006/main" xmlns:r="http://schemas.openxmlformats.org/officeDocument/2006/relationships" xmlns:p="http://schemas.openxmlformats.org/presentationml/2006/main">
   <p:cSld>
     <p:spTree>
@@ -15009,7 +15243,7 @@
             <a:fld id="{3251DA95-B240-47FE-901D-B78FC8E8E532}" type="slidenum">
               <a:rPr lang="en-US" smtClean="0"/>
               <a:pPr/>
-              <a:t>28</a:t>
+              <a:t>30</a:t>
             </a:fld>
             <a:endParaRPr lang="en-US" dirty="0"/>
           </a:p>
@@ -15037,7 +15271,7 @@
           <a:graphicData uri="http://schemas.openxmlformats.org/presentationml/2006/ole">
             <mc:AlternateContent xmlns:mc="http://schemas.openxmlformats.org/markup-compatibility/2006">
               <mc:Choice xmlns:v="urn:schemas-microsoft-com:vml" Requires="v">
-                <p:oleObj spid="_x0000_s425026" name="Equation" r:id="rId4" imgW="1511300" imgH="254000" progId="Equation.DSMT4">
+                <p:oleObj spid="_x0000_s425031" name="Equation" r:id="rId4" imgW="1511300" imgH="254000" progId="Equation.DSMT4">
                   <p:embed/>
                 </p:oleObj>
               </mc:Choice>
@@ -15094,7 +15328,7 @@
           <a:graphicData uri="http://schemas.openxmlformats.org/presentationml/2006/ole">
             <mc:AlternateContent xmlns:mc="http://schemas.openxmlformats.org/markup-compatibility/2006">
               <mc:Choice xmlns:v="urn:schemas-microsoft-com:vml" Requires="v">
-                <p:oleObj spid="_x0000_s425027" name="Equation" r:id="rId6" imgW="1524000" imgH="254000" progId="Equation.DSMT4">
+                <p:oleObj spid="_x0000_s425032" name="Equation" r:id="rId6" imgW="1524000" imgH="254000" progId="Equation.DSMT4">
                   <p:embed/>
                 </p:oleObj>
               </mc:Choice>
@@ -15151,7 +15385,7 @@
           <a:graphicData uri="http://schemas.openxmlformats.org/presentationml/2006/ole">
             <mc:AlternateContent xmlns:mc="http://schemas.openxmlformats.org/markup-compatibility/2006">
               <mc:Choice xmlns:v="urn:schemas-microsoft-com:vml" Requires="v">
-                <p:oleObj spid="_x0000_s425028" name="Equation" r:id="rId8" imgW="1181100" imgH="228600" progId="Equation.DSMT4">
+                <p:oleObj spid="_x0000_s425033" name="Equation" r:id="rId8" imgW="1181100" imgH="228600" progId="Equation.DSMT4">
                   <p:embed/>
                 </p:oleObj>
               </mc:Choice>
@@ -15208,7 +15442,7 @@
           <a:graphicData uri="http://schemas.openxmlformats.org/presentationml/2006/ole">
             <mc:AlternateContent xmlns:mc="http://schemas.openxmlformats.org/markup-compatibility/2006">
               <mc:Choice xmlns:v="urn:schemas-microsoft-com:vml" Requires="v">
-                <p:oleObj spid="_x0000_s425029" name="Equation" r:id="rId10" imgW="1168400" imgH="228600" progId="Equation.DSMT4">
+                <p:oleObj spid="_x0000_s425034" name="Equation" r:id="rId10" imgW="1168400" imgH="228600" progId="Equation.DSMT4">
                   <p:embed/>
                 </p:oleObj>
               </mc:Choice>
@@ -15483,7 +15717,7 @@
 </p:sld>
 </file>
 
-<file path=ppt/slides/slide29.xml><?xml version="1.0" encoding="utf-8"?>
+<file path=ppt/slides/slide31.xml><?xml version="1.0" encoding="utf-8"?>
 <p:sld xmlns:a="http://schemas.openxmlformats.org/drawingml/2006/main" xmlns:r="http://schemas.openxmlformats.org/officeDocument/2006/relationships" xmlns:p="http://schemas.openxmlformats.org/presentationml/2006/main">
   <p:cSld>
     <p:spTree>
@@ -15596,7 +15830,7 @@
             <a:fld id="{3251DA95-B240-47FE-901D-B78FC8E8E532}" type="slidenum">
               <a:rPr lang="en-US" smtClean="0"/>
               <a:pPr/>
-              <a:t>29</a:t>
+              <a:t>31</a:t>
             </a:fld>
             <a:endParaRPr lang="en-US" dirty="0"/>
           </a:p>
@@ -15624,7 +15858,7 @@
           <a:graphicData uri="http://schemas.openxmlformats.org/presentationml/2006/ole">
             <mc:AlternateContent xmlns:mc="http://schemas.openxmlformats.org/markup-compatibility/2006">
               <mc:Choice xmlns:v="urn:schemas-microsoft-com:vml" Requires="v">
-                <p:oleObj spid="_x0000_s459790" name="Equation" r:id="rId4" imgW="1600200" imgH="215900" progId="Equation.DSMT4">
+                <p:oleObj spid="_x0000_s459793" name="Equation" r:id="rId4" imgW="1600200" imgH="215900" progId="Equation.DSMT4">
                   <p:embed/>
                 </p:oleObj>
               </mc:Choice>
@@ -15681,7 +15915,7 @@
           <a:graphicData uri="http://schemas.openxmlformats.org/presentationml/2006/ole">
             <mc:AlternateContent xmlns:mc="http://schemas.openxmlformats.org/markup-compatibility/2006">
               <mc:Choice xmlns:v="urn:schemas-microsoft-com:vml" Requires="v">
-                <p:oleObj spid="_x0000_s459791" name="Equation" r:id="rId6" imgW="1397000" imgH="457200" progId="Equation.DSMT4">
+                <p:oleObj spid="_x0000_s459794" name="Equation" r:id="rId6" imgW="1397000" imgH="457200" progId="Equation.DSMT4">
                   <p:embed/>
                 </p:oleObj>
               </mc:Choice>
@@ -15868,146 +16102,7 @@
 </p:sld>
 </file>
 
-<file path=ppt/slides/slide3.xml><?xml version="1.0" encoding="utf-8"?>
-<p:sld xmlns:a="http://schemas.openxmlformats.org/drawingml/2006/main" xmlns:r="http://schemas.openxmlformats.org/officeDocument/2006/relationships" xmlns:p="http://schemas.openxmlformats.org/presentationml/2006/main" show="0">
-  <p:cSld>
-    <p:spTree>
-      <p:nvGrpSpPr>
-        <p:cNvPr id="1" name=""/>
-        <p:cNvGrpSpPr/>
-        <p:nvPr/>
-      </p:nvGrpSpPr>
-      <p:grpSpPr>
-        <a:xfrm>
-          <a:off x="0" y="0"/>
-          <a:ext cx="0" cy="0"/>
-          <a:chOff x="0" y="0"/>
-          <a:chExt cx="0" cy="0"/>
-        </a:xfrm>
-      </p:grpSpPr>
-      <p:sp>
-        <p:nvSpPr>
-          <p:cNvPr id="5" name="TextBox 4"/>
-          <p:cNvSpPr txBox="1"/>
-          <p:nvPr/>
-        </p:nvSpPr>
-        <p:spPr>
-          <a:xfrm>
-            <a:off x="124740" y="1717665"/>
-            <a:ext cx="8985240" cy="4247317"/>
-          </a:xfrm>
-          <a:prstGeom prst="rect">
-            <a:avLst/>
-          </a:prstGeom>
-          <a:noFill/>
-        </p:spPr>
-        <p:txBody>
-          <a:bodyPr wrap="square" rtlCol="0">
-            <a:spAutoFit/>
-          </a:bodyPr>
-          <a:lstStyle/>
-          <a:p>
-            <a:pPr algn="l"/>
-            <a:r>
-              <a:rPr lang="en-US" sz="5400" dirty="0" smtClean="0">
-                <a:latin typeface="Comic Sans MS" pitchFamily="66" charset="0"/>
-              </a:rPr>
-              <a:t>The text describes a bunch of algebraic rules to prove that propositional formulas are equivalent</a:t>
-            </a:r>
-          </a:p>
-          <a:p>
-            <a:pPr algn="l"/>
-            <a:endParaRPr lang="en-US" sz="5400" dirty="0">
-              <a:latin typeface="Comic Sans MS" pitchFamily="66" charset="0"/>
-            </a:endParaRPr>
-          </a:p>
-        </p:txBody>
-      </p:sp>
-      <p:sp>
-        <p:nvSpPr>
-          <p:cNvPr id="9" name="Title 1"/>
-          <p:cNvSpPr>
-            <a:spLocks noGrp="1"/>
-          </p:cNvSpPr>
-          <p:nvPr>
-            <p:ph type="title"/>
-          </p:nvPr>
-        </p:nvSpPr>
-        <p:spPr>
-          <a:xfrm>
-            <a:off x="1651000" y="363538"/>
-            <a:ext cx="6794500" cy="1003300"/>
-          </a:xfrm>
-        </p:spPr>
-        <p:txBody>
-          <a:bodyPr/>
-          <a:lstStyle/>
-          <a:p>
-            <a:r>
-              <a:rPr lang="en-US" sz="4000" dirty="0" smtClean="0"/>
-              <a:t>Proving Validity</a:t>
-            </a:r>
-            <a:endParaRPr lang="en-US" sz="4000" dirty="0"/>
-          </a:p>
-        </p:txBody>
-      </p:sp>
-      <p:sp>
-        <p:nvSpPr>
-          <p:cNvPr id="4" name="Slide Number Placeholder 2"/>
-          <p:cNvSpPr>
-            <a:spLocks noGrp="1"/>
-          </p:cNvSpPr>
-          <p:nvPr>
-            <p:ph type="sldNum" sz="quarter" idx="10"/>
-          </p:nvPr>
-        </p:nvSpPr>
-        <p:spPr>
-          <a:xfrm>
-            <a:off x="7333815" y="6553200"/>
-            <a:ext cx="1810186" cy="276999"/>
-          </a:xfrm>
-        </p:spPr>
-        <p:txBody>
-          <a:bodyPr/>
-          <a:lstStyle/>
-          <a:p>
-            <a:r>
-              <a:rPr lang="en-US" dirty="0" smtClean="0"/>
-              <a:t>propositional algebra.</a:t>
-            </a:r>
-            <a:fld id="{3251DA95-B240-47FE-901D-B78FC8E8E532}" type="slidenum">
-              <a:rPr lang="en-US" smtClean="0"/>
-              <a:pPr/>
-              <a:t>3</a:t>
-            </a:fld>
-            <a:endParaRPr lang="en-US" dirty="0"/>
-          </a:p>
-        </p:txBody>
-      </p:sp>
-    </p:spTree>
-    <p:extLst>
-      <p:ext uri="{BB962C8B-B14F-4D97-AF65-F5344CB8AC3E}">
-        <p14:creationId xmlns:p14="http://schemas.microsoft.com/office/powerpoint/2010/main" val="2402037063"/>
-      </p:ext>
-    </p:extLst>
-  </p:cSld>
-  <p:clrMapOvr>
-    <a:masterClrMapping/>
-  </p:clrMapOvr>
-  <p:transition xmlns:p14="http://schemas.microsoft.com/office/powerpoint/2010/main" spd="slow" advClick="0">
-    <p:fade/>
-  </p:transition>
-  <p:timing>
-    <p:tnLst>
-      <p:par>
-        <p:cTn xmlns:p14="http://schemas.microsoft.com/office/powerpoint/2010/main" id="1" dur="indefinite" restart="never" nodeType="tmRoot"/>
-      </p:par>
-    </p:tnLst>
-  </p:timing>
-</p:sld>
-</file>
-
-<file path=ppt/slides/slide30.xml><?xml version="1.0" encoding="utf-8"?>
+<file path=ppt/slides/slide32.xml><?xml version="1.0" encoding="utf-8"?>
 <p:sld xmlns:a="http://schemas.openxmlformats.org/drawingml/2006/main" xmlns:r="http://schemas.openxmlformats.org/officeDocument/2006/relationships" xmlns:p="http://schemas.openxmlformats.org/presentationml/2006/main">
   <p:cSld>
     <p:spTree>
@@ -16120,7 +16215,7 @@
             <a:fld id="{3251DA95-B240-47FE-901D-B78FC8E8E532}" type="slidenum">
               <a:rPr lang="en-US" smtClean="0"/>
               <a:pPr/>
-              <a:t>30</a:t>
+              <a:t>32</a:t>
             </a:fld>
             <a:endParaRPr lang="en-US" dirty="0"/>
           </a:p>
@@ -16148,7 +16243,7 @@
           <a:graphicData uri="http://schemas.openxmlformats.org/presentationml/2006/ole">
             <mc:AlternateContent xmlns:mc="http://schemas.openxmlformats.org/markup-compatibility/2006">
               <mc:Choice xmlns:v="urn:schemas-microsoft-com:vml" Requires="v">
-                <p:oleObj spid="_x0000_s468999" name="Equation" r:id="rId4" imgW="1600200" imgH="215900" progId="Equation.DSMT4">
+                <p:oleObj spid="_x0000_s469004" name="Equation" r:id="rId4" imgW="1600200" imgH="215900" progId="Equation.DSMT4">
                   <p:embed/>
                 </p:oleObj>
               </mc:Choice>
@@ -16238,14 +16333,6 @@
               </a:rPr>
               <a:t>OR)</a:t>
             </a:r>
-            <a:endParaRPr lang="en-US" sz="6600" dirty="0" smtClean="0">
-              <a:solidFill>
-                <a:schemeClr val="accent1">
-                  <a:lumMod val="50000"/>
-                </a:schemeClr>
-              </a:solidFill>
-              <a:latin typeface="Comic Sans MS" pitchFamily="66" charset="0"/>
-            </a:endParaRPr>
           </a:p>
         </p:txBody>
       </p:sp>
@@ -16271,7 +16358,7 @@
           <a:graphicData uri="http://schemas.openxmlformats.org/presentationml/2006/ole">
             <mc:AlternateContent xmlns:mc="http://schemas.openxmlformats.org/markup-compatibility/2006">
               <mc:Choice xmlns:v="urn:schemas-microsoft-com:vml" Requires="v">
-                <p:oleObj spid="_x0000_s469000" name="Equation" r:id="rId6" imgW="1397000" imgH="457200" progId="Equation.DSMT4">
+                <p:oleObj spid="_x0000_s469005" name="Equation" r:id="rId6" imgW="1397000" imgH="457200" progId="Equation.DSMT4">
                   <p:embed/>
                 </p:oleObj>
               </mc:Choice>
@@ -16316,9 +16403,18 @@
   <p:clrMapOvr>
     <a:masterClrMapping/>
   </p:clrMapOvr>
-  <p:transition xmlns:p14="http://schemas.microsoft.com/office/powerpoint/2010/main" spd="slow" advClick="0">
-    <p:fade thruBlk="1"/>
-  </p:transition>
+  <mc:AlternateContent xmlns:mc="http://schemas.openxmlformats.org/markup-compatibility/2006">
+    <mc:Choice xmlns:p14="http://schemas.microsoft.com/office/powerpoint/2010/main" Requires="p14">
+      <p:transition spd="med" p14:dur="700" advClick="0">
+        <p:fade/>
+      </p:transition>
+    </mc:Choice>
+    <mc:Fallback>
+      <p:transition xmlns:p14="http://schemas.microsoft.com/office/powerpoint/2010/main" spd="med" advClick="0">
+        <p:fade/>
+      </p:transition>
+    </mc:Fallback>
+  </mc:AlternateContent>
   <p:timing>
     <p:tnLst>
       <p:par>
@@ -16329,7 +16425,7 @@
 </p:sld>
 </file>
 
-<file path=ppt/slides/slide31.xml><?xml version="1.0" encoding="utf-8"?>
+<file path=ppt/slides/slide33.xml><?xml version="1.0" encoding="utf-8"?>
 <p:sld xmlns:a="http://schemas.openxmlformats.org/drawingml/2006/main" xmlns:r="http://schemas.openxmlformats.org/officeDocument/2006/relationships" xmlns:p="http://schemas.openxmlformats.org/presentationml/2006/main">
   <p:cSld>
     <p:spTree>
@@ -16368,7 +16464,7 @@
           <a:graphicData uri="http://schemas.openxmlformats.org/presentationml/2006/ole">
             <mc:AlternateContent xmlns:mc="http://schemas.openxmlformats.org/markup-compatibility/2006">
               <mc:Choice xmlns:v="urn:schemas-microsoft-com:vml" Requires="v">
-                <p:oleObj spid="_x0000_s426027" name="Equation" r:id="rId4" imgW="1854200" imgH="482600" progId="Equation.DSMT4">
+                <p:oleObj spid="_x0000_s426029" name="Equation" r:id="rId4" imgW="1854200" imgH="482600" progId="Equation.DSMT4">
                   <p:embed/>
                 </p:oleObj>
               </mc:Choice>
@@ -16458,7 +16554,7 @@
             <a:fld id="{3251DA95-B240-47FE-901D-B78FC8E8E532}" type="slidenum">
               <a:rPr lang="en-US" smtClean="0"/>
               <a:pPr/>
-              <a:t>31</a:t>
+              <a:t>33</a:t>
             </a:fld>
             <a:endParaRPr lang="en-US" dirty="0"/>
           </a:p>
@@ -16604,7 +16700,7 @@
 </p:sld>
 </file>
 
-<file path=ppt/slides/slide32.xml><?xml version="1.0" encoding="utf-8"?>
+<file path=ppt/slides/slide34.xml><?xml version="1.0" encoding="utf-8"?>
 <p:sld xmlns:a="http://schemas.openxmlformats.org/drawingml/2006/main" xmlns:r="http://schemas.openxmlformats.org/officeDocument/2006/relationships" xmlns:p="http://schemas.openxmlformats.org/presentationml/2006/main">
   <p:cSld>
     <p:spTree>
@@ -16621,6 +16717,63 @@
           <a:chExt cx="0" cy="0"/>
         </a:xfrm>
       </p:grpSpPr>
+      <p:graphicFrame>
+        <p:nvGraphicFramePr>
+          <p:cNvPr id="24" name="Object 23"/>
+          <p:cNvGraphicFramePr>
+            <a:graphicFrameLocks noChangeAspect="1"/>
+          </p:cNvGraphicFramePr>
+          <p:nvPr>
+            <p:extLst>
+              <p:ext uri="{D42A27DB-BD31-4B8C-83A1-F6EECF244321}">
+                <p14:modId xmlns:p14="http://schemas.microsoft.com/office/powerpoint/2010/main" val="4046428985"/>
+              </p:ext>
+            </p:extLst>
+          </p:nvPr>
+        </p:nvGraphicFramePr>
+        <p:xfrm>
+          <a:off x="1397794" y="1282700"/>
+          <a:ext cx="6484937" cy="1689100"/>
+        </p:xfrm>
+        <a:graphic>
+          <a:graphicData uri="http://schemas.openxmlformats.org/presentationml/2006/ole">
+            <mc:AlternateContent xmlns:mc="http://schemas.openxmlformats.org/markup-compatibility/2006">
+              <mc:Choice xmlns:v="urn:schemas-microsoft-com:vml" Requires="v">
+                <p:oleObj spid="_x0000_s481282" name="Equation" r:id="rId4" imgW="1854200" imgH="482600" progId="Equation.DSMT4">
+                  <p:embed/>
+                </p:oleObj>
+              </mc:Choice>
+              <mc:Fallback>
+                <p:oleObj name="Equation" r:id="rId4" imgW="1854200" imgH="482600" progId="Equation.DSMT4">
+                  <p:embed/>
+                  <p:pic>
+                    <p:nvPicPr>
+                      <p:cNvPr id="0" name=""/>
+                      <p:cNvPicPr/>
+                      <p:nvPr/>
+                    </p:nvPicPr>
+                    <p:blipFill>
+                      <a:blip r:embed="rId5"/>
+                      <a:stretch>
+                        <a:fillRect/>
+                      </a:stretch>
+                    </p:blipFill>
+                    <p:spPr>
+                      <a:xfrm>
+                        <a:off x="1397794" y="1282700"/>
+                        <a:ext cx="6484937" cy="1689100"/>
+                      </a:xfrm>
+                      <a:prstGeom prst="rect">
+                        <a:avLst/>
+                      </a:prstGeom>
+                    </p:spPr>
+                  </p:pic>
+                </p:oleObj>
+              </mc:Fallback>
+            </mc:AlternateContent>
+          </a:graphicData>
+        </a:graphic>
+      </p:graphicFrame>
       <p:sp>
         <p:nvSpPr>
           <p:cNvPr id="9" name="Title 1"/>
@@ -16676,7 +16829,146 @@
             <a:fld id="{3251DA95-B240-47FE-901D-B78FC8E8E532}" type="slidenum">
               <a:rPr lang="en-US" smtClean="0"/>
               <a:pPr/>
-              <a:t>32</a:t>
+              <a:t>34</a:t>
+            </a:fld>
+            <a:endParaRPr lang="en-US" dirty="0"/>
+          </a:p>
+        </p:txBody>
+      </p:sp>
+      <p:sp>
+        <p:nvSpPr>
+          <p:cNvPr id="6" name="TextBox 5"/>
+          <p:cNvSpPr txBox="1"/>
+          <p:nvPr/>
+        </p:nvSpPr>
+        <p:spPr>
+          <a:xfrm>
+            <a:off x="5194300" y="2801203"/>
+            <a:ext cx="2565726" cy="830997"/>
+          </a:xfrm>
+          <a:prstGeom prst="rect">
+            <a:avLst/>
+          </a:prstGeom>
+          <a:noFill/>
+        </p:spPr>
+        <p:txBody>
+          <a:bodyPr wrap="none" rtlCol="0">
+            <a:spAutoFit/>
+          </a:bodyPr>
+          <a:lstStyle/>
+          <a:p>
+            <a:pPr algn="l"/>
+            <a:r>
+              <a:rPr lang="en-US" sz="4800" dirty="0" smtClean="0">
+                <a:solidFill>
+                  <a:srgbClr val="FF03E3"/>
+                </a:solidFill>
+                <a:latin typeface="Comic Sans MS" pitchFamily="66" charset="0"/>
+              </a:rPr>
+              <a:t>Simplify </a:t>
+            </a:r>
+            <a:endParaRPr lang="en-US" sz="4800" dirty="0" smtClean="0">
+              <a:latin typeface="Comic Sans MS" pitchFamily="66" charset="0"/>
+            </a:endParaRPr>
+          </a:p>
+        </p:txBody>
+      </p:sp>
+    </p:spTree>
+    <p:extLst>
+      <p:ext uri="{BB962C8B-B14F-4D97-AF65-F5344CB8AC3E}">
+        <p14:creationId xmlns:p14="http://schemas.microsoft.com/office/powerpoint/2010/main" val="2859233029"/>
+      </p:ext>
+    </p:extLst>
+  </p:cSld>
+  <p:clrMapOvr>
+    <a:masterClrMapping/>
+  </p:clrMapOvr>
+  <p:transition xmlns:p14="http://schemas.microsoft.com/office/powerpoint/2010/main" spd="slow" advClick="0">
+    <p:fade/>
+  </p:transition>
+  <p:timing>
+    <p:tnLst>
+      <p:par>
+        <p:cTn xmlns:p14="http://schemas.microsoft.com/office/powerpoint/2010/main" id="1" dur="indefinite" restart="never" nodeType="tmRoot"/>
+      </p:par>
+    </p:tnLst>
+  </p:timing>
+</p:sld>
+</file>
+
+<file path=ppt/slides/slide35.xml><?xml version="1.0" encoding="utf-8"?>
+<p:sld xmlns:a="http://schemas.openxmlformats.org/drawingml/2006/main" xmlns:r="http://schemas.openxmlformats.org/officeDocument/2006/relationships" xmlns:p="http://schemas.openxmlformats.org/presentationml/2006/main">
+  <p:cSld>
+    <p:spTree>
+      <p:nvGrpSpPr>
+        <p:cNvPr id="1" name=""/>
+        <p:cNvGrpSpPr/>
+        <p:nvPr/>
+      </p:nvGrpSpPr>
+      <p:grpSpPr>
+        <a:xfrm>
+          <a:off x="0" y="0"/>
+          <a:ext cx="0" cy="0"/>
+          <a:chOff x="0" y="0"/>
+          <a:chExt cx="0" cy="0"/>
+        </a:xfrm>
+      </p:grpSpPr>
+      <p:sp>
+        <p:nvSpPr>
+          <p:cNvPr id="9" name="Title 1"/>
+          <p:cNvSpPr>
+            <a:spLocks noGrp="1"/>
+          </p:cNvSpPr>
+          <p:nvPr>
+            <p:ph type="title"/>
+          </p:nvPr>
+        </p:nvSpPr>
+        <p:spPr>
+          <a:xfrm>
+            <a:off x="1651000" y="363538"/>
+            <a:ext cx="6794500" cy="1003300"/>
+          </a:xfrm>
+        </p:spPr>
+        <p:txBody>
+          <a:bodyPr/>
+          <a:lstStyle/>
+          <a:p>
+            <a:r>
+              <a:rPr lang="en-US" sz="4000" dirty="0" smtClean="0"/>
+              <a:t>Algebra for Equivalence</a:t>
+            </a:r>
+            <a:endParaRPr lang="en-US" sz="4000" dirty="0"/>
+          </a:p>
+        </p:txBody>
+      </p:sp>
+      <p:sp>
+        <p:nvSpPr>
+          <p:cNvPr id="4" name="Slide Number Placeholder 2"/>
+          <p:cNvSpPr>
+            <a:spLocks noGrp="1"/>
+          </p:cNvSpPr>
+          <p:nvPr>
+            <p:ph type="sldNum" sz="quarter" idx="10"/>
+          </p:nvPr>
+        </p:nvSpPr>
+        <p:spPr>
+          <a:xfrm>
+            <a:off x="7333815" y="6553200"/>
+            <a:ext cx="1810186" cy="276999"/>
+          </a:xfrm>
+        </p:spPr>
+        <p:txBody>
+          <a:bodyPr/>
+          <a:lstStyle/>
+          <a:p>
+            <a:r>
+              <a:rPr lang="en-US" dirty="0" smtClean="0"/>
+              <a:t>propositional algebra.</a:t>
+            </a:r>
+            <a:fld id="{3251DA95-B240-47FE-901D-B78FC8E8E532}" type="slidenum">
+              <a:rPr lang="en-US" smtClean="0"/>
+              <a:pPr/>
+              <a:t>35</a:t>
             </a:fld>
             <a:endParaRPr lang="en-US" dirty="0"/>
           </a:p>
@@ -16704,7 +16996,7 @@
           <a:graphicData uri="http://schemas.openxmlformats.org/presentationml/2006/ole">
             <mc:AlternateContent xmlns:mc="http://schemas.openxmlformats.org/markup-compatibility/2006">
               <mc:Choice xmlns:v="urn:schemas-microsoft-com:vml" Requires="v">
-                <p:oleObj spid="_x0000_s447500" name="Equation" r:id="rId4" imgW="2514600" imgH="254000" progId="Equation.DSMT4">
+                <p:oleObj spid="_x0000_s447503" name="Equation" r:id="rId4" imgW="2514600" imgH="254000" progId="Equation.DSMT4">
                   <p:embed/>
                 </p:oleObj>
               </mc:Choice>
@@ -16747,8 +17039,8 @@
         </p:nvSpPr>
         <p:spPr>
           <a:xfrm>
-            <a:off x="812800" y="2806700"/>
-            <a:ext cx="7908761" cy="2123658"/>
+            <a:off x="298233" y="2730054"/>
+            <a:ext cx="8656923" cy="1938992"/>
           </a:xfrm>
           <a:prstGeom prst="rect">
             <a:avLst/>
@@ -16756,23 +17048,38 @@
           <a:noFill/>
         </p:spPr>
         <p:txBody>
-          <a:bodyPr wrap="none" rtlCol="0">
+          <a:bodyPr wrap="square" rtlCol="0">
             <a:spAutoFit/>
           </a:bodyPr>
           <a:lstStyle/>
           <a:p>
             <a:pPr algn="l"/>
             <a:r>
-              <a:rPr lang="en-US" sz="6600" dirty="0" smtClean="0">
+              <a:rPr lang="en-US" sz="6000" dirty="0" smtClean="0">
                 <a:latin typeface="Comic Sans MS" pitchFamily="66" charset="0"/>
               </a:rPr>
-              <a:t>disjunctive form.</a:t>
-            </a:r>
+              <a:t>got </a:t>
+            </a:r>
+            <a:r>
+              <a:rPr lang="en-US" sz="6000" dirty="0" smtClean="0">
+                <a:latin typeface="Comic Sans MS" pitchFamily="66" charset="0"/>
+              </a:rPr>
+              <a:t>to </a:t>
+            </a:r>
+            <a:r>
+              <a:rPr lang="en-US" sz="6000" dirty="0" smtClean="0">
+                <a:latin typeface="Comic Sans MS" pitchFamily="66" charset="0"/>
+              </a:rPr>
+              <a:t>disjunctive form!</a:t>
+            </a:r>
+            <a:endParaRPr lang="en-US" sz="6000" dirty="0" smtClean="0">
+              <a:latin typeface="Comic Sans MS" pitchFamily="66" charset="0"/>
+            </a:endParaRPr>
           </a:p>
           <a:p>
             <a:pPr algn="l"/>
             <a:r>
-              <a:rPr lang="en-US" sz="6600" dirty="0" smtClean="0">
+              <a:rPr lang="en-US" sz="6000" dirty="0" smtClean="0">
                 <a:latin typeface="Comic Sans MS" pitchFamily="66" charset="0"/>
               </a:rPr>
               <a:t>to get normal form:</a:t>
@@ -16951,7 +17258,7 @@
 </p:sld>
 </file>
 
-<file path=ppt/slides/slide33.xml><?xml version="1.0" encoding="utf-8"?>
+<file path=ppt/slides/slide36.xml><?xml version="1.0" encoding="utf-8"?>
 <p:sld xmlns:a="http://schemas.openxmlformats.org/drawingml/2006/main" xmlns:r="http://schemas.openxmlformats.org/officeDocument/2006/relationships" xmlns:p="http://schemas.openxmlformats.org/presentationml/2006/main">
   <p:cSld>
     <p:spTree>
@@ -17023,7 +17330,7 @@
             <a:fld id="{3251DA95-B240-47FE-901D-B78FC8E8E532}" type="slidenum">
               <a:rPr lang="en-US" smtClean="0"/>
               <a:pPr/>
-              <a:t>33</a:t>
+              <a:t>36</a:t>
             </a:fld>
             <a:endParaRPr lang="en-US" dirty="0"/>
           </a:p>
@@ -17051,7 +17358,7 @@
           <a:graphicData uri="http://schemas.openxmlformats.org/presentationml/2006/ole">
             <mc:AlternateContent xmlns:mc="http://schemas.openxmlformats.org/markup-compatibility/2006">
               <mc:Choice xmlns:v="urn:schemas-microsoft-com:vml" Requires="v">
-                <p:oleObj spid="_x0000_s449559" name="Equation" r:id="rId4" imgW="698500" imgH="254000" progId="Equation.DSMT4">
+                <p:oleObj spid="_x0000_s449562" name="Equation" r:id="rId4" imgW="698500" imgH="254000" progId="Equation.DSMT4">
                   <p:embed/>
                 </p:oleObj>
               </mc:Choice>
@@ -17140,7 +17447,7 @@
           <a:graphicData uri="http://schemas.openxmlformats.org/presentationml/2006/ole">
             <mc:AlternateContent xmlns:mc="http://schemas.openxmlformats.org/markup-compatibility/2006">
               <mc:Choice xmlns:v="urn:schemas-microsoft-com:vml" Requires="v">
-                <p:oleObj spid="_x0000_s449560" name="Equation" r:id="rId6" imgW="1651000" imgH="254000" progId="Equation.DSMT4">
+                <p:oleObj spid="_x0000_s449563" name="Equation" r:id="rId6" imgW="1651000" imgH="254000" progId="Equation.DSMT4">
                   <p:embed/>
                 </p:oleObj>
               </mc:Choice>
@@ -17424,7 +17731,7 @@
 </p:sld>
 </file>
 
-<file path=ppt/slides/slide34.xml><?xml version="1.0" encoding="utf-8"?>
+<file path=ppt/slides/slide37.xml><?xml version="1.0" encoding="utf-8"?>
 <p:sld xmlns:a="http://schemas.openxmlformats.org/drawingml/2006/main" xmlns:r="http://schemas.openxmlformats.org/officeDocument/2006/relationships" xmlns:p="http://schemas.openxmlformats.org/presentationml/2006/main">
   <p:cSld>
     <p:spTree>
@@ -17496,7 +17803,7 @@
             <a:fld id="{3251DA95-B240-47FE-901D-B78FC8E8E532}" type="slidenum">
               <a:rPr lang="en-US" smtClean="0"/>
               <a:pPr/>
-              <a:t>34</a:t>
+              <a:t>37</a:t>
             </a:fld>
             <a:endParaRPr lang="en-US" dirty="0"/>
           </a:p>
@@ -17524,7 +17831,7 @@
           <a:graphicData uri="http://schemas.openxmlformats.org/presentationml/2006/ole">
             <mc:AlternateContent xmlns:mc="http://schemas.openxmlformats.org/markup-compatibility/2006">
               <mc:Choice xmlns:v="urn:schemas-microsoft-com:vml" Requires="v">
-                <p:oleObj spid="_x0000_s453651" name="Equation" r:id="rId4" imgW="698500" imgH="254000" progId="Equation.DSMT4">
+                <p:oleObj spid="_x0000_s453654" name="Equation" r:id="rId4" imgW="698500" imgH="254000" progId="Equation.DSMT4">
                   <p:embed/>
                 </p:oleObj>
               </mc:Choice>
@@ -17613,7 +17920,7 @@
           <a:graphicData uri="http://schemas.openxmlformats.org/presentationml/2006/ole">
             <mc:AlternateContent xmlns:mc="http://schemas.openxmlformats.org/markup-compatibility/2006">
               <mc:Choice xmlns:v="urn:schemas-microsoft-com:vml" Requires="v">
-                <p:oleObj spid="_x0000_s453652" name="Equation" r:id="rId6" imgW="1651000" imgH="254000" progId="Equation.DSMT4">
+                <p:oleObj spid="_x0000_s453655" name="Equation" r:id="rId6" imgW="1651000" imgH="254000" progId="Equation.DSMT4">
                   <p:embed/>
                 </p:oleObj>
               </mc:Choice>
@@ -17715,7 +18022,7 @@
 </p:sld>
 </file>
 
-<file path=ppt/slides/slide35.xml><?xml version="1.0" encoding="utf-8"?>
+<file path=ppt/slides/slide38.xml><?xml version="1.0" encoding="utf-8"?>
 <p:sld xmlns:a="http://schemas.openxmlformats.org/drawingml/2006/main" xmlns:r="http://schemas.openxmlformats.org/officeDocument/2006/relationships" xmlns:p="http://schemas.openxmlformats.org/presentationml/2006/main">
   <p:cSld>
     <p:spTree>
@@ -17787,7 +18094,7 @@
             <a:fld id="{3251DA95-B240-47FE-901D-B78FC8E8E532}" type="slidenum">
               <a:rPr lang="en-US" smtClean="0"/>
               <a:pPr/>
-              <a:t>35</a:t>
+              <a:t>38</a:t>
             </a:fld>
             <a:endParaRPr lang="en-US" dirty="0"/>
           </a:p>
@@ -17815,7 +18122,7 @@
           <a:graphicData uri="http://schemas.openxmlformats.org/presentationml/2006/ole">
             <mc:AlternateContent xmlns:mc="http://schemas.openxmlformats.org/markup-compatibility/2006">
               <mc:Choice xmlns:v="urn:schemas-microsoft-com:vml" Requires="v">
-                <p:oleObj spid="_x0000_s454675" name="Equation" r:id="rId4" imgW="698500" imgH="254000" progId="Equation.DSMT4">
+                <p:oleObj spid="_x0000_s454678" name="Equation" r:id="rId4" imgW="698500" imgH="254000" progId="Equation.DSMT4">
                   <p:embed/>
                 </p:oleObj>
               </mc:Choice>
@@ -17904,7 +18211,7 @@
           <a:graphicData uri="http://schemas.openxmlformats.org/presentationml/2006/ole">
             <mc:AlternateContent xmlns:mc="http://schemas.openxmlformats.org/markup-compatibility/2006">
               <mc:Choice xmlns:v="urn:schemas-microsoft-com:vml" Requires="v">
-                <p:oleObj spid="_x0000_s454676" name="Equation" r:id="rId6" imgW="1333500" imgH="482600" progId="Equation.DSMT4">
+                <p:oleObj spid="_x0000_s454679" name="Equation" r:id="rId6" imgW="1333500" imgH="482600" progId="Equation.DSMT4">
                   <p:embed/>
                 </p:oleObj>
               </mc:Choice>
@@ -17949,13 +18256,13 @@
   <p:clrMapOvr>
     <a:masterClrMapping/>
   </p:clrMapOvr>
-  <mc:AlternateContent xmlns:mc="http://schemas.openxmlformats.org/markup-compatibility/2006">
-    <mc:Choice xmlns:p14="http://schemas.microsoft.com/office/powerpoint/2010/main" Requires="p14">
+  <mc:AlternateContent xmlns:mc="http://schemas.openxmlformats.org/markup-compatibility/2006" xmlns:p14="http://schemas.microsoft.com/office/powerpoint/2010/main">
+    <mc:Choice Requires="p14">
       <p:transition spd="med" p14:dur="600" advClick="0" advTm="400">
         <p:fade/>
       </p:transition>
     </mc:Choice>
-    <mc:Fallback>
+    <mc:Fallback xmlns="">
       <p:transition xmlns:p14="http://schemas.microsoft.com/office/powerpoint/2010/main" spd="med" advClick="0" advTm="400">
         <p:fade/>
       </p:transition>
@@ -17971,7 +18278,7 @@
 </p:sld>
 </file>
 
-<file path=ppt/slides/slide36.xml><?xml version="1.0" encoding="utf-8"?>
+<file path=ppt/slides/slide39.xml><?xml version="1.0" encoding="utf-8"?>
 <p:sld xmlns:a="http://schemas.openxmlformats.org/drawingml/2006/main" xmlns:r="http://schemas.openxmlformats.org/officeDocument/2006/relationships" xmlns:p="http://schemas.openxmlformats.org/presentationml/2006/main">
   <p:cSld>
     <p:spTree>
@@ -18043,7 +18350,7 @@
             <a:fld id="{3251DA95-B240-47FE-901D-B78FC8E8E532}" type="slidenum">
               <a:rPr lang="en-US" smtClean="0"/>
               <a:pPr/>
-              <a:t>36</a:t>
+              <a:t>39</a:t>
             </a:fld>
             <a:endParaRPr lang="en-US" dirty="0"/>
           </a:p>
@@ -18071,7 +18378,7 @@
           <a:graphicData uri="http://schemas.openxmlformats.org/presentationml/2006/ole">
             <mc:AlternateContent xmlns:mc="http://schemas.openxmlformats.org/markup-compatibility/2006">
               <mc:Choice xmlns:v="urn:schemas-microsoft-com:vml" Requires="v">
-                <p:oleObj spid="_x0000_s455697" name="Equation" r:id="rId4" imgW="698500" imgH="254000" progId="Equation.DSMT4">
+                <p:oleObj spid="_x0000_s455700" name="Equation" r:id="rId4" imgW="698500" imgH="254000" progId="Equation.DSMT4">
                   <p:embed/>
                 </p:oleObj>
               </mc:Choice>
@@ -18160,7 +18467,7 @@
           <a:graphicData uri="http://schemas.openxmlformats.org/presentationml/2006/ole">
             <mc:AlternateContent xmlns:mc="http://schemas.openxmlformats.org/markup-compatibility/2006">
               <mc:Choice xmlns:v="urn:schemas-microsoft-com:vml" Requires="v">
-                <p:oleObj spid="_x0000_s455698" name="Equation" r:id="rId6" imgW="1333500" imgH="482600" progId="Equation.DSMT4">
+                <p:oleObj spid="_x0000_s455701" name="Equation" r:id="rId6" imgW="1333500" imgH="482600" progId="Equation.DSMT4">
                   <p:embed/>
                 </p:oleObj>
               </mc:Choice>
@@ -18338,7 +18645,7 @@
 </p:sld>
 </file>
 
-<file path=ppt/slides/slide37.xml><?xml version="1.0" encoding="utf-8"?>
+<file path=ppt/slides/slide4.xml><?xml version="1.0" encoding="utf-8"?>
 <p:sld xmlns:a="http://schemas.openxmlformats.org/drawingml/2006/main" xmlns:r="http://schemas.openxmlformats.org/officeDocument/2006/relationships" xmlns:p="http://schemas.openxmlformats.org/presentationml/2006/main">
   <p:cSld>
     <p:spTree>
@@ -18357,6 +18664,47 @@
       </p:grpSpPr>
       <p:sp>
         <p:nvSpPr>
+          <p:cNvPr id="5" name="TextBox 4"/>
+          <p:cNvSpPr txBox="1"/>
+          <p:nvPr/>
+        </p:nvSpPr>
+        <p:spPr>
+          <a:xfrm>
+            <a:off x="1724483" y="1320800"/>
+            <a:ext cx="5729960" cy="923330"/>
+          </a:xfrm>
+          <a:prstGeom prst="rect">
+            <a:avLst/>
+          </a:prstGeom>
+          <a:noFill/>
+        </p:spPr>
+        <p:txBody>
+          <a:bodyPr wrap="square" rtlCol="0">
+            <a:spAutoFit/>
+          </a:bodyPr>
+          <a:lstStyle/>
+          <a:p>
+            <a:pPr algn="l"/>
+            <a:r>
+              <a:rPr lang="en-US" sz="5400" dirty="0" smtClean="0">
+                <a:solidFill>
+                  <a:srgbClr val="FF03E3"/>
+                </a:solidFill>
+                <a:latin typeface="Comic Sans MS" pitchFamily="66" charset="0"/>
+              </a:rPr>
+              <a:t>Double Negation</a:t>
+            </a:r>
+            <a:endParaRPr lang="en-US" sz="5400" dirty="0">
+              <a:solidFill>
+                <a:srgbClr val="FF03E3"/>
+              </a:solidFill>
+              <a:latin typeface="Comic Sans MS" pitchFamily="66" charset="0"/>
+            </a:endParaRPr>
+          </a:p>
+        </p:txBody>
+      </p:sp>
+      <p:sp>
+        <p:nvSpPr>
           <p:cNvPr id="9" name="Title 1"/>
           <p:cNvSpPr>
             <a:spLocks noGrp="1"/>
@@ -18410,7 +18758,241 @@
             <a:fld id="{3251DA95-B240-47FE-901D-B78FC8E8E532}" type="slidenum">
               <a:rPr lang="en-US" smtClean="0"/>
               <a:pPr/>
-              <a:t>37</a:t>
+              <a:t>4</a:t>
+            </a:fld>
+            <a:endParaRPr lang="en-US" dirty="0"/>
+          </a:p>
+        </p:txBody>
+      </p:sp>
+      <p:graphicFrame>
+        <p:nvGraphicFramePr>
+          <p:cNvPr id="3" name="Object 2"/>
+          <p:cNvGraphicFramePr>
+            <a:graphicFrameLocks noChangeAspect="1"/>
+          </p:cNvGraphicFramePr>
+          <p:nvPr>
+            <p:extLst>
+              <p:ext uri="{D42A27DB-BD31-4B8C-83A1-F6EECF244321}">
+                <p14:modId xmlns:p14="http://schemas.microsoft.com/office/powerpoint/2010/main" val="3219183914"/>
+              </p:ext>
+            </p:extLst>
+          </p:nvPr>
+        </p:nvGraphicFramePr>
+        <p:xfrm>
+          <a:off x="1090751" y="2590801"/>
+          <a:ext cx="7099024" cy="1252538"/>
+        </p:xfrm>
+        <a:graphic>
+          <a:graphicData uri="http://schemas.openxmlformats.org/presentationml/2006/ole">
+            <mc:AlternateContent xmlns:mc="http://schemas.openxmlformats.org/markup-compatibility/2006">
+              <mc:Choice xmlns:v="urn:schemas-microsoft-com:vml" Requires="v">
+                <p:oleObj spid="_x0000_s1059" name="Equation" r:id="rId4" imgW="1295400" imgH="228600" progId="Equation.DSMT4">
+                  <p:embed/>
+                </p:oleObj>
+              </mc:Choice>
+              <mc:Fallback>
+                <p:oleObj name="Equation" r:id="rId4" imgW="1295400" imgH="228600" progId="Equation.DSMT4">
+                  <p:embed/>
+                  <p:pic>
+                    <p:nvPicPr>
+                      <p:cNvPr id="0" name=""/>
+                      <p:cNvPicPr/>
+                      <p:nvPr/>
+                    </p:nvPicPr>
+                    <p:blipFill>
+                      <a:blip r:embed="rId5"/>
+                      <a:stretch>
+                        <a:fillRect/>
+                      </a:stretch>
+                    </p:blipFill>
+                    <p:spPr>
+                      <a:xfrm>
+                        <a:off x="1090751" y="2590801"/>
+                        <a:ext cx="7099024" cy="1252538"/>
+                      </a:xfrm>
+                      <a:prstGeom prst="rect">
+                        <a:avLst/>
+                      </a:prstGeom>
+                    </p:spPr>
+                  </p:pic>
+                </p:oleObj>
+              </mc:Fallback>
+            </mc:AlternateContent>
+          </a:graphicData>
+        </a:graphic>
+      </p:graphicFrame>
+    </p:spTree>
+    <p:extLst>
+      <p:ext uri="{BB962C8B-B14F-4D97-AF65-F5344CB8AC3E}">
+        <p14:creationId xmlns:p14="http://schemas.microsoft.com/office/powerpoint/2010/main" val="2749065415"/>
+      </p:ext>
+    </p:extLst>
+  </p:cSld>
+  <p:clrMapOvr>
+    <a:masterClrMapping/>
+  </p:clrMapOvr>
+  <p:transition xmlns:p14="http://schemas.microsoft.com/office/powerpoint/2010/main" spd="slow" advClick="0">
+    <p:fade/>
+  </p:transition>
+  <p:timing>
+    <p:tnLst>
+      <p:par>
+        <p:cTn xmlns:p14="http://schemas.microsoft.com/office/powerpoint/2010/main" id="1" dur="indefinite" restart="never" nodeType="tmRoot">
+          <p:childTnLst>
+            <p:seq concurrent="1" nextAc="seek">
+              <p:cTn id="2" dur="indefinite" nodeType="mainSeq">
+                <p:childTnLst>
+                  <p:par>
+                    <p:cTn id="3" fill="hold">
+                      <p:stCondLst>
+                        <p:cond delay="indefinite"/>
+                      </p:stCondLst>
+                      <p:childTnLst>
+                        <p:par>
+                          <p:cTn id="4" fill="hold">
+                            <p:stCondLst>
+                              <p:cond delay="0"/>
+                            </p:stCondLst>
+                            <p:childTnLst>
+                              <p:par>
+                                <p:cTn id="5" presetID="22" presetClass="entr" presetSubtype="8" fill="hold" nodeType="clickEffect">
+                                  <p:stCondLst>
+                                    <p:cond delay="0"/>
+                                  </p:stCondLst>
+                                  <p:childTnLst>
+                                    <p:set>
+                                      <p:cBhvr>
+                                        <p:cTn id="6" dur="1" fill="hold">
+                                          <p:stCondLst>
+                                            <p:cond delay="0"/>
+                                          </p:stCondLst>
+                                        </p:cTn>
+                                        <p:tgtEl>
+                                          <p:spTgt spid="3"/>
+                                        </p:tgtEl>
+                                        <p:attrNameLst>
+                                          <p:attrName>style.visibility</p:attrName>
+                                        </p:attrNameLst>
+                                      </p:cBhvr>
+                                      <p:to>
+                                        <p:strVal val="visible"/>
+                                      </p:to>
+                                    </p:set>
+                                    <p:animEffect transition="in" filter="wipe(left)">
+                                      <p:cBhvr>
+                                        <p:cTn id="7" dur="1000"/>
+                                        <p:tgtEl>
+                                          <p:spTgt spid="3"/>
+                                        </p:tgtEl>
+                                      </p:cBhvr>
+                                    </p:animEffect>
+                                  </p:childTnLst>
+                                </p:cTn>
+                              </p:par>
+                            </p:childTnLst>
+                          </p:cTn>
+                        </p:par>
+                      </p:childTnLst>
+                    </p:cTn>
+                  </p:par>
+                </p:childTnLst>
+              </p:cTn>
+              <p:prevCondLst>
+                <p:cond evt="onPrev" delay="0">
+                  <p:tgtEl>
+                    <p:sldTgt/>
+                  </p:tgtEl>
+                </p:cond>
+              </p:prevCondLst>
+              <p:nextCondLst>
+                <p:cond evt="onNext" delay="0">
+                  <p:tgtEl>
+                    <p:sldTgt/>
+                  </p:tgtEl>
+                </p:cond>
+              </p:nextCondLst>
+            </p:seq>
+          </p:childTnLst>
+        </p:cTn>
+      </p:par>
+    </p:tnLst>
+  </p:timing>
+</p:sld>
+</file>
+
+<file path=ppt/slides/slide40.xml><?xml version="1.0" encoding="utf-8"?>
+<p:sld xmlns:a="http://schemas.openxmlformats.org/drawingml/2006/main" xmlns:r="http://schemas.openxmlformats.org/officeDocument/2006/relationships" xmlns:p="http://schemas.openxmlformats.org/presentationml/2006/main">
+  <p:cSld>
+    <p:spTree>
+      <p:nvGrpSpPr>
+        <p:cNvPr id="1" name=""/>
+        <p:cNvGrpSpPr/>
+        <p:nvPr/>
+      </p:nvGrpSpPr>
+      <p:grpSpPr>
+        <a:xfrm>
+          <a:off x="0" y="0"/>
+          <a:ext cx="0" cy="0"/>
+          <a:chOff x="0" y="0"/>
+          <a:chExt cx="0" cy="0"/>
+        </a:xfrm>
+      </p:grpSpPr>
+      <p:sp>
+        <p:nvSpPr>
+          <p:cNvPr id="9" name="Title 1"/>
+          <p:cNvSpPr>
+            <a:spLocks noGrp="1"/>
+          </p:cNvSpPr>
+          <p:nvPr>
+            <p:ph type="title"/>
+          </p:nvPr>
+        </p:nvSpPr>
+        <p:spPr>
+          <a:xfrm>
+            <a:off x="1651000" y="363538"/>
+            <a:ext cx="6794500" cy="1003300"/>
+          </a:xfrm>
+        </p:spPr>
+        <p:txBody>
+          <a:bodyPr/>
+          <a:lstStyle/>
+          <a:p>
+            <a:r>
+              <a:rPr lang="en-US" sz="4000" dirty="0" smtClean="0"/>
+              <a:t>Algebra for Equivalence</a:t>
+            </a:r>
+            <a:endParaRPr lang="en-US" sz="4000" dirty="0"/>
+          </a:p>
+        </p:txBody>
+      </p:sp>
+      <p:sp>
+        <p:nvSpPr>
+          <p:cNvPr id="4" name="Slide Number Placeholder 2"/>
+          <p:cNvSpPr>
+            <a:spLocks noGrp="1"/>
+          </p:cNvSpPr>
+          <p:nvPr>
+            <p:ph type="sldNum" sz="quarter" idx="10"/>
+          </p:nvPr>
+        </p:nvSpPr>
+        <p:spPr>
+          <a:xfrm>
+            <a:off x="7333815" y="6553200"/>
+            <a:ext cx="1810186" cy="276999"/>
+          </a:xfrm>
+        </p:spPr>
+        <p:txBody>
+          <a:bodyPr/>
+          <a:lstStyle/>
+          <a:p>
+            <a:r>
+              <a:rPr lang="en-US" dirty="0" smtClean="0"/>
+              <a:t>propositional algebra.</a:t>
+            </a:r>
+            <a:fld id="{3251DA95-B240-47FE-901D-B78FC8E8E532}" type="slidenum">
+              <a:rPr lang="en-US" smtClean="0"/>
+              <a:pPr/>
+              <a:t>40</a:t>
             </a:fld>
             <a:endParaRPr lang="en-US" dirty="0"/>
           </a:p>
@@ -18438,7 +19020,7 @@
           <a:graphicData uri="http://schemas.openxmlformats.org/presentationml/2006/ole">
             <mc:AlternateContent xmlns:mc="http://schemas.openxmlformats.org/markup-compatibility/2006">
               <mc:Choice xmlns:v="urn:schemas-microsoft-com:vml" Requires="v">
-                <p:oleObj spid="_x0000_s460806" name="Equation" r:id="rId4" imgW="1333500" imgH="482600" progId="Equation.DSMT4">
+                <p:oleObj spid="_x0000_s460808" name="Equation" r:id="rId4" imgW="1333500" imgH="482600" progId="Equation.DSMT4">
                   <p:embed/>
                 </p:oleObj>
               </mc:Choice>
@@ -18540,7 +19122,7 @@
 </p:sld>
 </file>
 
-<file path=ppt/slides/slide38.xml><?xml version="1.0" encoding="utf-8"?>
+<file path=ppt/slides/slide41.xml><?xml version="1.0" encoding="utf-8"?>
 <p:sld xmlns:a="http://schemas.openxmlformats.org/drawingml/2006/main" xmlns:r="http://schemas.openxmlformats.org/officeDocument/2006/relationships" xmlns:p="http://schemas.openxmlformats.org/presentationml/2006/main">
   <p:cSld>
     <p:spTree>
@@ -18612,7 +19194,7 @@
             <a:fld id="{3251DA95-B240-47FE-901D-B78FC8E8E532}" type="slidenum">
               <a:rPr lang="en-US" smtClean="0"/>
               <a:pPr/>
-              <a:t>38</a:t>
+              <a:t>41</a:t>
             </a:fld>
             <a:endParaRPr lang="en-US" dirty="0"/>
           </a:p>
@@ -18640,7 +19222,7 @@
           <a:graphicData uri="http://schemas.openxmlformats.org/presentationml/2006/ole">
             <mc:AlternateContent xmlns:mc="http://schemas.openxmlformats.org/markup-compatibility/2006">
               <mc:Choice xmlns:v="urn:schemas-microsoft-com:vml" Requires="v">
-                <p:oleObj spid="_x0000_s461830" name="Equation" r:id="rId4" imgW="1333500" imgH="482600" progId="Equation.DSMT4">
+                <p:oleObj spid="_x0000_s461832" name="Equation" r:id="rId4" imgW="1333500" imgH="482600" progId="Equation.DSMT4">
                   <p:embed/>
                 </p:oleObj>
               </mc:Choice>
@@ -18853,7 +19435,7 @@
 </p:sld>
 </file>
 
-<file path=ppt/slides/slide39.xml><?xml version="1.0" encoding="utf-8"?>
+<file path=ppt/slides/slide42.xml><?xml version="1.0" encoding="utf-8"?>
 <p:sld xmlns:a="http://schemas.openxmlformats.org/drawingml/2006/main" xmlns:r="http://schemas.openxmlformats.org/officeDocument/2006/relationships" xmlns:p="http://schemas.openxmlformats.org/presentationml/2006/main">
   <p:cSld>
     <p:spTree>
@@ -19054,7 +19636,7 @@
             <a:fld id="{3251DA95-B240-47FE-901D-B78FC8E8E532}" type="slidenum">
               <a:rPr lang="en-US" smtClean="0"/>
               <a:pPr/>
-              <a:t>39</a:t>
+              <a:t>42</a:t>
             </a:fld>
             <a:endParaRPr lang="en-US" dirty="0"/>
           </a:p>
@@ -19210,7 +19792,7 @@
 </p:sld>
 </file>
 
-<file path=ppt/slides/slide4.xml><?xml version="1.0" encoding="utf-8"?>
+<file path=ppt/slides/slide43.xml><?xml version="1.0" encoding="utf-8"?>
 <p:sld xmlns:a="http://schemas.openxmlformats.org/drawingml/2006/main" xmlns:r="http://schemas.openxmlformats.org/officeDocument/2006/relationships" xmlns:p="http://schemas.openxmlformats.org/presentationml/2006/main">
   <p:cSld>
     <p:spTree>
@@ -19235,281 +19817,6 @@
         </p:nvSpPr>
         <p:spPr>
           <a:xfrm>
-            <a:off x="1724483" y="1320800"/>
-            <a:ext cx="5729960" cy="923330"/>
-          </a:xfrm>
-          <a:prstGeom prst="rect">
-            <a:avLst/>
-          </a:prstGeom>
-          <a:noFill/>
-        </p:spPr>
-        <p:txBody>
-          <a:bodyPr wrap="square" rtlCol="0">
-            <a:spAutoFit/>
-          </a:bodyPr>
-          <a:lstStyle/>
-          <a:p>
-            <a:pPr algn="l"/>
-            <a:r>
-              <a:rPr lang="en-US" sz="5400" dirty="0" smtClean="0">
-                <a:solidFill>
-                  <a:srgbClr val="FF03E3"/>
-                </a:solidFill>
-                <a:latin typeface="Comic Sans MS" pitchFamily="66" charset="0"/>
-              </a:rPr>
-              <a:t>Double Negation</a:t>
-            </a:r>
-            <a:endParaRPr lang="en-US" sz="5400" dirty="0">
-              <a:solidFill>
-                <a:srgbClr val="FF03E3"/>
-              </a:solidFill>
-              <a:latin typeface="Comic Sans MS" pitchFamily="66" charset="0"/>
-            </a:endParaRPr>
-          </a:p>
-        </p:txBody>
-      </p:sp>
-      <p:sp>
-        <p:nvSpPr>
-          <p:cNvPr id="9" name="Title 1"/>
-          <p:cNvSpPr>
-            <a:spLocks noGrp="1"/>
-          </p:cNvSpPr>
-          <p:nvPr>
-            <p:ph type="title"/>
-          </p:nvPr>
-        </p:nvSpPr>
-        <p:spPr>
-          <a:xfrm>
-            <a:off x="1651000" y="363538"/>
-            <a:ext cx="6794500" cy="1003300"/>
-          </a:xfrm>
-        </p:spPr>
-        <p:txBody>
-          <a:bodyPr/>
-          <a:lstStyle/>
-          <a:p>
-            <a:r>
-              <a:rPr lang="en-US" sz="4000" dirty="0" smtClean="0"/>
-              <a:t>Algebra for Equivalence</a:t>
-            </a:r>
-            <a:endParaRPr lang="en-US" sz="4000" dirty="0"/>
-          </a:p>
-        </p:txBody>
-      </p:sp>
-      <p:sp>
-        <p:nvSpPr>
-          <p:cNvPr id="4" name="Slide Number Placeholder 2"/>
-          <p:cNvSpPr>
-            <a:spLocks noGrp="1"/>
-          </p:cNvSpPr>
-          <p:nvPr>
-            <p:ph type="sldNum" sz="quarter" idx="10"/>
-          </p:nvPr>
-        </p:nvSpPr>
-        <p:spPr>
-          <a:xfrm>
-            <a:off x="7333815" y="6553200"/>
-            <a:ext cx="1810186" cy="276999"/>
-          </a:xfrm>
-        </p:spPr>
-        <p:txBody>
-          <a:bodyPr/>
-          <a:lstStyle/>
-          <a:p>
-            <a:r>
-              <a:rPr lang="en-US" dirty="0" smtClean="0"/>
-              <a:t>propositional algebra.</a:t>
-            </a:r>
-            <a:fld id="{3251DA95-B240-47FE-901D-B78FC8E8E532}" type="slidenum">
-              <a:rPr lang="en-US" smtClean="0"/>
-              <a:pPr/>
-              <a:t>4</a:t>
-            </a:fld>
-            <a:endParaRPr lang="en-US" dirty="0"/>
-          </a:p>
-        </p:txBody>
-      </p:sp>
-      <p:graphicFrame>
-        <p:nvGraphicFramePr>
-          <p:cNvPr id="3" name="Object 2"/>
-          <p:cNvGraphicFramePr>
-            <a:graphicFrameLocks noChangeAspect="1"/>
-          </p:cNvGraphicFramePr>
-          <p:nvPr>
-            <p:extLst>
-              <p:ext uri="{D42A27DB-BD31-4B8C-83A1-F6EECF244321}">
-                <p14:modId xmlns:p14="http://schemas.microsoft.com/office/powerpoint/2010/main" val="3219183914"/>
-              </p:ext>
-            </p:extLst>
-          </p:nvPr>
-        </p:nvGraphicFramePr>
-        <p:xfrm>
-          <a:off x="1090751" y="2590801"/>
-          <a:ext cx="7099024" cy="1252538"/>
-        </p:xfrm>
-        <a:graphic>
-          <a:graphicData uri="http://schemas.openxmlformats.org/presentationml/2006/ole">
-            <mc:AlternateContent xmlns:mc="http://schemas.openxmlformats.org/markup-compatibility/2006">
-              <mc:Choice xmlns:v="urn:schemas-microsoft-com:vml" Requires="v">
-                <p:oleObj spid="_x0000_s1057" name="Equation" r:id="rId4" imgW="1295400" imgH="228600" progId="Equation.DSMT4">
-                  <p:embed/>
-                </p:oleObj>
-              </mc:Choice>
-              <mc:Fallback>
-                <p:oleObj name="Equation" r:id="rId4" imgW="1295400" imgH="228600" progId="Equation.DSMT4">
-                  <p:embed/>
-                  <p:pic>
-                    <p:nvPicPr>
-                      <p:cNvPr id="0" name=""/>
-                      <p:cNvPicPr/>
-                      <p:nvPr/>
-                    </p:nvPicPr>
-                    <p:blipFill>
-                      <a:blip r:embed="rId5"/>
-                      <a:stretch>
-                        <a:fillRect/>
-                      </a:stretch>
-                    </p:blipFill>
-                    <p:spPr>
-                      <a:xfrm>
-                        <a:off x="1090751" y="2590801"/>
-                        <a:ext cx="7099024" cy="1252538"/>
-                      </a:xfrm>
-                      <a:prstGeom prst="rect">
-                        <a:avLst/>
-                      </a:prstGeom>
-                    </p:spPr>
-                  </p:pic>
-                </p:oleObj>
-              </mc:Fallback>
-            </mc:AlternateContent>
-          </a:graphicData>
-        </a:graphic>
-      </p:graphicFrame>
-    </p:spTree>
-    <p:extLst>
-      <p:ext uri="{BB962C8B-B14F-4D97-AF65-F5344CB8AC3E}">
-        <p14:creationId xmlns:p14="http://schemas.microsoft.com/office/powerpoint/2010/main" val="2749065415"/>
-      </p:ext>
-    </p:extLst>
-  </p:cSld>
-  <p:clrMapOvr>
-    <a:masterClrMapping/>
-  </p:clrMapOvr>
-  <p:transition xmlns:p14="http://schemas.microsoft.com/office/powerpoint/2010/main" spd="slow" advClick="0">
-    <p:fade/>
-  </p:transition>
-  <p:timing>
-    <p:tnLst>
-      <p:par>
-        <p:cTn xmlns:p14="http://schemas.microsoft.com/office/powerpoint/2010/main" id="1" dur="indefinite" restart="never" nodeType="tmRoot">
-          <p:childTnLst>
-            <p:seq concurrent="1" nextAc="seek">
-              <p:cTn id="2" dur="indefinite" nodeType="mainSeq">
-                <p:childTnLst>
-                  <p:par>
-                    <p:cTn id="3" fill="hold">
-                      <p:stCondLst>
-                        <p:cond delay="indefinite"/>
-                      </p:stCondLst>
-                      <p:childTnLst>
-                        <p:par>
-                          <p:cTn id="4" fill="hold">
-                            <p:stCondLst>
-                              <p:cond delay="0"/>
-                            </p:stCondLst>
-                            <p:childTnLst>
-                              <p:par>
-                                <p:cTn id="5" presetID="22" presetClass="entr" presetSubtype="8" fill="hold" nodeType="clickEffect">
-                                  <p:stCondLst>
-                                    <p:cond delay="0"/>
-                                  </p:stCondLst>
-                                  <p:childTnLst>
-                                    <p:set>
-                                      <p:cBhvr>
-                                        <p:cTn id="6" dur="1" fill="hold">
-                                          <p:stCondLst>
-                                            <p:cond delay="0"/>
-                                          </p:stCondLst>
-                                        </p:cTn>
-                                        <p:tgtEl>
-                                          <p:spTgt spid="3"/>
-                                        </p:tgtEl>
-                                        <p:attrNameLst>
-                                          <p:attrName>style.visibility</p:attrName>
-                                        </p:attrNameLst>
-                                      </p:cBhvr>
-                                      <p:to>
-                                        <p:strVal val="visible"/>
-                                      </p:to>
-                                    </p:set>
-                                    <p:animEffect transition="in" filter="wipe(left)">
-                                      <p:cBhvr>
-                                        <p:cTn id="7" dur="1000"/>
-                                        <p:tgtEl>
-                                          <p:spTgt spid="3"/>
-                                        </p:tgtEl>
-                                      </p:cBhvr>
-                                    </p:animEffect>
-                                  </p:childTnLst>
-                                </p:cTn>
-                              </p:par>
-                            </p:childTnLst>
-                          </p:cTn>
-                        </p:par>
-                      </p:childTnLst>
-                    </p:cTn>
-                  </p:par>
-                </p:childTnLst>
-              </p:cTn>
-              <p:prevCondLst>
-                <p:cond evt="onPrev" delay="0">
-                  <p:tgtEl>
-                    <p:sldTgt/>
-                  </p:tgtEl>
-                </p:cond>
-              </p:prevCondLst>
-              <p:nextCondLst>
-                <p:cond evt="onNext" delay="0">
-                  <p:tgtEl>
-                    <p:sldTgt/>
-                  </p:tgtEl>
-                </p:cond>
-              </p:nextCondLst>
-            </p:seq>
-          </p:childTnLst>
-        </p:cTn>
-      </p:par>
-    </p:tnLst>
-  </p:timing>
-</p:sld>
-</file>
-
-<file path=ppt/slides/slide40.xml><?xml version="1.0" encoding="utf-8"?>
-<p:sld xmlns:a="http://schemas.openxmlformats.org/drawingml/2006/main" xmlns:r="http://schemas.openxmlformats.org/officeDocument/2006/relationships" xmlns:p="http://schemas.openxmlformats.org/presentationml/2006/main">
-  <p:cSld>
-    <p:spTree>
-      <p:nvGrpSpPr>
-        <p:cNvPr id="1" name=""/>
-        <p:cNvGrpSpPr/>
-        <p:nvPr/>
-      </p:nvGrpSpPr>
-      <p:grpSpPr>
-        <a:xfrm>
-          <a:off x="0" y="0"/>
-          <a:ext cx="0" cy="0"/>
-          <a:chOff x="0" y="0"/>
-          <a:chExt cx="0" cy="0"/>
-        </a:xfrm>
-      </p:grpSpPr>
-      <p:sp>
-        <p:nvSpPr>
-          <p:cNvPr id="5" name="TextBox 4"/>
-          <p:cNvSpPr txBox="1"/>
-          <p:nvPr/>
-        </p:nvSpPr>
-        <p:spPr>
-          <a:xfrm>
             <a:off x="249243" y="1847840"/>
             <a:ext cx="8985240" cy="1754327"/>
           </a:xfrm>
@@ -19610,7 +19917,7 @@
             <a:fld id="{3251DA95-B240-47FE-901D-B78FC8E8E532}" type="slidenum">
               <a:rPr lang="en-US" smtClean="0"/>
               <a:pPr/>
-              <a:t>40</a:t>
+              <a:t>43</a:t>
             </a:fld>
             <a:endParaRPr lang="en-US" dirty="0"/>
           </a:p>
@@ -19648,7 +19955,7 @@
 </p:sld>
 </file>
 
-<file path=ppt/slides/slide41.xml><?xml version="1.0" encoding="utf-8"?>
+<file path=ppt/slides/slide44.xml><?xml version="1.0" encoding="utf-8"?>
 <p:sld xmlns:a="http://schemas.openxmlformats.org/drawingml/2006/main" xmlns:r="http://schemas.openxmlformats.org/officeDocument/2006/relationships" xmlns:p="http://schemas.openxmlformats.org/presentationml/2006/main">
   <p:cSld>
     <p:spTree>
@@ -19791,7 +20098,7 @@
             <a:fld id="{3251DA95-B240-47FE-901D-B78FC8E8E532}" type="slidenum">
               <a:rPr lang="en-US" smtClean="0"/>
               <a:pPr/>
-              <a:t>41</a:t>
+              <a:t>44</a:t>
             </a:fld>
             <a:endParaRPr lang="en-US" dirty="0"/>
           </a:p>
@@ -19829,7 +20136,7 @@
 </p:sld>
 </file>
 
-<file path=ppt/slides/slide42.xml><?xml version="1.0" encoding="utf-8"?>
+<file path=ppt/slides/slide45.xml><?xml version="1.0" encoding="utf-8"?>
 <p:sld xmlns:a="http://schemas.openxmlformats.org/drawingml/2006/main" xmlns:r="http://schemas.openxmlformats.org/officeDocument/2006/relationships" xmlns:p="http://schemas.openxmlformats.org/presentationml/2006/main">
   <p:cSld>
     <p:spTree>
@@ -20002,7 +20309,7 @@
             <a:fld id="{3251DA95-B240-47FE-901D-B78FC8E8E532}" type="slidenum">
               <a:rPr lang="en-US" smtClean="0"/>
               <a:pPr/>
-              <a:t>42</a:t>
+              <a:t>45</a:t>
             </a:fld>
             <a:endParaRPr lang="en-US" dirty="0"/>
           </a:p>
@@ -20040,7 +20347,7 @@
 </p:sld>
 </file>
 
-<file path=ppt/slides/slide43.xml><?xml version="1.0" encoding="utf-8"?>
+<file path=ppt/slides/slide46.xml><?xml version="1.0" encoding="utf-8"?>
 <p:sld xmlns:a="http://schemas.openxmlformats.org/drawingml/2006/main" xmlns:r="http://schemas.openxmlformats.org/officeDocument/2006/relationships" xmlns:p="http://schemas.openxmlformats.org/presentationml/2006/main">
   <p:cSld>
     <p:spTree>
@@ -20165,7 +20472,7 @@
             <a:fld id="{3251DA95-B240-47FE-901D-B78FC8E8E532}" type="slidenum">
               <a:rPr lang="en-US" smtClean="0"/>
               <a:pPr/>
-              <a:t>43</a:t>
+              <a:t>46</a:t>
             </a:fld>
             <a:endParaRPr lang="en-US" dirty="0"/>
           </a:p>
@@ -20194,7 +20501,7 @@
 </p:sld>
 </file>
 
-<file path=ppt/slides/slide44.xml><?xml version="1.0" encoding="utf-8"?>
+<file path=ppt/slides/slide47.xml><?xml version="1.0" encoding="utf-8"?>
 <p:sld xmlns:a="http://schemas.openxmlformats.org/drawingml/2006/main" xmlns:r="http://schemas.openxmlformats.org/officeDocument/2006/relationships" xmlns:p="http://schemas.openxmlformats.org/presentationml/2006/main">
   <p:cSld>
     <p:spTree>
@@ -20359,7 +20666,7 @@
             <a:fld id="{3251DA95-B240-47FE-901D-B78FC8E8E532}" type="slidenum">
               <a:rPr lang="en-US" smtClean="0"/>
               <a:pPr/>
-              <a:t>44</a:t>
+              <a:t>47</a:t>
             </a:fld>
             <a:endParaRPr lang="en-US" dirty="0"/>
           </a:p>
@@ -20375,13 +20682,13 @@
   <p:clrMapOvr>
     <a:masterClrMapping/>
   </p:clrMapOvr>
-  <mc:AlternateContent xmlns:mc="http://schemas.openxmlformats.org/markup-compatibility/2006">
-    <mc:Choice xmlns:p14="http://schemas.microsoft.com/office/powerpoint/2010/main" Requires="p14">
+  <mc:AlternateContent xmlns:mc="http://schemas.openxmlformats.org/markup-compatibility/2006" xmlns:p14="http://schemas.microsoft.com/office/powerpoint/2010/main">
+    <mc:Choice Requires="p14">
       <p:transition spd="med" p14:dur="700" advClick="0">
         <p:fade/>
       </p:transition>
     </mc:Choice>
-    <mc:Fallback>
+    <mc:Fallback xmlns="">
       <p:transition xmlns:p14="http://schemas.microsoft.com/office/powerpoint/2010/main" spd="med" advClick="0">
         <p:fade/>
       </p:transition>
@@ -20397,7 +20704,7 @@
 </p:sld>
 </file>
 
-<file path=ppt/slides/slide45.xml><?xml version="1.0" encoding="utf-8"?>
+<file path=ppt/slides/slide48.xml><?xml version="1.0" encoding="utf-8"?>
 <p:sld xmlns:a="http://schemas.openxmlformats.org/drawingml/2006/main" xmlns:r="http://schemas.openxmlformats.org/officeDocument/2006/relationships" xmlns:p="http://schemas.openxmlformats.org/presentationml/2006/main">
   <p:cSld>
     <p:spTree>
@@ -20540,7 +20847,7 @@
             <a:fld id="{3251DA95-B240-47FE-901D-B78FC8E8E532}" type="slidenum">
               <a:rPr lang="en-US" smtClean="0"/>
               <a:pPr/>
-              <a:t>45</a:t>
+              <a:t>48</a:t>
             </a:fld>
             <a:endParaRPr lang="en-US" dirty="0"/>
           </a:p>
@@ -20578,7 +20885,7 @@
 </p:sld>
 </file>
 
-<file path=ppt/slides/slide46.xml><?xml version="1.0" encoding="utf-8"?>
+<file path=ppt/slides/slide49.xml><?xml version="1.0" encoding="utf-8"?>
 <p:sld xmlns:a="http://schemas.openxmlformats.org/drawingml/2006/main" xmlns:r="http://schemas.openxmlformats.org/officeDocument/2006/relationships" xmlns:p="http://schemas.openxmlformats.org/presentationml/2006/main" show="0">
   <p:cSld>
     <p:spTree>
@@ -20736,7 +21043,7 @@
             <a:fld id="{3251DA95-B240-47FE-901D-B78FC8E8E532}" type="slidenum">
               <a:rPr lang="en-US" smtClean="0"/>
               <a:pPr/>
-              <a:t>46</a:t>
+              <a:t>49</a:t>
             </a:fld>
             <a:endParaRPr lang="en-US" dirty="0"/>
           </a:p>
@@ -21064,7 +21371,7 @@
           <a:graphicData uri="http://schemas.openxmlformats.org/presentationml/2006/ole">
             <mc:AlternateContent xmlns:mc="http://schemas.openxmlformats.org/markup-compatibility/2006">
               <mc:Choice xmlns:v="urn:schemas-microsoft-com:vml" Requires="v">
-                <p:oleObj spid="_x0000_s419936" name="Equation" r:id="rId4" imgW="139700" imgH="215900" progId="Equation.DSMT4">
+                <p:oleObj spid="_x0000_s419940" name="Equation" r:id="rId4" imgW="139700" imgH="215900" progId="Equation.DSMT4">
                   <p:embed/>
                 </p:oleObj>
               </mc:Choice>
@@ -21121,7 +21428,7 @@
           <a:graphicData uri="http://schemas.openxmlformats.org/presentationml/2006/ole">
             <mc:AlternateContent xmlns:mc="http://schemas.openxmlformats.org/markup-compatibility/2006">
               <mc:Choice xmlns:v="urn:schemas-microsoft-com:vml" Requires="v">
-                <p:oleObj spid="_x0000_s419937" name="Equation" r:id="rId6" imgW="2044700" imgH="228600" progId="Equation.DSMT4">
+                <p:oleObj spid="_x0000_s419941" name="Equation" r:id="rId6" imgW="2044700" imgH="228600" progId="Equation.DSMT4">
                   <p:embed/>
                 </p:oleObj>
               </mc:Choice>
@@ -21261,7 +21568,7 @@
           <a:graphicData uri="http://schemas.openxmlformats.org/presentationml/2006/ole">
             <mc:AlternateContent xmlns:mc="http://schemas.openxmlformats.org/markup-compatibility/2006">
               <mc:Choice xmlns:v="urn:schemas-microsoft-com:vml" Requires="v">
-                <p:oleObj spid="_x0000_s419938" name="Equation" r:id="rId8" imgW="2159000" imgH="457200" progId="Equation.DSMT4">
+                <p:oleObj spid="_x0000_s419942" name="Equation" r:id="rId8" imgW="2159000" imgH="457200" progId="Equation.DSMT4">
                   <p:embed/>
                 </p:oleObj>
               </mc:Choice>
@@ -21759,7 +22066,7 @@
           <a:graphicData uri="http://schemas.openxmlformats.org/presentationml/2006/ole">
             <mc:AlternateContent xmlns:mc="http://schemas.openxmlformats.org/markup-compatibility/2006">
               <mc:Choice xmlns:v="urn:schemas-microsoft-com:vml" Requires="v">
-                <p:oleObj spid="_x0000_s430109" name="Equation" r:id="rId4" imgW="139700" imgH="215900" progId="Equation.DSMT4">
+                <p:oleObj spid="_x0000_s430112" name="Equation" r:id="rId4" imgW="139700" imgH="215900" progId="Equation.DSMT4">
                   <p:embed/>
                 </p:oleObj>
               </mc:Choice>
@@ -21816,7 +22123,7 @@
           <a:graphicData uri="http://schemas.openxmlformats.org/presentationml/2006/ole">
             <mc:AlternateContent xmlns:mc="http://schemas.openxmlformats.org/markup-compatibility/2006">
               <mc:Choice xmlns:v="urn:schemas-microsoft-com:vml" Requires="v">
-                <p:oleObj spid="_x0000_s430110" name="Equation" r:id="rId6" imgW="2159000" imgH="457200" progId="Equation.DSMT4">
+                <p:oleObj spid="_x0000_s430113" name="Equation" r:id="rId6" imgW="2159000" imgH="457200" progId="Equation.DSMT4">
                   <p:embed/>
                 </p:oleObj>
               </mc:Choice>
@@ -22208,7 +22515,7 @@
           <a:graphicData uri="http://schemas.openxmlformats.org/presentationml/2006/ole">
             <mc:AlternateContent xmlns:mc="http://schemas.openxmlformats.org/markup-compatibility/2006">
               <mc:Choice xmlns:v="urn:schemas-microsoft-com:vml" Requires="v">
-                <p:oleObj spid="_x0000_s432149" name="Equation" r:id="rId4" imgW="139700" imgH="215900" progId="Equation.DSMT4">
+                <p:oleObj spid="_x0000_s432152" name="Equation" r:id="rId4" imgW="139700" imgH="215900" progId="Equation.DSMT4">
                   <p:embed/>
                 </p:oleObj>
               </mc:Choice>
@@ -22265,7 +22572,7 @@
           <a:graphicData uri="http://schemas.openxmlformats.org/presentationml/2006/ole">
             <mc:AlternateContent xmlns:mc="http://schemas.openxmlformats.org/markup-compatibility/2006">
               <mc:Choice xmlns:v="urn:schemas-microsoft-com:vml" Requires="v">
-                <p:oleObj spid="_x0000_s432150" name="Equation" r:id="rId6" imgW="2159000" imgH="685800" progId="Equation.DSMT4">
+                <p:oleObj spid="_x0000_s432153" name="Equation" r:id="rId6" imgW="2159000" imgH="685800" progId="Equation.DSMT4">
                   <p:embed/>
                 </p:oleObj>
               </mc:Choice>
@@ -22570,7 +22877,7 @@
           <a:graphicData uri="http://schemas.openxmlformats.org/presentationml/2006/ole">
             <mc:AlternateContent xmlns:mc="http://schemas.openxmlformats.org/markup-compatibility/2006">
               <mc:Choice xmlns:v="urn:schemas-microsoft-com:vml" Requires="v">
-                <p:oleObj spid="_x0000_s422940" name="Equation" r:id="rId4" imgW="1498600" imgH="457200" progId="Equation.DSMT4">
+                <p:oleObj spid="_x0000_s422942" name="Equation" r:id="rId4" imgW="1498600" imgH="457200" progId="Equation.DSMT4">
                   <p:embed/>
                 </p:oleObj>
               </mc:Choice>
@@ -22804,7 +23111,7 @@
           <a:graphicData uri="http://schemas.openxmlformats.org/presentationml/2006/ole">
             <mc:AlternateContent xmlns:mc="http://schemas.openxmlformats.org/markup-compatibility/2006">
               <mc:Choice xmlns:v="urn:schemas-microsoft-com:vml" Requires="v">
-                <p:oleObj spid="_x0000_s421917" name="Equation" r:id="rId4" imgW="1600200" imgH="457200" progId="Equation.DSMT4">
+                <p:oleObj spid="_x0000_s421919" name="Equation" r:id="rId4" imgW="1600200" imgH="457200" progId="Equation.DSMT4">
                   <p:embed/>
                 </p:oleObj>
               </mc:Choice>
